--- a/O_Retail초안.pptx
+++ b/O_Retail초안.pptx
@@ -23,6 +23,10 @@
       <p:font typeface="맑은 고딕" panose="020B0503020000020004" pitchFamily="50" charset="-127"/>
       <p:regular r:id="rId10"/>
       <p:bold r:id="rId11"/>
+    </p:embeddedFont>
+    <p:embeddedFont>
+      <p:font typeface="MS PGothic" panose="020B0600070205080204" pitchFamily="34" charset="-128"/>
+      <p:regular r:id="rId12"/>
     </p:embeddedFont>
   </p:embeddedFontLst>
   <p:defaultTextStyle>
@@ -122,7 +126,7 @@
   </p:defaultTextStyle>
   <p:extLst>
     <p:ext uri="{EFAFB233-063F-42B5-8137-9DF3F51BA10A}">
-      <p15:sldGuideLst xmlns="" xmlns:p15="http://schemas.microsoft.com/office/powerpoint/2012/main">
+      <p15:sldGuideLst xmlns:p15="http://schemas.microsoft.com/office/powerpoint/2012/main" xmlns="">
         <p15:guide id="1" orient="horz" pos="1049" userDrawn="1">
           <p15:clr>
             <a:srgbClr val="A4A3A4"/>
@@ -251,7 +255,7 @@
           <a:p>
             <a:fld id="{15661072-3E96-4BB2-8A93-9BCC76FC3EF7}" type="datetimeFigureOut">
               <a:rPr lang="ko-KR" altLang="en-US" smtClean="0"/>
-              <a:t>2020-03-25</a:t>
+              <a:t>2020-04-04</a:t>
             </a:fld>
             <a:endParaRPr lang="ko-KR" altLang="en-US"/>
           </a:p>
@@ -603,6 +607,90 @@
 </p:notes>
 </file>
 
+<file path=ppt/notesSlides/notesSlide2.xml><?xml version="1.0" encoding="utf-8"?>
+<p:notes xmlns:a="http://schemas.openxmlformats.org/drawingml/2006/main" xmlns:r="http://schemas.openxmlformats.org/officeDocument/2006/relationships" xmlns:p="http://schemas.openxmlformats.org/presentationml/2006/main">
+  <p:cSld>
+    <p:spTree>
+      <p:nvGrpSpPr>
+        <p:cNvPr id="1" name=""/>
+        <p:cNvGrpSpPr/>
+        <p:nvPr/>
+      </p:nvGrpSpPr>
+      <p:grpSpPr>
+        <a:xfrm>
+          <a:off x="0" y="0"/>
+          <a:ext cx="0" cy="0"/>
+          <a:chOff x="0" y="0"/>
+          <a:chExt cx="0" cy="0"/>
+        </a:xfrm>
+      </p:grpSpPr>
+      <p:sp>
+        <p:nvSpPr>
+          <p:cNvPr id="2" name="슬라이드 이미지 개체 틀 1"/>
+          <p:cNvSpPr>
+            <a:spLocks noGrp="1" noRot="1" noChangeAspect="1"/>
+          </p:cNvSpPr>
+          <p:nvPr>
+            <p:ph type="sldImg"/>
+          </p:nvPr>
+        </p:nvSpPr>
+        <p:spPr/>
+      </p:sp>
+      <p:sp>
+        <p:nvSpPr>
+          <p:cNvPr id="3" name="슬라이드 노트 개체 틀 2"/>
+          <p:cNvSpPr>
+            <a:spLocks noGrp="1"/>
+          </p:cNvSpPr>
+          <p:nvPr>
+            <p:ph type="body" idx="1"/>
+          </p:nvPr>
+        </p:nvSpPr>
+        <p:spPr/>
+        <p:txBody>
+          <a:bodyPr/>
+          <a:lstStyle/>
+          <a:p>
+            <a:endParaRPr lang="ko-KR" altLang="en-US" dirty="0"/>
+          </a:p>
+        </p:txBody>
+      </p:sp>
+      <p:sp>
+        <p:nvSpPr>
+          <p:cNvPr id="4" name="슬라이드 번호 개체 틀 3"/>
+          <p:cNvSpPr>
+            <a:spLocks noGrp="1"/>
+          </p:cNvSpPr>
+          <p:nvPr>
+            <p:ph type="sldNum" sz="quarter" idx="10"/>
+          </p:nvPr>
+        </p:nvSpPr>
+        <p:spPr/>
+        <p:txBody>
+          <a:bodyPr/>
+          <a:lstStyle/>
+          <a:p>
+            <a:fld id="{FF3101A3-26F5-4360-8CCB-68A91628ECBB}" type="slidenum">
+              <a:rPr lang="ko-KR" altLang="en-US" smtClean="0"/>
+              <a:t>4</a:t>
+            </a:fld>
+            <a:endParaRPr lang="ko-KR" altLang="en-US"/>
+          </a:p>
+        </p:txBody>
+      </p:sp>
+    </p:spTree>
+    <p:extLst>
+      <p:ext uri="{BB962C8B-B14F-4D97-AF65-F5344CB8AC3E}">
+        <p14:creationId xmlns:p14="http://schemas.microsoft.com/office/powerpoint/2010/main" val="1525785261"/>
+      </p:ext>
+    </p:extLst>
+  </p:cSld>
+  <p:clrMapOvr>
+    <a:masterClrMapping/>
+  </p:clrMapOvr>
+</p:notes>
+</file>
+
 <file path=ppt/slideLayouts/slideLayout1.xml><?xml version="1.0" encoding="utf-8"?>
 <p:sldLayout xmlns:a="http://schemas.openxmlformats.org/drawingml/2006/main" xmlns:r="http://schemas.openxmlformats.org/officeDocument/2006/relationships" xmlns:p="http://schemas.openxmlformats.org/presentationml/2006/main" type="title" preserve="1">
   <p:cSld name="제목 슬라이드">
@@ -734,7 +822,7 @@
           <a:p>
             <a:fld id="{7D273AF2-201B-418F-B8B2-7E4D7387CD19}" type="datetimeFigureOut">
               <a:rPr lang="ko-KR" altLang="en-US" smtClean="0"/>
-              <a:t>2020-03-25</a:t>
+              <a:t>2020-04-04</a:t>
             </a:fld>
             <a:endParaRPr lang="ko-KR" altLang="en-US"/>
           </a:p>
@@ -904,7 +992,7 @@
           <a:p>
             <a:fld id="{7D273AF2-201B-418F-B8B2-7E4D7387CD19}" type="datetimeFigureOut">
               <a:rPr lang="ko-KR" altLang="en-US" smtClean="0"/>
-              <a:t>2020-03-25</a:t>
+              <a:t>2020-04-04</a:t>
             </a:fld>
             <a:endParaRPr lang="ko-KR" altLang="en-US"/>
           </a:p>
@@ -1084,7 +1172,7 @@
           <a:p>
             <a:fld id="{7D273AF2-201B-418F-B8B2-7E4D7387CD19}" type="datetimeFigureOut">
               <a:rPr lang="ko-KR" altLang="en-US" smtClean="0"/>
-              <a:t>2020-03-25</a:t>
+              <a:t>2020-04-04</a:t>
             </a:fld>
             <a:endParaRPr lang="ko-KR" altLang="en-US"/>
           </a:p>
@@ -1254,7 +1342,7 @@
           <a:p>
             <a:fld id="{7D273AF2-201B-418F-B8B2-7E4D7387CD19}" type="datetimeFigureOut">
               <a:rPr lang="ko-KR" altLang="en-US" smtClean="0"/>
-              <a:t>2020-03-25</a:t>
+              <a:t>2020-04-04</a:t>
             </a:fld>
             <a:endParaRPr lang="ko-KR" altLang="en-US"/>
           </a:p>
@@ -1500,7 +1588,7 @@
           <a:p>
             <a:fld id="{7D273AF2-201B-418F-B8B2-7E4D7387CD19}" type="datetimeFigureOut">
               <a:rPr lang="ko-KR" altLang="en-US" smtClean="0"/>
-              <a:t>2020-03-25</a:t>
+              <a:t>2020-04-04</a:t>
             </a:fld>
             <a:endParaRPr lang="ko-KR" altLang="en-US"/>
           </a:p>
@@ -1732,7 +1820,7 @@
           <a:p>
             <a:fld id="{7D273AF2-201B-418F-B8B2-7E4D7387CD19}" type="datetimeFigureOut">
               <a:rPr lang="ko-KR" altLang="en-US" smtClean="0"/>
-              <a:t>2020-03-25</a:t>
+              <a:t>2020-04-04</a:t>
             </a:fld>
             <a:endParaRPr lang="ko-KR" altLang="en-US"/>
           </a:p>
@@ -2099,7 +2187,7 @@
           <a:p>
             <a:fld id="{7D273AF2-201B-418F-B8B2-7E4D7387CD19}" type="datetimeFigureOut">
               <a:rPr lang="ko-KR" altLang="en-US" smtClean="0"/>
-              <a:t>2020-03-25</a:t>
+              <a:t>2020-04-04</a:t>
             </a:fld>
             <a:endParaRPr lang="ko-KR" altLang="en-US"/>
           </a:p>
@@ -2217,7 +2305,7 @@
           <a:p>
             <a:fld id="{7D273AF2-201B-418F-B8B2-7E4D7387CD19}" type="datetimeFigureOut">
               <a:rPr lang="ko-KR" altLang="en-US" smtClean="0"/>
-              <a:t>2020-03-25</a:t>
+              <a:t>2020-04-04</a:t>
             </a:fld>
             <a:endParaRPr lang="ko-KR" altLang="en-US"/>
           </a:p>
@@ -2312,7 +2400,7 @@
           <a:p>
             <a:fld id="{7D273AF2-201B-418F-B8B2-7E4D7387CD19}" type="datetimeFigureOut">
               <a:rPr lang="ko-KR" altLang="en-US" smtClean="0"/>
-              <a:t>2020-03-25</a:t>
+              <a:t>2020-04-04</a:t>
             </a:fld>
             <a:endParaRPr lang="ko-KR" altLang="en-US"/>
           </a:p>
@@ -2589,7 +2677,7 @@
           <a:p>
             <a:fld id="{7D273AF2-201B-418F-B8B2-7E4D7387CD19}" type="datetimeFigureOut">
               <a:rPr lang="ko-KR" altLang="en-US" smtClean="0"/>
-              <a:t>2020-03-25</a:t>
+              <a:t>2020-04-04</a:t>
             </a:fld>
             <a:endParaRPr lang="ko-KR" altLang="en-US"/>
           </a:p>
@@ -2842,7 +2930,7 @@
           <a:p>
             <a:fld id="{7D273AF2-201B-418F-B8B2-7E4D7387CD19}" type="datetimeFigureOut">
               <a:rPr lang="ko-KR" altLang="en-US" smtClean="0"/>
-              <a:t>2020-03-25</a:t>
+              <a:t>2020-04-04</a:t>
             </a:fld>
             <a:endParaRPr lang="ko-KR" altLang="en-US"/>
           </a:p>
@@ -3055,7 +3143,7 @@
           <a:p>
             <a:fld id="{7D273AF2-201B-418F-B8B2-7E4D7387CD19}" type="datetimeFigureOut">
               <a:rPr lang="ko-KR" altLang="en-US" smtClean="0"/>
-              <a:t>2020-03-25</a:t>
+              <a:t>2020-04-04</a:t>
             </a:fld>
             <a:endParaRPr lang="ko-KR" altLang="en-US"/>
           </a:p>
@@ -3605,14 +3693,14 @@
           <a:p>
             <a:pPr algn="r"/>
             <a:r>
-              <a:rPr lang="ko-KR" altLang="en-US" sz="3200" dirty="0" smtClean="0">
+              <a:rPr lang="en-US" altLang="ko-KR" sz="3200" dirty="0" smtClean="0">
                 <a:solidFill>
                   <a:schemeClr val="bg1"/>
                 </a:solidFill>
                 <a:latin typeface="+mj-ea"/>
                 <a:ea typeface="+mj-ea"/>
               </a:rPr>
-              <a:t>임혜빈</a:t>
+              <a:t>Bean</a:t>
             </a:r>
             <a:endParaRPr lang="ko-KR" altLang="en-US" sz="3200" dirty="0">
               <a:solidFill>
@@ -3747,7 +3835,7 @@
         </p:nvSpPr>
         <p:spPr>
           <a:xfrm>
-            <a:off x="0" y="0"/>
+            <a:off x="0" y="10151"/>
             <a:ext cx="6096000" cy="6858000"/>
           </a:xfrm>
           <a:prstGeom prst="rect">
@@ -3814,8 +3902,8 @@
                 <a:solidFill>
                   <a:schemeClr val="bg1"/>
                 </a:solidFill>
-                <a:latin typeface="남양주고딕EB" panose="02020A03020101020101" pitchFamily="18" charset="-127"/>
-                <a:ea typeface="남양주고딕EB" panose="02020A03020101020101" pitchFamily="18" charset="-127"/>
+                <a:latin typeface="MS PGothic" panose="020B0600070205080204" pitchFamily="34" charset="-128"/>
+                <a:ea typeface="MS PGothic" panose="020B0600070205080204" pitchFamily="34" charset="-128"/>
               </a:rPr>
               <a:t>Index</a:t>
             </a:r>
@@ -3823,7 +3911,7 @@
               <a:solidFill>
                 <a:schemeClr val="bg1"/>
               </a:solidFill>
-              <a:latin typeface="남양주고딕EB" panose="02020A03020101020101" pitchFamily="18" charset="-127"/>
+              <a:latin typeface="MS PGothic" panose="020B0600070205080204" pitchFamily="34" charset="-128"/>
               <a:ea typeface="남양주고딕EB" panose="02020A03020101020101" pitchFamily="18" charset="-127"/>
             </a:endParaRPr>
           </a:p>
@@ -5347,7 +5435,7 @@
   <p:clrMapOvr>
     <a:masterClrMapping/>
   </p:clrMapOvr>
-  <p:transition spd="slow" advTm="2865">
+  <p:transition spd="slow">
     <p:push dir="u"/>
   </p:transition>
   <p:timing>
@@ -5425,7 +5513,7 @@
                                       <p:cBhvr>
                                         <p:cTn id="10" dur="1" fill="hold">
                                           <p:stCondLst>
-                                            <p:cond delay="0"/>
+                                            <p:cond delay="9"/>
                                           </p:stCondLst>
                                         </p:cTn>
                                         <p:tgtEl>
@@ -6755,17 +6843,7 @@
                 <a:latin typeface="+mj-ea"/>
                 <a:ea typeface="+mj-ea"/>
               </a:rPr>
-              <a:t>데이터 </a:t>
-            </a:r>
-            <a:r>
-              <a:rPr lang="ko-KR" altLang="en-US" sz="2400" spc="-150" dirty="0" smtClean="0">
-                <a:solidFill>
-                  <a:srgbClr val="0058A3"/>
-                </a:solidFill>
-                <a:latin typeface="+mj-ea"/>
-                <a:ea typeface="+mj-ea"/>
-              </a:rPr>
-              <a:t>분석하기 전 원하는 데이터만 불러오기</a:t>
+              <a:t>데이터 분석하기 전 원하는 데이터만 불러오기</a:t>
             </a:r>
             <a:endParaRPr lang="ko-KR" altLang="en-US" sz="2400" spc="-150" dirty="0">
               <a:solidFill>
@@ -6872,13 +6950,7 @@
               <a:rPr lang="ko-KR" altLang="en-US" sz="1400" spc="-80" dirty="0" smtClean="0">
                 <a:latin typeface="+mn-ea"/>
               </a:rPr>
-              <a:t> 원하는 데이터만 불러와서 비교할 수 </a:t>
-            </a:r>
-            <a:r>
-              <a:rPr lang="ko-KR" altLang="en-US" sz="1400" spc="-80" dirty="0" smtClean="0">
-                <a:latin typeface="+mn-ea"/>
-              </a:rPr>
-              <a:t>있게</a:t>
+              <a:t> 원하는 데이터만 불러와서 비교할 수 있게</a:t>
             </a:r>
             <a:r>
               <a:rPr lang="en-US" altLang="ko-KR" sz="1400" spc="-80" dirty="0">
@@ -6912,7 +6984,7 @@
         </p:nvSpPr>
         <p:spPr>
           <a:xfrm>
-            <a:off x="418744" y="1444239"/>
+            <a:off x="418744" y="1444238"/>
             <a:ext cx="11382191" cy="5077331"/>
           </a:xfrm>
           <a:prstGeom prst="rect">
@@ -6963,7 +7035,7 @@
           <p:nvPr/>
         </p:nvPicPr>
         <p:blipFill>
-          <a:blip r:embed="rId3">
+          <a:blip r:embed="rId4">
             <a:extLst>
               <a:ext uri="{28A0092B-C50C-407E-A947-70E740481C1C}">
                 <a14:useLocalDpi xmlns:a14="http://schemas.microsoft.com/office/drawing/2010/main" val="0"/>
@@ -7018,6 +7090,794 @@
           </a:extLst>
         </p:spPr>
       </p:pic>
+      <p:pic>
+        <p:nvPicPr>
+          <p:cNvPr id="1026" name="Picture 2"/>
+          <p:cNvPicPr>
+            <a:picLocks noChangeAspect="1" noChangeArrowheads="1"/>
+          </p:cNvPicPr>
+          <p:nvPr/>
+        </p:nvPicPr>
+        <p:blipFill>
+          <a:blip r:embed="rId5">
+            <a:extLst>
+              <a:ext uri="{28A0092B-C50C-407E-A947-70E740481C1C}">
+                <a14:useLocalDpi xmlns:a14="http://schemas.microsoft.com/office/drawing/2010/main" val="0"/>
+              </a:ext>
+            </a:extLst>
+          </a:blip>
+          <a:srcRect/>
+          <a:stretch>
+            <a:fillRect/>
+          </a:stretch>
+        </p:blipFill>
+        <p:spPr bwMode="auto">
+          <a:xfrm>
+            <a:off x="1457863" y="2803586"/>
+            <a:ext cx="1976359" cy="1911560"/>
+          </a:xfrm>
+          <a:prstGeom prst="rect">
+            <a:avLst/>
+          </a:prstGeom>
+          <a:noFill/>
+          <a:ln>
+            <a:noFill/>
+          </a:ln>
+          <a:effectLst/>
+          <a:extLst>
+            <a:ext uri="{909E8E84-426E-40DD-AFC4-6F175D3DCCD1}">
+              <a14:hiddenFill xmlns:a14="http://schemas.microsoft.com/office/drawing/2010/main">
+                <a:solidFill>
+                  <a:schemeClr val="accent1"/>
+                </a:solidFill>
+              </a14:hiddenFill>
+            </a:ext>
+            <a:ext uri="{91240B29-F687-4F45-9708-019B960494DF}">
+              <a14:hiddenLine xmlns:a14="http://schemas.microsoft.com/office/drawing/2010/main" w="9525">
+                <a:solidFill>
+                  <a:schemeClr val="tx1"/>
+                </a:solidFill>
+                <a:miter lim="800000"/>
+                <a:headEnd/>
+                <a:tailEnd/>
+              </a14:hiddenLine>
+            </a:ext>
+            <a:ext uri="{AF507438-7753-43E0-B8FC-AC1667EBCBE1}">
+              <a14:hiddenEffects xmlns:a14="http://schemas.microsoft.com/office/drawing/2010/main">
+                <a:effectLst>
+                  <a:outerShdw dist="35921" dir="2700000" algn="ctr" rotWithShape="0">
+                    <a:schemeClr val="bg2"/>
+                  </a:outerShdw>
+                </a:effectLst>
+              </a14:hiddenEffects>
+            </a:ext>
+          </a:extLst>
+        </p:spPr>
+      </p:pic>
+      <p:cxnSp>
+        <p:nvCxnSpPr>
+          <p:cNvPr id="12" name="직선 연결선 11"/>
+          <p:cNvCxnSpPr/>
+          <p:nvPr/>
+        </p:nvCxnSpPr>
+        <p:spPr>
+          <a:xfrm flipH="1">
+            <a:off x="9877244" y="1711846"/>
+            <a:ext cx="172529" cy="345255"/>
+          </a:xfrm>
+          <a:prstGeom prst="line">
+            <a:avLst/>
+          </a:prstGeom>
+          <a:ln w="63500"/>
+        </p:spPr>
+        <p:style>
+          <a:lnRef idx="1">
+            <a:schemeClr val="accent1"/>
+          </a:lnRef>
+          <a:fillRef idx="0">
+            <a:schemeClr val="accent1"/>
+          </a:fillRef>
+          <a:effectRef idx="0">
+            <a:schemeClr val="accent1"/>
+          </a:effectRef>
+          <a:fontRef idx="minor">
+            <a:schemeClr val="tx1"/>
+          </a:fontRef>
+        </p:style>
+      </p:cxnSp>
+      <p:cxnSp>
+        <p:nvCxnSpPr>
+          <p:cNvPr id="18" name="직선 연결선 17"/>
+          <p:cNvCxnSpPr/>
+          <p:nvPr/>
+        </p:nvCxnSpPr>
+        <p:spPr>
+          <a:xfrm flipH="1">
+            <a:off x="2613798" y="1940546"/>
+            <a:ext cx="172529" cy="345255"/>
+          </a:xfrm>
+          <a:prstGeom prst="line">
+            <a:avLst/>
+          </a:prstGeom>
+          <a:ln w="63500"/>
+        </p:spPr>
+        <p:style>
+          <a:lnRef idx="1">
+            <a:schemeClr val="accent1"/>
+          </a:lnRef>
+          <a:fillRef idx="0">
+            <a:schemeClr val="accent1"/>
+          </a:fillRef>
+          <a:effectRef idx="0">
+            <a:schemeClr val="accent1"/>
+          </a:effectRef>
+          <a:fontRef idx="minor">
+            <a:schemeClr val="tx1"/>
+          </a:fontRef>
+        </p:style>
+      </p:cxnSp>
+      <p:cxnSp>
+        <p:nvCxnSpPr>
+          <p:cNvPr id="20" name="직선 연결선 19"/>
+          <p:cNvCxnSpPr/>
+          <p:nvPr/>
+        </p:nvCxnSpPr>
+        <p:spPr>
+          <a:xfrm flipH="1">
+            <a:off x="6538817" y="1940546"/>
+            <a:ext cx="172529" cy="345255"/>
+          </a:xfrm>
+          <a:prstGeom prst="line">
+            <a:avLst/>
+          </a:prstGeom>
+          <a:ln w="63500"/>
+        </p:spPr>
+        <p:style>
+          <a:lnRef idx="1">
+            <a:schemeClr val="accent1"/>
+          </a:lnRef>
+          <a:fillRef idx="0">
+            <a:schemeClr val="accent1"/>
+          </a:fillRef>
+          <a:effectRef idx="0">
+            <a:schemeClr val="accent1"/>
+          </a:effectRef>
+          <a:fontRef idx="minor">
+            <a:schemeClr val="tx1"/>
+          </a:fontRef>
+        </p:style>
+      </p:cxnSp>
+      <p:cxnSp>
+        <p:nvCxnSpPr>
+          <p:cNvPr id="22" name="직선 연결선 21"/>
+          <p:cNvCxnSpPr/>
+          <p:nvPr/>
+        </p:nvCxnSpPr>
+        <p:spPr>
+          <a:xfrm flipH="1">
+            <a:off x="9963508" y="2035234"/>
+            <a:ext cx="517586" cy="0"/>
+          </a:xfrm>
+          <a:prstGeom prst="line">
+            <a:avLst/>
+          </a:prstGeom>
+          <a:ln w="63500"/>
+        </p:spPr>
+        <p:style>
+          <a:lnRef idx="1">
+            <a:schemeClr val="accent1"/>
+          </a:lnRef>
+          <a:fillRef idx="0">
+            <a:schemeClr val="accent1"/>
+          </a:fillRef>
+          <a:effectRef idx="0">
+            <a:schemeClr val="accent1"/>
+          </a:effectRef>
+          <a:fontRef idx="minor">
+            <a:schemeClr val="tx1"/>
+          </a:fontRef>
+        </p:style>
+      </p:cxnSp>
+      <p:cxnSp>
+        <p:nvCxnSpPr>
+          <p:cNvPr id="23" name="직선 연결선 22"/>
+          <p:cNvCxnSpPr/>
+          <p:nvPr/>
+        </p:nvCxnSpPr>
+        <p:spPr>
+          <a:xfrm flipH="1">
+            <a:off x="2786327" y="2225117"/>
+            <a:ext cx="517586" cy="0"/>
+          </a:xfrm>
+          <a:prstGeom prst="line">
+            <a:avLst/>
+          </a:prstGeom>
+          <a:ln w="63500"/>
+        </p:spPr>
+        <p:style>
+          <a:lnRef idx="1">
+            <a:schemeClr val="accent1"/>
+          </a:lnRef>
+          <a:fillRef idx="0">
+            <a:schemeClr val="accent1"/>
+          </a:fillRef>
+          <a:effectRef idx="0">
+            <a:schemeClr val="accent1"/>
+          </a:effectRef>
+          <a:fontRef idx="minor">
+            <a:schemeClr val="tx1"/>
+          </a:fontRef>
+        </p:style>
+      </p:cxnSp>
+      <p:cxnSp>
+        <p:nvCxnSpPr>
+          <p:cNvPr id="24" name="직선 연결선 23"/>
+          <p:cNvCxnSpPr/>
+          <p:nvPr/>
+        </p:nvCxnSpPr>
+        <p:spPr>
+          <a:xfrm flipH="1">
+            <a:off x="5851046" y="2052091"/>
+            <a:ext cx="517586" cy="0"/>
+          </a:xfrm>
+          <a:prstGeom prst="line">
+            <a:avLst/>
+          </a:prstGeom>
+          <a:ln w="63500"/>
+        </p:spPr>
+        <p:style>
+          <a:lnRef idx="1">
+            <a:schemeClr val="accent1"/>
+          </a:lnRef>
+          <a:fillRef idx="0">
+            <a:schemeClr val="accent1"/>
+          </a:fillRef>
+          <a:effectRef idx="0">
+            <a:schemeClr val="accent1"/>
+          </a:effectRef>
+          <a:fontRef idx="minor">
+            <a:schemeClr val="tx1"/>
+          </a:fontRef>
+        </p:style>
+      </p:cxnSp>
+      <p:pic>
+        <p:nvPicPr>
+          <p:cNvPr id="1027" name="Picture 3"/>
+          <p:cNvPicPr>
+            <a:picLocks noChangeAspect="1" noChangeArrowheads="1"/>
+          </p:cNvPicPr>
+          <p:nvPr/>
+        </p:nvPicPr>
+        <p:blipFill>
+          <a:blip r:embed="rId6">
+            <a:extLst>
+              <a:ext uri="{28A0092B-C50C-407E-A947-70E740481C1C}">
+                <a14:useLocalDpi xmlns:a14="http://schemas.microsoft.com/office/drawing/2010/main" val="0"/>
+              </a:ext>
+            </a:extLst>
+          </a:blip>
+          <a:srcRect/>
+          <a:stretch>
+            <a:fillRect/>
+          </a:stretch>
+        </p:blipFill>
+        <p:spPr bwMode="auto">
+          <a:xfrm>
+            <a:off x="1457862" y="2803586"/>
+            <a:ext cx="10198875" cy="2104844"/>
+          </a:xfrm>
+          <a:prstGeom prst="rect">
+            <a:avLst/>
+          </a:prstGeom>
+          <a:noFill/>
+          <a:ln>
+            <a:noFill/>
+          </a:ln>
+          <a:effectLst/>
+          <a:extLst>
+            <a:ext uri="{909E8E84-426E-40DD-AFC4-6F175D3DCCD1}">
+              <a14:hiddenFill xmlns:a14="http://schemas.microsoft.com/office/drawing/2010/main">
+                <a:solidFill>
+                  <a:schemeClr val="accent1"/>
+                </a:solidFill>
+              </a14:hiddenFill>
+            </a:ext>
+            <a:ext uri="{91240B29-F687-4F45-9708-019B960494DF}">
+              <a14:hiddenLine xmlns:a14="http://schemas.microsoft.com/office/drawing/2010/main" w="9525">
+                <a:solidFill>
+                  <a:schemeClr val="tx1"/>
+                </a:solidFill>
+                <a:miter lim="800000"/>
+                <a:headEnd/>
+                <a:tailEnd/>
+              </a14:hiddenLine>
+            </a:ext>
+            <a:ext uri="{AF507438-7753-43E0-B8FC-AC1667EBCBE1}">
+              <a14:hiddenEffects xmlns:a14="http://schemas.microsoft.com/office/drawing/2010/main">
+                <a:effectLst>
+                  <a:outerShdw dist="35921" dir="2700000" algn="ctr" rotWithShape="0">
+                    <a:schemeClr val="bg2"/>
+                  </a:outerShdw>
+                </a:effectLst>
+              </a14:hiddenEffects>
+            </a:ext>
+          </a:extLst>
+        </p:spPr>
+      </p:pic>
+      <p:cxnSp>
+        <p:nvCxnSpPr>
+          <p:cNvPr id="26" name="직선 연결선 25"/>
+          <p:cNvCxnSpPr/>
+          <p:nvPr/>
+        </p:nvCxnSpPr>
+        <p:spPr>
+          <a:xfrm flipH="1">
+            <a:off x="6625081" y="2035234"/>
+            <a:ext cx="2605183" cy="0"/>
+          </a:xfrm>
+          <a:prstGeom prst="line">
+            <a:avLst/>
+          </a:prstGeom>
+          <a:ln w="63500"/>
+        </p:spPr>
+        <p:style>
+          <a:lnRef idx="1">
+            <a:schemeClr val="accent1"/>
+          </a:lnRef>
+          <a:fillRef idx="0">
+            <a:schemeClr val="accent1"/>
+          </a:fillRef>
+          <a:effectRef idx="0">
+            <a:schemeClr val="accent1"/>
+          </a:effectRef>
+          <a:fontRef idx="minor">
+            <a:schemeClr val="tx1"/>
+          </a:fontRef>
+        </p:style>
+      </p:cxnSp>
+      <p:cxnSp>
+        <p:nvCxnSpPr>
+          <p:cNvPr id="28" name="직선 연결선 27"/>
+          <p:cNvCxnSpPr/>
+          <p:nvPr/>
+        </p:nvCxnSpPr>
+        <p:spPr>
+          <a:xfrm flipH="1">
+            <a:off x="3571331" y="2225117"/>
+            <a:ext cx="2279715" cy="0"/>
+          </a:xfrm>
+          <a:prstGeom prst="line">
+            <a:avLst/>
+          </a:prstGeom>
+          <a:ln w="63500"/>
+        </p:spPr>
+        <p:style>
+          <a:lnRef idx="1">
+            <a:schemeClr val="accent1"/>
+          </a:lnRef>
+          <a:fillRef idx="0">
+            <a:schemeClr val="accent1"/>
+          </a:fillRef>
+          <a:effectRef idx="0">
+            <a:schemeClr val="accent1"/>
+          </a:effectRef>
+          <a:fontRef idx="minor">
+            <a:schemeClr val="tx1"/>
+          </a:fontRef>
+        </p:style>
+      </p:cxnSp>
+      <p:cxnSp>
+        <p:nvCxnSpPr>
+          <p:cNvPr id="30" name="직선 연결선 29"/>
+          <p:cNvCxnSpPr/>
+          <p:nvPr/>
+        </p:nvCxnSpPr>
+        <p:spPr>
+          <a:xfrm flipH="1">
+            <a:off x="10614801" y="2035234"/>
+            <a:ext cx="392505" cy="0"/>
+          </a:xfrm>
+          <a:prstGeom prst="line">
+            <a:avLst/>
+          </a:prstGeom>
+          <a:ln w="63500"/>
+        </p:spPr>
+        <p:style>
+          <a:lnRef idx="1">
+            <a:schemeClr val="accent1"/>
+          </a:lnRef>
+          <a:fillRef idx="0">
+            <a:schemeClr val="accent1"/>
+          </a:fillRef>
+          <a:effectRef idx="0">
+            <a:schemeClr val="accent1"/>
+          </a:effectRef>
+          <a:fontRef idx="minor">
+            <a:schemeClr val="tx1"/>
+          </a:fontRef>
+        </p:style>
+      </p:cxnSp>
+      <p:cxnSp>
+        <p:nvCxnSpPr>
+          <p:cNvPr id="32" name="직선 연결선 31"/>
+          <p:cNvCxnSpPr/>
+          <p:nvPr/>
+        </p:nvCxnSpPr>
+        <p:spPr>
+          <a:xfrm flipH="1">
+            <a:off x="1065359" y="2224517"/>
+            <a:ext cx="901464" cy="0"/>
+          </a:xfrm>
+          <a:prstGeom prst="line">
+            <a:avLst/>
+          </a:prstGeom>
+          <a:ln w="63500"/>
+        </p:spPr>
+        <p:style>
+          <a:lnRef idx="1">
+            <a:schemeClr val="accent1"/>
+          </a:lnRef>
+          <a:fillRef idx="0">
+            <a:schemeClr val="accent1"/>
+          </a:fillRef>
+          <a:effectRef idx="0">
+            <a:schemeClr val="accent1"/>
+          </a:effectRef>
+          <a:fontRef idx="minor">
+            <a:schemeClr val="tx1"/>
+          </a:fontRef>
+        </p:style>
+      </p:cxnSp>
+      <p:cxnSp>
+        <p:nvCxnSpPr>
+          <p:cNvPr id="34" name="직선 연결선 33"/>
+          <p:cNvCxnSpPr/>
+          <p:nvPr/>
+        </p:nvCxnSpPr>
+        <p:spPr>
+          <a:xfrm flipH="1">
+            <a:off x="9301611" y="2035234"/>
+            <a:ext cx="258793" cy="0"/>
+          </a:xfrm>
+          <a:prstGeom prst="line">
+            <a:avLst/>
+          </a:prstGeom>
+          <a:ln w="63500"/>
+        </p:spPr>
+        <p:style>
+          <a:lnRef idx="1">
+            <a:schemeClr val="accent1"/>
+          </a:lnRef>
+          <a:fillRef idx="0">
+            <a:schemeClr val="accent1"/>
+          </a:fillRef>
+          <a:effectRef idx="0">
+            <a:schemeClr val="accent1"/>
+          </a:effectRef>
+          <a:fontRef idx="minor">
+            <a:schemeClr val="tx1"/>
+          </a:fontRef>
+        </p:style>
+      </p:cxnSp>
+      <p:cxnSp>
+        <p:nvCxnSpPr>
+          <p:cNvPr id="36" name="직선 연결선 35"/>
+          <p:cNvCxnSpPr/>
+          <p:nvPr/>
+        </p:nvCxnSpPr>
+        <p:spPr>
+          <a:xfrm flipH="1">
+            <a:off x="2038170" y="2224517"/>
+            <a:ext cx="258793" cy="0"/>
+          </a:xfrm>
+          <a:prstGeom prst="line">
+            <a:avLst/>
+          </a:prstGeom>
+          <a:ln w="63500"/>
+        </p:spPr>
+        <p:style>
+          <a:lnRef idx="1">
+            <a:schemeClr val="accent1"/>
+          </a:lnRef>
+          <a:fillRef idx="0">
+            <a:schemeClr val="accent1"/>
+          </a:fillRef>
+          <a:effectRef idx="0">
+            <a:schemeClr val="accent1"/>
+          </a:effectRef>
+          <a:fontRef idx="minor">
+            <a:schemeClr val="tx1"/>
+          </a:fontRef>
+        </p:style>
+      </p:cxnSp>
+      <p:cxnSp>
+        <p:nvCxnSpPr>
+          <p:cNvPr id="37" name="직선 연결선 36"/>
+          <p:cNvCxnSpPr/>
+          <p:nvPr/>
+        </p:nvCxnSpPr>
+        <p:spPr>
+          <a:xfrm flipH="1">
+            <a:off x="5949684" y="2224517"/>
+            <a:ext cx="258793" cy="0"/>
+          </a:xfrm>
+          <a:prstGeom prst="line">
+            <a:avLst/>
+          </a:prstGeom>
+          <a:ln w="63500"/>
+        </p:spPr>
+        <p:style>
+          <a:lnRef idx="1">
+            <a:schemeClr val="accent1"/>
+          </a:lnRef>
+          <a:fillRef idx="0">
+            <a:schemeClr val="accent1"/>
+          </a:fillRef>
+          <a:effectRef idx="0">
+            <a:schemeClr val="accent1"/>
+          </a:effectRef>
+          <a:fontRef idx="minor">
+            <a:schemeClr val="tx1"/>
+          </a:fontRef>
+        </p:style>
+      </p:cxnSp>
+      <p:pic>
+        <p:nvPicPr>
+          <p:cNvPr id="1028" name="Picture 4"/>
+          <p:cNvPicPr>
+            <a:picLocks noChangeAspect="1" noChangeArrowheads="1"/>
+          </p:cNvPicPr>
+          <p:nvPr/>
+        </p:nvPicPr>
+        <p:blipFill>
+          <a:blip r:embed="rId7">
+            <a:extLst>
+              <a:ext uri="{28A0092B-C50C-407E-A947-70E740481C1C}">
+                <a14:useLocalDpi xmlns:a14="http://schemas.microsoft.com/office/drawing/2010/main" val="0"/>
+              </a:ext>
+            </a:extLst>
+          </a:blip>
+          <a:srcRect/>
+          <a:stretch>
+            <a:fillRect/>
+          </a:stretch>
+        </p:blipFill>
+        <p:spPr bwMode="auto">
+          <a:xfrm>
+            <a:off x="1466650" y="2803586"/>
+            <a:ext cx="1967572" cy="2788573"/>
+          </a:xfrm>
+          <a:prstGeom prst="rect">
+            <a:avLst/>
+          </a:prstGeom>
+          <a:noFill/>
+          <a:ln>
+            <a:noFill/>
+          </a:ln>
+          <a:effectLst/>
+          <a:extLst>
+            <a:ext uri="{909E8E84-426E-40DD-AFC4-6F175D3DCCD1}">
+              <a14:hiddenFill xmlns:a14="http://schemas.microsoft.com/office/drawing/2010/main">
+                <a:solidFill>
+                  <a:schemeClr val="accent1"/>
+                </a:solidFill>
+              </a14:hiddenFill>
+            </a:ext>
+            <a:ext uri="{91240B29-F687-4F45-9708-019B960494DF}">
+              <a14:hiddenLine xmlns:a14="http://schemas.microsoft.com/office/drawing/2010/main" w="9525">
+                <a:solidFill>
+                  <a:schemeClr val="tx1"/>
+                </a:solidFill>
+                <a:miter lim="800000"/>
+                <a:headEnd/>
+                <a:tailEnd/>
+              </a14:hiddenLine>
+            </a:ext>
+            <a:ext uri="{AF507438-7753-43E0-B8FC-AC1667EBCBE1}">
+              <a14:hiddenEffects xmlns:a14="http://schemas.microsoft.com/office/drawing/2010/main">
+                <a:effectLst>
+                  <a:outerShdw dist="35921" dir="2700000" algn="ctr" rotWithShape="0">
+                    <a:schemeClr val="bg2"/>
+                  </a:outerShdw>
+                </a:effectLst>
+              </a14:hiddenEffects>
+            </a:ext>
+          </a:extLst>
+        </p:spPr>
+      </p:pic>
+      <p:cxnSp>
+        <p:nvCxnSpPr>
+          <p:cNvPr id="42" name="직선 연결선 41"/>
+          <p:cNvCxnSpPr/>
+          <p:nvPr/>
+        </p:nvCxnSpPr>
+        <p:spPr>
+          <a:xfrm flipH="1">
+            <a:off x="9618451" y="2034634"/>
+            <a:ext cx="258793" cy="0"/>
+          </a:xfrm>
+          <a:prstGeom prst="line">
+            <a:avLst/>
+          </a:prstGeom>
+          <a:ln w="63500"/>
+        </p:spPr>
+        <p:style>
+          <a:lnRef idx="1">
+            <a:schemeClr val="accent1"/>
+          </a:lnRef>
+          <a:fillRef idx="0">
+            <a:schemeClr val="accent1"/>
+          </a:fillRef>
+          <a:effectRef idx="0">
+            <a:schemeClr val="accent1"/>
+          </a:effectRef>
+          <a:fontRef idx="minor">
+            <a:schemeClr val="tx1"/>
+          </a:fontRef>
+        </p:style>
+      </p:cxnSp>
+      <p:cxnSp>
+        <p:nvCxnSpPr>
+          <p:cNvPr id="43" name="직선 연결선 42"/>
+          <p:cNvCxnSpPr/>
+          <p:nvPr/>
+        </p:nvCxnSpPr>
+        <p:spPr>
+          <a:xfrm flipH="1">
+            <a:off x="2370480" y="2224517"/>
+            <a:ext cx="258793" cy="0"/>
+          </a:xfrm>
+          <a:prstGeom prst="line">
+            <a:avLst/>
+          </a:prstGeom>
+          <a:ln w="63500"/>
+        </p:spPr>
+        <p:style>
+          <a:lnRef idx="1">
+            <a:schemeClr val="accent1"/>
+          </a:lnRef>
+          <a:fillRef idx="0">
+            <a:schemeClr val="accent1"/>
+          </a:fillRef>
+          <a:effectRef idx="0">
+            <a:schemeClr val="accent1"/>
+          </a:effectRef>
+          <a:fontRef idx="minor">
+            <a:schemeClr val="tx1"/>
+          </a:fontRef>
+        </p:style>
+      </p:cxnSp>
+      <p:cxnSp>
+        <p:nvCxnSpPr>
+          <p:cNvPr id="44" name="직선 연결선 43"/>
+          <p:cNvCxnSpPr/>
+          <p:nvPr/>
+        </p:nvCxnSpPr>
+        <p:spPr>
+          <a:xfrm flipH="1">
+            <a:off x="6208477" y="2224517"/>
+            <a:ext cx="348823" cy="600"/>
+          </a:xfrm>
+          <a:prstGeom prst="line">
+            <a:avLst/>
+          </a:prstGeom>
+          <a:ln w="63500"/>
+        </p:spPr>
+        <p:style>
+          <a:lnRef idx="1">
+            <a:schemeClr val="accent1"/>
+          </a:lnRef>
+          <a:fillRef idx="0">
+            <a:schemeClr val="accent1"/>
+          </a:fillRef>
+          <a:effectRef idx="0">
+            <a:schemeClr val="accent1"/>
+          </a:effectRef>
+          <a:fontRef idx="minor">
+            <a:schemeClr val="tx1"/>
+          </a:fontRef>
+        </p:style>
+      </p:cxnSp>
+      <p:pic>
+        <p:nvPicPr>
+          <p:cNvPr id="1029" name="Picture 5"/>
+          <p:cNvPicPr>
+            <a:picLocks noChangeAspect="1" noChangeArrowheads="1"/>
+          </p:cNvPicPr>
+          <p:nvPr/>
+        </p:nvPicPr>
+        <p:blipFill>
+          <a:blip r:embed="rId8">
+            <a:extLst>
+              <a:ext uri="{28A0092B-C50C-407E-A947-70E740481C1C}">
+                <a14:useLocalDpi xmlns:a14="http://schemas.microsoft.com/office/drawing/2010/main" val="0"/>
+              </a:ext>
+            </a:extLst>
+          </a:blip>
+          <a:srcRect/>
+          <a:stretch>
+            <a:fillRect/>
+          </a:stretch>
+        </p:blipFill>
+        <p:spPr bwMode="auto">
+          <a:xfrm>
+            <a:off x="1417313" y="2764688"/>
+            <a:ext cx="2282226" cy="2866367"/>
+          </a:xfrm>
+          <a:prstGeom prst="rect">
+            <a:avLst/>
+          </a:prstGeom>
+          <a:noFill/>
+          <a:ln>
+            <a:noFill/>
+          </a:ln>
+          <a:effectLst/>
+          <a:extLst>
+            <a:ext uri="{909E8E84-426E-40DD-AFC4-6F175D3DCCD1}">
+              <a14:hiddenFill xmlns:a14="http://schemas.microsoft.com/office/drawing/2010/main">
+                <a:solidFill>
+                  <a:schemeClr val="accent1"/>
+                </a:solidFill>
+              </a14:hiddenFill>
+            </a:ext>
+            <a:ext uri="{91240B29-F687-4F45-9708-019B960494DF}">
+              <a14:hiddenLine xmlns:a14="http://schemas.microsoft.com/office/drawing/2010/main" w="9525">
+                <a:solidFill>
+                  <a:schemeClr val="tx1"/>
+                </a:solidFill>
+                <a:miter lim="800000"/>
+                <a:headEnd/>
+                <a:tailEnd/>
+              </a14:hiddenLine>
+            </a:ext>
+            <a:ext uri="{AF507438-7753-43E0-B8FC-AC1667EBCBE1}">
+              <a14:hiddenEffects xmlns:a14="http://schemas.microsoft.com/office/drawing/2010/main">
+                <a:effectLst>
+                  <a:outerShdw dist="35921" dir="2700000" algn="ctr" rotWithShape="0">
+                    <a:schemeClr val="bg2"/>
+                  </a:outerShdw>
+                </a:effectLst>
+              </a14:hiddenEffects>
+            </a:ext>
+          </a:extLst>
+        </p:spPr>
+      </p:pic>
+      <p:cxnSp>
+        <p:nvCxnSpPr>
+          <p:cNvPr id="3" name="직선 화살표 연결선 2"/>
+          <p:cNvCxnSpPr/>
+          <p:nvPr/>
+        </p:nvCxnSpPr>
+        <p:spPr>
+          <a:xfrm>
+            <a:off x="1147313" y="2014069"/>
+            <a:ext cx="540000" cy="1048308"/>
+          </a:xfrm>
+          <a:prstGeom prst="straightConnector1">
+            <a:avLst/>
+          </a:prstGeom>
+          <a:ln w="50800">
+            <a:solidFill>
+              <a:srgbClr val="FF0000"/>
+            </a:solidFill>
+            <a:tailEnd type="arrow"/>
+          </a:ln>
+        </p:spPr>
+        <p:style>
+          <a:lnRef idx="3">
+            <a:schemeClr val="accent5"/>
+          </a:lnRef>
+          <a:fillRef idx="0">
+            <a:schemeClr val="accent5"/>
+          </a:fillRef>
+          <a:effectRef idx="2">
+            <a:schemeClr val="accent5"/>
+          </a:effectRef>
+          <a:fontRef idx="minor">
+            <a:schemeClr val="tx1"/>
+          </a:fontRef>
+        </p:style>
+      </p:cxnSp>
     </p:spTree>
     <p:custDataLst>
       <p:tags r:id="rId1"/>
@@ -7031,7 +7891,7 @@
   <p:clrMapOvr>
     <a:masterClrMapping/>
   </p:clrMapOvr>
-  <p:transition spd="slow" advTm="2865">
+  <p:transition spd="slow">
     <p:push dir="u"/>
   </p:transition>
   <p:timing>
@@ -7076,6 +7936,1545 @@
                                       </p:cBhvr>
                                       <p:to>
                                         <p:strVal val="visible"/>
+                                      </p:to>
+                                    </p:set>
+                                  </p:childTnLst>
+                                </p:cTn>
+                              </p:par>
+                            </p:childTnLst>
+                          </p:cTn>
+                        </p:par>
+                      </p:childTnLst>
+                    </p:cTn>
+                  </p:par>
+                  <p:par>
+                    <p:cTn id="7" fill="hold">
+                      <p:stCondLst>
+                        <p:cond delay="indefinite"/>
+                      </p:stCondLst>
+                      <p:childTnLst>
+                        <p:par>
+                          <p:cTn id="8" fill="hold">
+                            <p:stCondLst>
+                              <p:cond delay="0"/>
+                            </p:stCondLst>
+                            <p:childTnLst>
+                              <p:par>
+                                <p:cTn id="9" presetID="1" presetClass="entr" presetSubtype="0" fill="hold" nodeType="clickEffect">
+                                  <p:stCondLst>
+                                    <p:cond delay="0"/>
+                                  </p:stCondLst>
+                                  <p:childTnLst>
+                                    <p:set>
+                                      <p:cBhvr>
+                                        <p:cTn id="10" dur="1" fill="hold">
+                                          <p:stCondLst>
+                                            <p:cond delay="0"/>
+                                          </p:stCondLst>
+                                        </p:cTn>
+                                        <p:tgtEl>
+                                          <p:spTgt spid="1026"/>
+                                        </p:tgtEl>
+                                        <p:attrNameLst>
+                                          <p:attrName>style.visibility</p:attrName>
+                                        </p:attrNameLst>
+                                      </p:cBhvr>
+                                      <p:to>
+                                        <p:strVal val="visible"/>
+                                      </p:to>
+                                    </p:set>
+                                  </p:childTnLst>
+                                </p:cTn>
+                              </p:par>
+                            </p:childTnLst>
+                          </p:cTn>
+                        </p:par>
+                      </p:childTnLst>
+                    </p:cTn>
+                  </p:par>
+                  <p:par>
+                    <p:cTn id="11" fill="hold">
+                      <p:stCondLst>
+                        <p:cond delay="indefinite"/>
+                      </p:stCondLst>
+                      <p:childTnLst>
+                        <p:par>
+                          <p:cTn id="12" fill="hold">
+                            <p:stCondLst>
+                              <p:cond delay="0"/>
+                            </p:stCondLst>
+                            <p:childTnLst>
+                              <p:par>
+                                <p:cTn id="13" presetID="1" presetClass="entr" presetSubtype="0" fill="hold" nodeType="clickEffect">
+                                  <p:stCondLst>
+                                    <p:cond delay="0"/>
+                                  </p:stCondLst>
+                                  <p:childTnLst>
+                                    <p:set>
+                                      <p:cBhvr>
+                                        <p:cTn id="14" dur="1" fill="hold">
+                                          <p:stCondLst>
+                                            <p:cond delay="0"/>
+                                          </p:stCondLst>
+                                        </p:cTn>
+                                        <p:tgtEl>
+                                          <p:spTgt spid="3"/>
+                                        </p:tgtEl>
+                                        <p:attrNameLst>
+                                          <p:attrName>style.visibility</p:attrName>
+                                        </p:attrNameLst>
+                                      </p:cBhvr>
+                                      <p:to>
+                                        <p:strVal val="visible"/>
+                                      </p:to>
+                                    </p:set>
+                                  </p:childTnLst>
+                                </p:cTn>
+                              </p:par>
+                            </p:childTnLst>
+                          </p:cTn>
+                        </p:par>
+                      </p:childTnLst>
+                    </p:cTn>
+                  </p:par>
+                  <p:par>
+                    <p:cTn id="15" fill="hold">
+                      <p:stCondLst>
+                        <p:cond delay="indefinite"/>
+                      </p:stCondLst>
+                      <p:childTnLst>
+                        <p:par>
+                          <p:cTn id="16" fill="hold">
+                            <p:stCondLst>
+                              <p:cond delay="0"/>
+                            </p:stCondLst>
+                            <p:childTnLst>
+                              <p:par>
+                                <p:cTn id="17" presetID="1" presetClass="exit" presetSubtype="0" fill="hold" nodeType="clickEffect">
+                                  <p:stCondLst>
+                                    <p:cond delay="0"/>
+                                  </p:stCondLst>
+                                  <p:childTnLst>
+                                    <p:set>
+                                      <p:cBhvr>
+                                        <p:cTn id="18" dur="1" fill="hold">
+                                          <p:stCondLst>
+                                            <p:cond delay="0"/>
+                                          </p:stCondLst>
+                                        </p:cTn>
+                                        <p:tgtEl>
+                                          <p:spTgt spid="3"/>
+                                        </p:tgtEl>
+                                        <p:attrNameLst>
+                                          <p:attrName>style.visibility</p:attrName>
+                                        </p:attrNameLst>
+                                      </p:cBhvr>
+                                      <p:to>
+                                        <p:strVal val="hidden"/>
+                                      </p:to>
+                                    </p:set>
+                                  </p:childTnLst>
+                                </p:cTn>
+                              </p:par>
+                            </p:childTnLst>
+                          </p:cTn>
+                        </p:par>
+                      </p:childTnLst>
+                    </p:cTn>
+                  </p:par>
+                  <p:par>
+                    <p:cTn id="19" fill="hold">
+                      <p:stCondLst>
+                        <p:cond delay="indefinite"/>
+                      </p:stCondLst>
+                      <p:childTnLst>
+                        <p:par>
+                          <p:cTn id="20" fill="hold">
+                            <p:stCondLst>
+                              <p:cond delay="0"/>
+                            </p:stCondLst>
+                            <p:childTnLst>
+                              <p:par>
+                                <p:cTn id="21" presetID="1" presetClass="entr" presetSubtype="0" fill="hold" nodeType="clickEffect">
+                                  <p:stCondLst>
+                                    <p:cond delay="0"/>
+                                  </p:stCondLst>
+                                  <p:childTnLst>
+                                    <p:set>
+                                      <p:cBhvr>
+                                        <p:cTn id="22" dur="1" fill="hold">
+                                          <p:stCondLst>
+                                            <p:cond delay="0"/>
+                                          </p:stCondLst>
+                                        </p:cTn>
+                                        <p:tgtEl>
+                                          <p:spTgt spid="18"/>
+                                        </p:tgtEl>
+                                        <p:attrNameLst>
+                                          <p:attrName>style.visibility</p:attrName>
+                                        </p:attrNameLst>
+                                      </p:cBhvr>
+                                      <p:to>
+                                        <p:strVal val="visible"/>
+                                      </p:to>
+                                    </p:set>
+                                  </p:childTnLst>
+                                </p:cTn>
+                              </p:par>
+                              <p:par>
+                                <p:cTn id="23" presetID="1" presetClass="entr" presetSubtype="0" fill="hold" nodeType="withEffect">
+                                  <p:stCondLst>
+                                    <p:cond delay="0"/>
+                                  </p:stCondLst>
+                                  <p:childTnLst>
+                                    <p:set>
+                                      <p:cBhvr>
+                                        <p:cTn id="24" dur="1" fill="hold">
+                                          <p:stCondLst>
+                                            <p:cond delay="0"/>
+                                          </p:stCondLst>
+                                        </p:cTn>
+                                        <p:tgtEl>
+                                          <p:spTgt spid="20"/>
+                                        </p:tgtEl>
+                                        <p:attrNameLst>
+                                          <p:attrName>style.visibility</p:attrName>
+                                        </p:attrNameLst>
+                                      </p:cBhvr>
+                                      <p:to>
+                                        <p:strVal val="visible"/>
+                                      </p:to>
+                                    </p:set>
+                                  </p:childTnLst>
+                                </p:cTn>
+                              </p:par>
+                              <p:par>
+                                <p:cTn id="25" presetID="1" presetClass="entr" presetSubtype="0" fill="hold" nodeType="withEffect">
+                                  <p:stCondLst>
+                                    <p:cond delay="0"/>
+                                  </p:stCondLst>
+                                  <p:childTnLst>
+                                    <p:set>
+                                      <p:cBhvr>
+                                        <p:cTn id="26" dur="1" fill="hold">
+                                          <p:stCondLst>
+                                            <p:cond delay="0"/>
+                                          </p:stCondLst>
+                                        </p:cTn>
+                                        <p:tgtEl>
+                                          <p:spTgt spid="12"/>
+                                        </p:tgtEl>
+                                        <p:attrNameLst>
+                                          <p:attrName>style.visibility</p:attrName>
+                                        </p:attrNameLst>
+                                      </p:cBhvr>
+                                      <p:to>
+                                        <p:strVal val="visible"/>
+                                      </p:to>
+                                    </p:set>
+                                  </p:childTnLst>
+                                </p:cTn>
+                              </p:par>
+                            </p:childTnLst>
+                          </p:cTn>
+                        </p:par>
+                      </p:childTnLst>
+                    </p:cTn>
+                  </p:par>
+                  <p:par>
+                    <p:cTn id="27" fill="hold">
+                      <p:stCondLst>
+                        <p:cond delay="indefinite"/>
+                      </p:stCondLst>
+                      <p:childTnLst>
+                        <p:par>
+                          <p:cTn id="28" fill="hold">
+                            <p:stCondLst>
+                              <p:cond delay="0"/>
+                            </p:stCondLst>
+                            <p:childTnLst>
+                              <p:par>
+                                <p:cTn id="29" presetID="1" presetClass="entr" presetSubtype="0" fill="hold" nodeType="clickEffect">
+                                  <p:stCondLst>
+                                    <p:cond delay="0"/>
+                                  </p:stCondLst>
+                                  <p:childTnLst>
+                                    <p:set>
+                                      <p:cBhvr>
+                                        <p:cTn id="30" dur="1" fill="hold">
+                                          <p:stCondLst>
+                                            <p:cond delay="0"/>
+                                          </p:stCondLst>
+                                        </p:cTn>
+                                        <p:tgtEl>
+                                          <p:spTgt spid="22"/>
+                                        </p:tgtEl>
+                                        <p:attrNameLst>
+                                          <p:attrName>style.visibility</p:attrName>
+                                        </p:attrNameLst>
+                                      </p:cBhvr>
+                                      <p:to>
+                                        <p:strVal val="visible"/>
+                                      </p:to>
+                                    </p:set>
+                                  </p:childTnLst>
+                                </p:cTn>
+                              </p:par>
+                              <p:par>
+                                <p:cTn id="31" presetID="1" presetClass="entr" presetSubtype="0" fill="hold" nodeType="withEffect">
+                                  <p:stCondLst>
+                                    <p:cond delay="0"/>
+                                  </p:stCondLst>
+                                  <p:childTnLst>
+                                    <p:set>
+                                      <p:cBhvr>
+                                        <p:cTn id="32" dur="1" fill="hold">
+                                          <p:stCondLst>
+                                            <p:cond delay="0"/>
+                                          </p:stCondLst>
+                                        </p:cTn>
+                                        <p:tgtEl>
+                                          <p:spTgt spid="23"/>
+                                        </p:tgtEl>
+                                        <p:attrNameLst>
+                                          <p:attrName>style.visibility</p:attrName>
+                                        </p:attrNameLst>
+                                      </p:cBhvr>
+                                      <p:to>
+                                        <p:strVal val="visible"/>
+                                      </p:to>
+                                    </p:set>
+                                  </p:childTnLst>
+                                </p:cTn>
+                              </p:par>
+                              <p:par>
+                                <p:cTn id="33" presetID="1" presetClass="entr" presetSubtype="0" fill="hold" nodeType="withEffect">
+                                  <p:stCondLst>
+                                    <p:cond delay="0"/>
+                                  </p:stCondLst>
+                                  <p:childTnLst>
+                                    <p:set>
+                                      <p:cBhvr>
+                                        <p:cTn id="34" dur="1" fill="hold">
+                                          <p:stCondLst>
+                                            <p:cond delay="0"/>
+                                          </p:stCondLst>
+                                        </p:cTn>
+                                        <p:tgtEl>
+                                          <p:spTgt spid="24"/>
+                                        </p:tgtEl>
+                                        <p:attrNameLst>
+                                          <p:attrName>style.visibility</p:attrName>
+                                        </p:attrNameLst>
+                                      </p:cBhvr>
+                                      <p:to>
+                                        <p:strVal val="visible"/>
+                                      </p:to>
+                                    </p:set>
+                                  </p:childTnLst>
+                                </p:cTn>
+                              </p:par>
+                            </p:childTnLst>
+                          </p:cTn>
+                        </p:par>
+                      </p:childTnLst>
+                    </p:cTn>
+                  </p:par>
+                  <p:par>
+                    <p:cTn id="35" fill="hold">
+                      <p:stCondLst>
+                        <p:cond delay="indefinite"/>
+                      </p:stCondLst>
+                      <p:childTnLst>
+                        <p:par>
+                          <p:cTn id="36" fill="hold">
+                            <p:stCondLst>
+                              <p:cond delay="0"/>
+                            </p:stCondLst>
+                            <p:childTnLst>
+                              <p:par>
+                                <p:cTn id="37" presetID="1" presetClass="exit" presetSubtype="0" fill="hold" nodeType="clickEffect">
+                                  <p:stCondLst>
+                                    <p:cond delay="0"/>
+                                  </p:stCondLst>
+                                  <p:childTnLst>
+                                    <p:set>
+                                      <p:cBhvr>
+                                        <p:cTn id="38" dur="1" fill="hold">
+                                          <p:stCondLst>
+                                            <p:cond delay="0"/>
+                                          </p:stCondLst>
+                                        </p:cTn>
+                                        <p:tgtEl>
+                                          <p:spTgt spid="22"/>
+                                        </p:tgtEl>
+                                        <p:attrNameLst>
+                                          <p:attrName>style.visibility</p:attrName>
+                                        </p:attrNameLst>
+                                      </p:cBhvr>
+                                      <p:to>
+                                        <p:strVal val="hidden"/>
+                                      </p:to>
+                                    </p:set>
+                                  </p:childTnLst>
+                                </p:cTn>
+                              </p:par>
+                              <p:par>
+                                <p:cTn id="39" presetID="1" presetClass="exit" presetSubtype="0" fill="hold" nodeType="withEffect">
+                                  <p:stCondLst>
+                                    <p:cond delay="0"/>
+                                  </p:stCondLst>
+                                  <p:childTnLst>
+                                    <p:set>
+                                      <p:cBhvr>
+                                        <p:cTn id="40" dur="1" fill="hold">
+                                          <p:stCondLst>
+                                            <p:cond delay="0"/>
+                                          </p:stCondLst>
+                                        </p:cTn>
+                                        <p:tgtEl>
+                                          <p:spTgt spid="23"/>
+                                        </p:tgtEl>
+                                        <p:attrNameLst>
+                                          <p:attrName>style.visibility</p:attrName>
+                                        </p:attrNameLst>
+                                      </p:cBhvr>
+                                      <p:to>
+                                        <p:strVal val="hidden"/>
+                                      </p:to>
+                                    </p:set>
+                                  </p:childTnLst>
+                                </p:cTn>
+                              </p:par>
+                              <p:par>
+                                <p:cTn id="41" presetID="1" presetClass="exit" presetSubtype="0" fill="hold" nodeType="withEffect">
+                                  <p:stCondLst>
+                                    <p:cond delay="0"/>
+                                  </p:stCondLst>
+                                  <p:childTnLst>
+                                    <p:set>
+                                      <p:cBhvr>
+                                        <p:cTn id="42" dur="1" fill="hold">
+                                          <p:stCondLst>
+                                            <p:cond delay="0"/>
+                                          </p:stCondLst>
+                                        </p:cTn>
+                                        <p:tgtEl>
+                                          <p:spTgt spid="24"/>
+                                        </p:tgtEl>
+                                        <p:attrNameLst>
+                                          <p:attrName>style.visibility</p:attrName>
+                                        </p:attrNameLst>
+                                      </p:cBhvr>
+                                      <p:to>
+                                        <p:strVal val="hidden"/>
+                                      </p:to>
+                                    </p:set>
+                                  </p:childTnLst>
+                                </p:cTn>
+                              </p:par>
+                              <p:par>
+                                <p:cTn id="43" presetID="1" presetClass="exit" presetSubtype="0" fill="hold" nodeType="withEffect">
+                                  <p:stCondLst>
+                                    <p:cond delay="0"/>
+                                  </p:stCondLst>
+                                  <p:childTnLst>
+                                    <p:set>
+                                      <p:cBhvr>
+                                        <p:cTn id="44" dur="1" fill="hold">
+                                          <p:stCondLst>
+                                            <p:cond delay="0"/>
+                                          </p:stCondLst>
+                                        </p:cTn>
+                                        <p:tgtEl>
+                                          <p:spTgt spid="1026"/>
+                                        </p:tgtEl>
+                                        <p:attrNameLst>
+                                          <p:attrName>style.visibility</p:attrName>
+                                        </p:attrNameLst>
+                                      </p:cBhvr>
+                                      <p:to>
+                                        <p:strVal val="hidden"/>
+                                      </p:to>
+                                    </p:set>
+                                  </p:childTnLst>
+                                </p:cTn>
+                              </p:par>
+                            </p:childTnLst>
+                          </p:cTn>
+                        </p:par>
+                      </p:childTnLst>
+                    </p:cTn>
+                  </p:par>
+                  <p:par>
+                    <p:cTn id="45" fill="hold">
+                      <p:stCondLst>
+                        <p:cond delay="indefinite"/>
+                      </p:stCondLst>
+                      <p:childTnLst>
+                        <p:par>
+                          <p:cTn id="46" fill="hold">
+                            <p:stCondLst>
+                              <p:cond delay="0"/>
+                            </p:stCondLst>
+                            <p:childTnLst>
+                              <p:par>
+                                <p:cTn id="47" presetID="1" presetClass="entr" presetSubtype="0" fill="hold" nodeType="clickEffect">
+                                  <p:stCondLst>
+                                    <p:cond delay="0"/>
+                                  </p:stCondLst>
+                                  <p:childTnLst>
+                                    <p:set>
+                                      <p:cBhvr>
+                                        <p:cTn id="48" dur="1" fill="hold">
+                                          <p:stCondLst>
+                                            <p:cond delay="0"/>
+                                          </p:stCondLst>
+                                        </p:cTn>
+                                        <p:tgtEl>
+                                          <p:spTgt spid="1027"/>
+                                        </p:tgtEl>
+                                        <p:attrNameLst>
+                                          <p:attrName>style.visibility</p:attrName>
+                                        </p:attrNameLst>
+                                      </p:cBhvr>
+                                      <p:to>
+                                        <p:strVal val="visible"/>
+                                      </p:to>
+                                    </p:set>
+                                  </p:childTnLst>
+                                </p:cTn>
+                              </p:par>
+                            </p:childTnLst>
+                          </p:cTn>
+                        </p:par>
+                      </p:childTnLst>
+                    </p:cTn>
+                  </p:par>
+                  <p:par>
+                    <p:cTn id="49" fill="hold">
+                      <p:stCondLst>
+                        <p:cond delay="indefinite"/>
+                      </p:stCondLst>
+                      <p:childTnLst>
+                        <p:par>
+                          <p:cTn id="50" fill="hold">
+                            <p:stCondLst>
+                              <p:cond delay="0"/>
+                            </p:stCondLst>
+                            <p:childTnLst>
+                              <p:par>
+                                <p:cTn id="51" presetID="1" presetClass="entr" presetSubtype="0" fill="hold" nodeType="clickEffect">
+                                  <p:stCondLst>
+                                    <p:cond delay="0"/>
+                                  </p:stCondLst>
+                                  <p:childTnLst>
+                                    <p:set>
+                                      <p:cBhvr>
+                                        <p:cTn id="52" dur="1" fill="hold">
+                                          <p:stCondLst>
+                                            <p:cond delay="0"/>
+                                          </p:stCondLst>
+                                        </p:cTn>
+                                        <p:tgtEl>
+                                          <p:spTgt spid="26"/>
+                                        </p:tgtEl>
+                                        <p:attrNameLst>
+                                          <p:attrName>style.visibility</p:attrName>
+                                        </p:attrNameLst>
+                                      </p:cBhvr>
+                                      <p:to>
+                                        <p:strVal val="visible"/>
+                                      </p:to>
+                                    </p:set>
+                                  </p:childTnLst>
+                                </p:cTn>
+                              </p:par>
+                              <p:par>
+                                <p:cTn id="53" presetID="1" presetClass="entr" presetSubtype="0" fill="hold" nodeType="withEffect">
+                                  <p:stCondLst>
+                                    <p:cond delay="0"/>
+                                  </p:stCondLst>
+                                  <p:childTnLst>
+                                    <p:set>
+                                      <p:cBhvr>
+                                        <p:cTn id="54" dur="1" fill="hold">
+                                          <p:stCondLst>
+                                            <p:cond delay="0"/>
+                                          </p:stCondLst>
+                                        </p:cTn>
+                                        <p:tgtEl>
+                                          <p:spTgt spid="28"/>
+                                        </p:tgtEl>
+                                        <p:attrNameLst>
+                                          <p:attrName>style.visibility</p:attrName>
+                                        </p:attrNameLst>
+                                      </p:cBhvr>
+                                      <p:to>
+                                        <p:strVal val="visible"/>
+                                      </p:to>
+                                    </p:set>
+                                  </p:childTnLst>
+                                </p:cTn>
+                              </p:par>
+                              <p:par>
+                                <p:cTn id="55" presetID="1" presetClass="entr" presetSubtype="0" fill="hold" nodeType="withEffect">
+                                  <p:stCondLst>
+                                    <p:cond delay="0"/>
+                                  </p:stCondLst>
+                                  <p:childTnLst>
+                                    <p:set>
+                                      <p:cBhvr>
+                                        <p:cTn id="56" dur="1" fill="hold">
+                                          <p:stCondLst>
+                                            <p:cond delay="0"/>
+                                          </p:stCondLst>
+                                        </p:cTn>
+                                        <p:tgtEl>
+                                          <p:spTgt spid="30"/>
+                                        </p:tgtEl>
+                                        <p:attrNameLst>
+                                          <p:attrName>style.visibility</p:attrName>
+                                        </p:attrNameLst>
+                                      </p:cBhvr>
+                                      <p:to>
+                                        <p:strVal val="visible"/>
+                                      </p:to>
+                                    </p:set>
+                                  </p:childTnLst>
+                                </p:cTn>
+                              </p:par>
+                              <p:par>
+                                <p:cTn id="57" presetID="1" presetClass="entr" presetSubtype="0" fill="hold" nodeType="withEffect">
+                                  <p:stCondLst>
+                                    <p:cond delay="0"/>
+                                  </p:stCondLst>
+                                  <p:childTnLst>
+                                    <p:set>
+                                      <p:cBhvr>
+                                        <p:cTn id="58" dur="1" fill="hold">
+                                          <p:stCondLst>
+                                            <p:cond delay="0"/>
+                                          </p:stCondLst>
+                                        </p:cTn>
+                                        <p:tgtEl>
+                                          <p:spTgt spid="32"/>
+                                        </p:tgtEl>
+                                        <p:attrNameLst>
+                                          <p:attrName>style.visibility</p:attrName>
+                                        </p:attrNameLst>
+                                      </p:cBhvr>
+                                      <p:to>
+                                        <p:strVal val="visible"/>
+                                      </p:to>
+                                    </p:set>
+                                  </p:childTnLst>
+                                </p:cTn>
+                              </p:par>
+                            </p:childTnLst>
+                          </p:cTn>
+                        </p:par>
+                      </p:childTnLst>
+                    </p:cTn>
+                  </p:par>
+                  <p:par>
+                    <p:cTn id="59" fill="hold">
+                      <p:stCondLst>
+                        <p:cond delay="indefinite"/>
+                      </p:stCondLst>
+                      <p:childTnLst>
+                        <p:par>
+                          <p:cTn id="60" fill="hold">
+                            <p:stCondLst>
+                              <p:cond delay="0"/>
+                            </p:stCondLst>
+                            <p:childTnLst>
+                              <p:par>
+                                <p:cTn id="61" presetID="1" presetClass="exit" presetSubtype="0" fill="hold" nodeType="clickEffect">
+                                  <p:stCondLst>
+                                    <p:cond delay="0"/>
+                                  </p:stCondLst>
+                                  <p:childTnLst>
+                                    <p:set>
+                                      <p:cBhvr>
+                                        <p:cTn id="62" dur="1" fill="hold">
+                                          <p:stCondLst>
+                                            <p:cond delay="0"/>
+                                          </p:stCondLst>
+                                        </p:cTn>
+                                        <p:tgtEl>
+                                          <p:spTgt spid="26"/>
+                                        </p:tgtEl>
+                                        <p:attrNameLst>
+                                          <p:attrName>style.visibility</p:attrName>
+                                        </p:attrNameLst>
+                                      </p:cBhvr>
+                                      <p:to>
+                                        <p:strVal val="hidden"/>
+                                      </p:to>
+                                    </p:set>
+                                  </p:childTnLst>
+                                </p:cTn>
+                              </p:par>
+                              <p:par>
+                                <p:cTn id="63" presetID="1" presetClass="exit" presetSubtype="0" fill="hold" nodeType="withEffect">
+                                  <p:stCondLst>
+                                    <p:cond delay="0"/>
+                                  </p:stCondLst>
+                                  <p:childTnLst>
+                                    <p:set>
+                                      <p:cBhvr>
+                                        <p:cTn id="64" dur="1" fill="hold">
+                                          <p:stCondLst>
+                                            <p:cond delay="0"/>
+                                          </p:stCondLst>
+                                        </p:cTn>
+                                        <p:tgtEl>
+                                          <p:spTgt spid="28"/>
+                                        </p:tgtEl>
+                                        <p:attrNameLst>
+                                          <p:attrName>style.visibility</p:attrName>
+                                        </p:attrNameLst>
+                                      </p:cBhvr>
+                                      <p:to>
+                                        <p:strVal val="hidden"/>
+                                      </p:to>
+                                    </p:set>
+                                  </p:childTnLst>
+                                </p:cTn>
+                              </p:par>
+                              <p:par>
+                                <p:cTn id="65" presetID="1" presetClass="exit" presetSubtype="0" fill="hold" nodeType="withEffect">
+                                  <p:stCondLst>
+                                    <p:cond delay="0"/>
+                                  </p:stCondLst>
+                                  <p:childTnLst>
+                                    <p:set>
+                                      <p:cBhvr>
+                                        <p:cTn id="66" dur="1" fill="hold">
+                                          <p:stCondLst>
+                                            <p:cond delay="0"/>
+                                          </p:stCondLst>
+                                        </p:cTn>
+                                        <p:tgtEl>
+                                          <p:spTgt spid="30"/>
+                                        </p:tgtEl>
+                                        <p:attrNameLst>
+                                          <p:attrName>style.visibility</p:attrName>
+                                        </p:attrNameLst>
+                                      </p:cBhvr>
+                                      <p:to>
+                                        <p:strVal val="hidden"/>
+                                      </p:to>
+                                    </p:set>
+                                  </p:childTnLst>
+                                </p:cTn>
+                              </p:par>
+                              <p:par>
+                                <p:cTn id="67" presetID="1" presetClass="exit" presetSubtype="0" fill="hold" nodeType="withEffect">
+                                  <p:stCondLst>
+                                    <p:cond delay="0"/>
+                                  </p:stCondLst>
+                                  <p:childTnLst>
+                                    <p:set>
+                                      <p:cBhvr>
+                                        <p:cTn id="68" dur="1" fill="hold">
+                                          <p:stCondLst>
+                                            <p:cond delay="0"/>
+                                          </p:stCondLst>
+                                        </p:cTn>
+                                        <p:tgtEl>
+                                          <p:spTgt spid="32"/>
+                                        </p:tgtEl>
+                                        <p:attrNameLst>
+                                          <p:attrName>style.visibility</p:attrName>
+                                        </p:attrNameLst>
+                                      </p:cBhvr>
+                                      <p:to>
+                                        <p:strVal val="hidden"/>
+                                      </p:to>
+                                    </p:set>
+                                  </p:childTnLst>
+                                </p:cTn>
+                              </p:par>
+                              <p:par>
+                                <p:cTn id="69" presetID="1" presetClass="exit" presetSubtype="0" fill="hold" nodeType="withEffect">
+                                  <p:stCondLst>
+                                    <p:cond delay="0"/>
+                                  </p:stCondLst>
+                                  <p:childTnLst>
+                                    <p:set>
+                                      <p:cBhvr>
+                                        <p:cTn id="70" dur="1" fill="hold">
+                                          <p:stCondLst>
+                                            <p:cond delay="0"/>
+                                          </p:stCondLst>
+                                        </p:cTn>
+                                        <p:tgtEl>
+                                          <p:spTgt spid="1027"/>
+                                        </p:tgtEl>
+                                        <p:attrNameLst>
+                                          <p:attrName>style.visibility</p:attrName>
+                                        </p:attrNameLst>
+                                      </p:cBhvr>
+                                      <p:to>
+                                        <p:strVal val="hidden"/>
+                                      </p:to>
+                                    </p:set>
+                                  </p:childTnLst>
+                                </p:cTn>
+                              </p:par>
+                            </p:childTnLst>
+                          </p:cTn>
+                        </p:par>
+                      </p:childTnLst>
+                    </p:cTn>
+                  </p:par>
+                  <p:par>
+                    <p:cTn id="71" fill="hold">
+                      <p:stCondLst>
+                        <p:cond delay="indefinite"/>
+                      </p:stCondLst>
+                      <p:childTnLst>
+                        <p:par>
+                          <p:cTn id="72" fill="hold">
+                            <p:stCondLst>
+                              <p:cond delay="0"/>
+                            </p:stCondLst>
+                            <p:childTnLst>
+                              <p:par>
+                                <p:cTn id="73" presetID="1" presetClass="entr" presetSubtype="0" fill="hold" nodeType="clickEffect">
+                                  <p:stCondLst>
+                                    <p:cond delay="0"/>
+                                  </p:stCondLst>
+                                  <p:childTnLst>
+                                    <p:set>
+                                      <p:cBhvr>
+                                        <p:cTn id="74" dur="1" fill="hold">
+                                          <p:stCondLst>
+                                            <p:cond delay="0"/>
+                                          </p:stCondLst>
+                                        </p:cTn>
+                                        <p:tgtEl>
+                                          <p:spTgt spid="1028"/>
+                                        </p:tgtEl>
+                                        <p:attrNameLst>
+                                          <p:attrName>style.visibility</p:attrName>
+                                        </p:attrNameLst>
+                                      </p:cBhvr>
+                                      <p:to>
+                                        <p:strVal val="visible"/>
+                                      </p:to>
+                                    </p:set>
+                                  </p:childTnLst>
+                                </p:cTn>
+                              </p:par>
+                            </p:childTnLst>
+                          </p:cTn>
+                        </p:par>
+                      </p:childTnLst>
+                    </p:cTn>
+                  </p:par>
+                  <p:par>
+                    <p:cTn id="75" fill="hold">
+                      <p:stCondLst>
+                        <p:cond delay="indefinite"/>
+                      </p:stCondLst>
+                      <p:childTnLst>
+                        <p:par>
+                          <p:cTn id="76" fill="hold">
+                            <p:stCondLst>
+                              <p:cond delay="0"/>
+                            </p:stCondLst>
+                            <p:childTnLst>
+                              <p:par>
+                                <p:cTn id="77" presetID="1" presetClass="entr" presetSubtype="0" fill="hold" nodeType="clickEffect">
+                                  <p:stCondLst>
+                                    <p:cond delay="0"/>
+                                  </p:stCondLst>
+                                  <p:childTnLst>
+                                    <p:set>
+                                      <p:cBhvr>
+                                        <p:cTn id="78" dur="1" fill="hold">
+                                          <p:stCondLst>
+                                            <p:cond delay="0"/>
+                                          </p:stCondLst>
+                                        </p:cTn>
+                                        <p:tgtEl>
+                                          <p:spTgt spid="34"/>
+                                        </p:tgtEl>
+                                        <p:attrNameLst>
+                                          <p:attrName>style.visibility</p:attrName>
+                                        </p:attrNameLst>
+                                      </p:cBhvr>
+                                      <p:to>
+                                        <p:strVal val="visible"/>
+                                      </p:to>
+                                    </p:set>
+                                  </p:childTnLst>
+                                </p:cTn>
+                              </p:par>
+                              <p:par>
+                                <p:cTn id="79" presetID="1" presetClass="entr" presetSubtype="0" fill="hold" nodeType="withEffect">
+                                  <p:stCondLst>
+                                    <p:cond delay="0"/>
+                                  </p:stCondLst>
+                                  <p:childTnLst>
+                                    <p:set>
+                                      <p:cBhvr>
+                                        <p:cTn id="80" dur="1" fill="hold">
+                                          <p:stCondLst>
+                                            <p:cond delay="0"/>
+                                          </p:stCondLst>
+                                        </p:cTn>
+                                        <p:tgtEl>
+                                          <p:spTgt spid="36"/>
+                                        </p:tgtEl>
+                                        <p:attrNameLst>
+                                          <p:attrName>style.visibility</p:attrName>
+                                        </p:attrNameLst>
+                                      </p:cBhvr>
+                                      <p:to>
+                                        <p:strVal val="visible"/>
+                                      </p:to>
+                                    </p:set>
+                                  </p:childTnLst>
+                                </p:cTn>
+                              </p:par>
+                              <p:par>
+                                <p:cTn id="81" presetID="1" presetClass="entr" presetSubtype="0" fill="hold" nodeType="withEffect">
+                                  <p:stCondLst>
+                                    <p:cond delay="0"/>
+                                  </p:stCondLst>
+                                  <p:childTnLst>
+                                    <p:set>
+                                      <p:cBhvr>
+                                        <p:cTn id="82" dur="1" fill="hold">
+                                          <p:stCondLst>
+                                            <p:cond delay="0"/>
+                                          </p:stCondLst>
+                                        </p:cTn>
+                                        <p:tgtEl>
+                                          <p:spTgt spid="37"/>
+                                        </p:tgtEl>
+                                        <p:attrNameLst>
+                                          <p:attrName>style.visibility</p:attrName>
+                                        </p:attrNameLst>
+                                      </p:cBhvr>
+                                      <p:to>
+                                        <p:strVal val="visible"/>
+                                      </p:to>
+                                    </p:set>
+                                  </p:childTnLst>
+                                </p:cTn>
+                              </p:par>
+                            </p:childTnLst>
+                          </p:cTn>
+                        </p:par>
+                      </p:childTnLst>
+                    </p:cTn>
+                  </p:par>
+                  <p:par>
+                    <p:cTn id="83" fill="hold">
+                      <p:stCondLst>
+                        <p:cond delay="indefinite"/>
+                      </p:stCondLst>
+                      <p:childTnLst>
+                        <p:par>
+                          <p:cTn id="84" fill="hold">
+                            <p:stCondLst>
+                              <p:cond delay="0"/>
+                            </p:stCondLst>
+                            <p:childTnLst>
+                              <p:par>
+                                <p:cTn id="85" presetID="1" presetClass="exit" presetSubtype="0" fill="hold" nodeType="clickEffect">
+                                  <p:stCondLst>
+                                    <p:cond delay="0"/>
+                                  </p:stCondLst>
+                                  <p:childTnLst>
+                                    <p:set>
+                                      <p:cBhvr>
+                                        <p:cTn id="86" dur="1" fill="hold">
+                                          <p:stCondLst>
+                                            <p:cond delay="0"/>
+                                          </p:stCondLst>
+                                        </p:cTn>
+                                        <p:tgtEl>
+                                          <p:spTgt spid="1028"/>
+                                        </p:tgtEl>
+                                        <p:attrNameLst>
+                                          <p:attrName>style.visibility</p:attrName>
+                                        </p:attrNameLst>
+                                      </p:cBhvr>
+                                      <p:to>
+                                        <p:strVal val="hidden"/>
+                                      </p:to>
+                                    </p:set>
+                                  </p:childTnLst>
+                                </p:cTn>
+                              </p:par>
+                              <p:par>
+                                <p:cTn id="87" presetID="1" presetClass="exit" presetSubtype="0" fill="hold" nodeType="withEffect">
+                                  <p:stCondLst>
+                                    <p:cond delay="0"/>
+                                  </p:stCondLst>
+                                  <p:childTnLst>
+                                    <p:set>
+                                      <p:cBhvr>
+                                        <p:cTn id="88" dur="1" fill="hold">
+                                          <p:stCondLst>
+                                            <p:cond delay="0"/>
+                                          </p:stCondLst>
+                                        </p:cTn>
+                                        <p:tgtEl>
+                                          <p:spTgt spid="34"/>
+                                        </p:tgtEl>
+                                        <p:attrNameLst>
+                                          <p:attrName>style.visibility</p:attrName>
+                                        </p:attrNameLst>
+                                      </p:cBhvr>
+                                      <p:to>
+                                        <p:strVal val="hidden"/>
+                                      </p:to>
+                                    </p:set>
+                                  </p:childTnLst>
+                                </p:cTn>
+                              </p:par>
+                              <p:par>
+                                <p:cTn id="89" presetID="1" presetClass="exit" presetSubtype="0" fill="hold" nodeType="withEffect">
+                                  <p:stCondLst>
+                                    <p:cond delay="0"/>
+                                  </p:stCondLst>
+                                  <p:childTnLst>
+                                    <p:set>
+                                      <p:cBhvr>
+                                        <p:cTn id="90" dur="1" fill="hold">
+                                          <p:stCondLst>
+                                            <p:cond delay="0"/>
+                                          </p:stCondLst>
+                                        </p:cTn>
+                                        <p:tgtEl>
+                                          <p:spTgt spid="36"/>
+                                        </p:tgtEl>
+                                        <p:attrNameLst>
+                                          <p:attrName>style.visibility</p:attrName>
+                                        </p:attrNameLst>
+                                      </p:cBhvr>
+                                      <p:to>
+                                        <p:strVal val="hidden"/>
+                                      </p:to>
+                                    </p:set>
+                                  </p:childTnLst>
+                                </p:cTn>
+                              </p:par>
+                              <p:par>
+                                <p:cTn id="91" presetID="1" presetClass="exit" presetSubtype="0" fill="hold" nodeType="withEffect">
+                                  <p:stCondLst>
+                                    <p:cond delay="0"/>
+                                  </p:stCondLst>
+                                  <p:childTnLst>
+                                    <p:set>
+                                      <p:cBhvr>
+                                        <p:cTn id="92" dur="1" fill="hold">
+                                          <p:stCondLst>
+                                            <p:cond delay="0"/>
+                                          </p:stCondLst>
+                                        </p:cTn>
+                                        <p:tgtEl>
+                                          <p:spTgt spid="37"/>
+                                        </p:tgtEl>
+                                        <p:attrNameLst>
+                                          <p:attrName>style.visibility</p:attrName>
+                                        </p:attrNameLst>
+                                      </p:cBhvr>
+                                      <p:to>
+                                        <p:strVal val="hidden"/>
+                                      </p:to>
+                                    </p:set>
+                                  </p:childTnLst>
+                                </p:cTn>
+                              </p:par>
+                            </p:childTnLst>
+                          </p:cTn>
+                        </p:par>
+                      </p:childTnLst>
+                    </p:cTn>
+                  </p:par>
+                  <p:par>
+                    <p:cTn id="93" fill="hold">
+                      <p:stCondLst>
+                        <p:cond delay="indefinite"/>
+                      </p:stCondLst>
+                      <p:childTnLst>
+                        <p:par>
+                          <p:cTn id="94" fill="hold">
+                            <p:stCondLst>
+                              <p:cond delay="0"/>
+                            </p:stCondLst>
+                            <p:childTnLst>
+                              <p:par>
+                                <p:cTn id="95" presetID="1" presetClass="entr" presetSubtype="0" fill="hold" nodeType="clickEffect">
+                                  <p:stCondLst>
+                                    <p:cond delay="0"/>
+                                  </p:stCondLst>
+                                  <p:childTnLst>
+                                    <p:set>
+                                      <p:cBhvr>
+                                        <p:cTn id="96" dur="1" fill="hold">
+                                          <p:stCondLst>
+                                            <p:cond delay="0"/>
+                                          </p:stCondLst>
+                                        </p:cTn>
+                                        <p:tgtEl>
+                                          <p:spTgt spid="42"/>
+                                        </p:tgtEl>
+                                        <p:attrNameLst>
+                                          <p:attrName>style.visibility</p:attrName>
+                                        </p:attrNameLst>
+                                      </p:cBhvr>
+                                      <p:to>
+                                        <p:strVal val="visible"/>
+                                      </p:to>
+                                    </p:set>
+                                  </p:childTnLst>
+                                </p:cTn>
+                              </p:par>
+                              <p:par>
+                                <p:cTn id="97" presetID="1" presetClass="exit" presetSubtype="0" fill="hold" nodeType="withEffect">
+                                  <p:stCondLst>
+                                    <p:cond delay="0"/>
+                                  </p:stCondLst>
+                                  <p:childTnLst>
+                                    <p:set>
+                                      <p:cBhvr>
+                                        <p:cTn id="98" dur="1" fill="hold">
+                                          <p:stCondLst>
+                                            <p:cond delay="0"/>
+                                          </p:stCondLst>
+                                        </p:cTn>
+                                        <p:tgtEl>
+                                          <p:spTgt spid="42"/>
+                                        </p:tgtEl>
+                                        <p:attrNameLst>
+                                          <p:attrName>style.visibility</p:attrName>
+                                        </p:attrNameLst>
+                                      </p:cBhvr>
+                                      <p:to>
+                                        <p:strVal val="hidden"/>
+                                      </p:to>
+                                    </p:set>
+                                  </p:childTnLst>
+                                </p:cTn>
+                              </p:par>
+                            </p:childTnLst>
+                          </p:cTn>
+                        </p:par>
+                      </p:childTnLst>
+                    </p:cTn>
+                  </p:par>
+                  <p:par>
+                    <p:cTn id="99" fill="hold">
+                      <p:stCondLst>
+                        <p:cond delay="indefinite"/>
+                      </p:stCondLst>
+                      <p:childTnLst>
+                        <p:par>
+                          <p:cTn id="100" fill="hold">
+                            <p:stCondLst>
+                              <p:cond delay="0"/>
+                            </p:stCondLst>
+                            <p:childTnLst>
+                              <p:par>
+                                <p:cTn id="101" presetID="1" presetClass="entr" presetSubtype="0" fill="hold" nodeType="clickEffect">
+                                  <p:stCondLst>
+                                    <p:cond delay="0"/>
+                                  </p:stCondLst>
+                                  <p:childTnLst>
+                                    <p:set>
+                                      <p:cBhvr>
+                                        <p:cTn id="102" dur="1" fill="hold">
+                                          <p:stCondLst>
+                                            <p:cond delay="0"/>
+                                          </p:stCondLst>
+                                        </p:cTn>
+                                        <p:tgtEl>
+                                          <p:spTgt spid="43"/>
+                                        </p:tgtEl>
+                                        <p:attrNameLst>
+                                          <p:attrName>style.visibility</p:attrName>
+                                        </p:attrNameLst>
+                                      </p:cBhvr>
+                                      <p:to>
+                                        <p:strVal val="visible"/>
+                                      </p:to>
+                                    </p:set>
+                                  </p:childTnLst>
+                                </p:cTn>
+                              </p:par>
+                              <p:par>
+                                <p:cTn id="103" presetID="1" presetClass="exit" presetSubtype="0" fill="hold" nodeType="withEffect">
+                                  <p:stCondLst>
+                                    <p:cond delay="0"/>
+                                  </p:stCondLst>
+                                  <p:childTnLst>
+                                    <p:set>
+                                      <p:cBhvr>
+                                        <p:cTn id="104" dur="1" fill="hold">
+                                          <p:stCondLst>
+                                            <p:cond delay="0"/>
+                                          </p:stCondLst>
+                                        </p:cTn>
+                                        <p:tgtEl>
+                                          <p:spTgt spid="43"/>
+                                        </p:tgtEl>
+                                        <p:attrNameLst>
+                                          <p:attrName>style.visibility</p:attrName>
+                                        </p:attrNameLst>
+                                      </p:cBhvr>
+                                      <p:to>
+                                        <p:strVal val="hidden"/>
+                                      </p:to>
+                                    </p:set>
+                                  </p:childTnLst>
+                                </p:cTn>
+                              </p:par>
+                            </p:childTnLst>
+                          </p:cTn>
+                        </p:par>
+                      </p:childTnLst>
+                    </p:cTn>
+                  </p:par>
+                  <p:par>
+                    <p:cTn id="105" fill="hold">
+                      <p:stCondLst>
+                        <p:cond delay="indefinite"/>
+                      </p:stCondLst>
+                      <p:childTnLst>
+                        <p:par>
+                          <p:cTn id="106" fill="hold">
+                            <p:stCondLst>
+                              <p:cond delay="0"/>
+                            </p:stCondLst>
+                            <p:childTnLst>
+                              <p:par>
+                                <p:cTn id="107" presetID="1" presetClass="entr" presetSubtype="0" fill="hold" nodeType="clickEffect">
+                                  <p:stCondLst>
+                                    <p:cond delay="0"/>
+                                  </p:stCondLst>
+                                  <p:childTnLst>
+                                    <p:set>
+                                      <p:cBhvr>
+                                        <p:cTn id="108" dur="1" fill="hold">
+                                          <p:stCondLst>
+                                            <p:cond delay="0"/>
+                                          </p:stCondLst>
+                                        </p:cTn>
+                                        <p:tgtEl>
+                                          <p:spTgt spid="44"/>
+                                        </p:tgtEl>
+                                        <p:attrNameLst>
+                                          <p:attrName>style.visibility</p:attrName>
+                                        </p:attrNameLst>
+                                      </p:cBhvr>
+                                      <p:to>
+                                        <p:strVal val="visible"/>
+                                      </p:to>
+                                    </p:set>
+                                  </p:childTnLst>
+                                </p:cTn>
+                              </p:par>
+                              <p:par>
+                                <p:cTn id="109" presetID="1" presetClass="exit" presetSubtype="0" fill="hold" nodeType="withEffect">
+                                  <p:stCondLst>
+                                    <p:cond delay="0"/>
+                                  </p:stCondLst>
+                                  <p:childTnLst>
+                                    <p:set>
+                                      <p:cBhvr>
+                                        <p:cTn id="110" dur="1" fill="hold">
+                                          <p:stCondLst>
+                                            <p:cond delay="0"/>
+                                          </p:stCondLst>
+                                        </p:cTn>
+                                        <p:tgtEl>
+                                          <p:spTgt spid="44"/>
+                                        </p:tgtEl>
+                                        <p:attrNameLst>
+                                          <p:attrName>style.visibility</p:attrName>
+                                        </p:attrNameLst>
+                                      </p:cBhvr>
+                                      <p:to>
+                                        <p:strVal val="hidden"/>
+                                      </p:to>
+                                    </p:set>
+                                  </p:childTnLst>
+                                </p:cTn>
+                              </p:par>
+                            </p:childTnLst>
+                          </p:cTn>
+                        </p:par>
+                      </p:childTnLst>
+                    </p:cTn>
+                  </p:par>
+                  <p:par>
+                    <p:cTn id="111" fill="hold">
+                      <p:stCondLst>
+                        <p:cond delay="indefinite"/>
+                      </p:stCondLst>
+                      <p:childTnLst>
+                        <p:par>
+                          <p:cTn id="112" fill="hold">
+                            <p:stCondLst>
+                              <p:cond delay="0"/>
+                            </p:stCondLst>
+                            <p:childTnLst>
+                              <p:par>
+                                <p:cTn id="113" presetID="1" presetClass="entr" presetSubtype="0" fill="hold" nodeType="clickEffect">
+                                  <p:stCondLst>
+                                    <p:cond delay="0"/>
+                                  </p:stCondLst>
+                                  <p:childTnLst>
+                                    <p:set>
+                                      <p:cBhvr>
+                                        <p:cTn id="114" dur="1" fill="hold">
+                                          <p:stCondLst>
+                                            <p:cond delay="0"/>
+                                          </p:stCondLst>
+                                        </p:cTn>
+                                        <p:tgtEl>
+                                          <p:spTgt spid="1029"/>
+                                        </p:tgtEl>
+                                        <p:attrNameLst>
+                                          <p:attrName>style.visibility</p:attrName>
+                                        </p:attrNameLst>
+                                      </p:cBhvr>
+                                      <p:to>
+                                        <p:strVal val="visible"/>
+                                      </p:to>
+                                    </p:set>
+                                  </p:childTnLst>
+                                </p:cTn>
+                              </p:par>
+                            </p:childTnLst>
+                          </p:cTn>
+                        </p:par>
+                      </p:childTnLst>
+                    </p:cTn>
+                  </p:par>
+                  <p:par>
+                    <p:cTn id="115" fill="hold">
+                      <p:stCondLst>
+                        <p:cond delay="indefinite"/>
+                      </p:stCondLst>
+                      <p:childTnLst>
+                        <p:par>
+                          <p:cTn id="116" fill="hold">
+                            <p:stCondLst>
+                              <p:cond delay="0"/>
+                            </p:stCondLst>
+                            <p:childTnLst>
+                              <p:par>
+                                <p:cTn id="117" presetID="1" presetClass="entr" presetSubtype="0" fill="hold" nodeType="clickEffect">
+                                  <p:stCondLst>
+                                    <p:cond delay="0"/>
+                                  </p:stCondLst>
+                                  <p:childTnLst>
+                                    <p:set>
+                                      <p:cBhvr>
+                                        <p:cTn id="118" dur="1" fill="hold">
+                                          <p:stCondLst>
+                                            <p:cond delay="0"/>
+                                          </p:stCondLst>
+                                        </p:cTn>
+                                        <p:tgtEl>
+                                          <p:spTgt spid="42"/>
+                                        </p:tgtEl>
+                                        <p:attrNameLst>
+                                          <p:attrName>style.visibility</p:attrName>
+                                        </p:attrNameLst>
+                                      </p:cBhvr>
+                                      <p:to>
+                                        <p:strVal val="visible"/>
+                                      </p:to>
+                                    </p:set>
+                                  </p:childTnLst>
+                                </p:cTn>
+                              </p:par>
+                              <p:par>
+                                <p:cTn id="119" presetID="1" presetClass="entr" presetSubtype="0" fill="hold" nodeType="withEffect">
+                                  <p:stCondLst>
+                                    <p:cond delay="0"/>
+                                  </p:stCondLst>
+                                  <p:childTnLst>
+                                    <p:set>
+                                      <p:cBhvr>
+                                        <p:cTn id="120" dur="1" fill="hold">
+                                          <p:stCondLst>
+                                            <p:cond delay="0"/>
+                                          </p:stCondLst>
+                                        </p:cTn>
+                                        <p:tgtEl>
+                                          <p:spTgt spid="43"/>
+                                        </p:tgtEl>
+                                        <p:attrNameLst>
+                                          <p:attrName>style.visibility</p:attrName>
+                                        </p:attrNameLst>
+                                      </p:cBhvr>
+                                      <p:to>
+                                        <p:strVal val="visible"/>
+                                      </p:to>
+                                    </p:set>
+                                  </p:childTnLst>
+                                </p:cTn>
+                              </p:par>
+                              <p:par>
+                                <p:cTn id="121" presetID="1" presetClass="entr" presetSubtype="0" fill="hold" nodeType="withEffect">
+                                  <p:stCondLst>
+                                    <p:cond delay="0"/>
+                                  </p:stCondLst>
+                                  <p:childTnLst>
+                                    <p:set>
+                                      <p:cBhvr>
+                                        <p:cTn id="122" dur="1" fill="hold">
+                                          <p:stCondLst>
+                                            <p:cond delay="0"/>
+                                          </p:stCondLst>
+                                        </p:cTn>
+                                        <p:tgtEl>
+                                          <p:spTgt spid="44"/>
+                                        </p:tgtEl>
+                                        <p:attrNameLst>
+                                          <p:attrName>style.visibility</p:attrName>
+                                        </p:attrNameLst>
+                                      </p:cBhvr>
+                                      <p:to>
+                                        <p:strVal val="visible"/>
+                                      </p:to>
+                                    </p:set>
+                                  </p:childTnLst>
+                                </p:cTn>
+                              </p:par>
+                            </p:childTnLst>
+                          </p:cTn>
+                        </p:par>
+                      </p:childTnLst>
+                    </p:cTn>
+                  </p:par>
+                  <p:par>
+                    <p:cTn id="123" fill="hold">
+                      <p:stCondLst>
+                        <p:cond delay="indefinite"/>
+                      </p:stCondLst>
+                      <p:childTnLst>
+                        <p:par>
+                          <p:cTn id="124" fill="hold">
+                            <p:stCondLst>
+                              <p:cond delay="0"/>
+                            </p:stCondLst>
+                            <p:childTnLst>
+                              <p:par>
+                                <p:cTn id="125" presetID="1" presetClass="exit" presetSubtype="0" fill="hold" nodeType="clickEffect">
+                                  <p:stCondLst>
+                                    <p:cond delay="0"/>
+                                  </p:stCondLst>
+                                  <p:childTnLst>
+                                    <p:set>
+                                      <p:cBhvr>
+                                        <p:cTn id="126" dur="1" fill="hold">
+                                          <p:stCondLst>
+                                            <p:cond delay="0"/>
+                                          </p:stCondLst>
+                                        </p:cTn>
+                                        <p:tgtEl>
+                                          <p:spTgt spid="1029"/>
+                                        </p:tgtEl>
+                                        <p:attrNameLst>
+                                          <p:attrName>style.visibility</p:attrName>
+                                        </p:attrNameLst>
+                                      </p:cBhvr>
+                                      <p:to>
+                                        <p:strVal val="hidden"/>
+                                      </p:to>
+                                    </p:set>
+                                  </p:childTnLst>
+                                </p:cTn>
+                              </p:par>
+                              <p:par>
+                                <p:cTn id="127" presetID="1" presetClass="exit" presetSubtype="0" fill="hold" nodeType="withEffect">
+                                  <p:stCondLst>
+                                    <p:cond delay="0"/>
+                                  </p:stCondLst>
+                                  <p:childTnLst>
+                                    <p:set>
+                                      <p:cBhvr>
+                                        <p:cTn id="128" dur="1" fill="hold">
+                                          <p:stCondLst>
+                                            <p:cond delay="0"/>
+                                          </p:stCondLst>
+                                        </p:cTn>
+                                        <p:tgtEl>
+                                          <p:spTgt spid="42"/>
+                                        </p:tgtEl>
+                                        <p:attrNameLst>
+                                          <p:attrName>style.visibility</p:attrName>
+                                        </p:attrNameLst>
+                                      </p:cBhvr>
+                                      <p:to>
+                                        <p:strVal val="hidden"/>
+                                      </p:to>
+                                    </p:set>
+                                  </p:childTnLst>
+                                </p:cTn>
+                              </p:par>
+                              <p:par>
+                                <p:cTn id="129" presetID="1" presetClass="exit" presetSubtype="0" fill="hold" nodeType="withEffect">
+                                  <p:stCondLst>
+                                    <p:cond delay="0"/>
+                                  </p:stCondLst>
+                                  <p:childTnLst>
+                                    <p:set>
+                                      <p:cBhvr>
+                                        <p:cTn id="130" dur="1" fill="hold">
+                                          <p:stCondLst>
+                                            <p:cond delay="0"/>
+                                          </p:stCondLst>
+                                        </p:cTn>
+                                        <p:tgtEl>
+                                          <p:spTgt spid="43"/>
+                                        </p:tgtEl>
+                                        <p:attrNameLst>
+                                          <p:attrName>style.visibility</p:attrName>
+                                        </p:attrNameLst>
+                                      </p:cBhvr>
+                                      <p:to>
+                                        <p:strVal val="hidden"/>
+                                      </p:to>
+                                    </p:set>
+                                  </p:childTnLst>
+                                </p:cTn>
+                              </p:par>
+                              <p:par>
+                                <p:cTn id="131" presetID="1" presetClass="exit" presetSubtype="0" fill="hold" nodeType="withEffect">
+                                  <p:stCondLst>
+                                    <p:cond delay="0"/>
+                                  </p:stCondLst>
+                                  <p:childTnLst>
+                                    <p:set>
+                                      <p:cBhvr>
+                                        <p:cTn id="132" dur="1" fill="hold">
+                                          <p:stCondLst>
+                                            <p:cond delay="0"/>
+                                          </p:stCondLst>
+                                        </p:cTn>
+                                        <p:tgtEl>
+                                          <p:spTgt spid="44"/>
+                                        </p:tgtEl>
+                                        <p:attrNameLst>
+                                          <p:attrName>style.visibility</p:attrName>
+                                        </p:attrNameLst>
+                                      </p:cBhvr>
+                                      <p:to>
+                                        <p:strVal val="hidden"/>
                                       </p:to>
                                     </p:set>
                                   </p:childTnLst>
@@ -7160,7 +9559,7 @@
                 <a:latin typeface="+mj-ea"/>
                 <a:ea typeface="+mj-ea"/>
               </a:rPr>
-              <a:t>데이터 시나리오</a:t>
+              <a:t>개인화</a:t>
             </a:r>
             <a:endParaRPr lang="ko-KR" altLang="en-US" sz="2400" spc="-150" dirty="0">
               <a:solidFill>
@@ -7181,7 +9580,7 @@
         <p:spPr>
           <a:xfrm>
             <a:off x="4312290" y="831167"/>
-            <a:ext cx="3567421" cy="621645"/>
+            <a:ext cx="3567421" cy="652486"/>
           </a:xfrm>
           <a:prstGeom prst="rect">
             <a:avLst/>
@@ -7203,7 +9602,13 @@
               <a:rPr lang="ko-KR" altLang="en-US" sz="1400" spc="-80" dirty="0" smtClean="0">
                 <a:latin typeface="+mn-ea"/>
               </a:rPr>
-              <a:t>개인화와 초개인화 서비스로 시나리오</a:t>
+              <a:t>개인화 서비스 제공할  시나리오입니다</a:t>
+            </a:r>
+            <a:r>
+              <a:rPr lang="en-US" altLang="ko-KR" sz="1400" spc="-80" dirty="0" smtClean="0">
+                <a:latin typeface="+mn-ea"/>
+              </a:rPr>
+              <a:t>.</a:t>
             </a:r>
             <a:endParaRPr lang="en-US" altLang="ko-KR" sz="1400" spc="-80" dirty="0" smtClean="0">
               <a:latin typeface="+mn-ea"/>
@@ -7269,14 +9674,14 @@
       </p:sp>
       <p:sp>
         <p:nvSpPr>
-          <p:cNvPr id="16" name="직사각형 15"/>
+          <p:cNvPr id="20" name="직사각형 19"/>
           <p:cNvSpPr/>
           <p:nvPr/>
         </p:nvSpPr>
         <p:spPr>
           <a:xfrm>
-            <a:off x="6212793" y="3039444"/>
-            <a:ext cx="5571856" cy="2983912"/>
+            <a:off x="418743" y="1254072"/>
+            <a:ext cx="7263477" cy="4776930"/>
           </a:xfrm>
           <a:prstGeom prst="rect">
             <a:avLst/>
@@ -7319,64 +9724,14 @@
       </p:sp>
       <p:sp>
         <p:nvSpPr>
-          <p:cNvPr id="20" name="직사각형 19"/>
-          <p:cNvSpPr/>
-          <p:nvPr/>
-        </p:nvSpPr>
-        <p:spPr>
-          <a:xfrm>
-            <a:off x="418745" y="3015236"/>
-            <a:ext cx="5571856" cy="2983912"/>
-          </a:xfrm>
-          <a:prstGeom prst="rect">
-            <a:avLst/>
-          </a:prstGeom>
-          <a:solidFill>
-            <a:schemeClr val="bg2"/>
-          </a:solidFill>
-          <a:ln>
-            <a:noFill/>
-          </a:ln>
-        </p:spPr>
-        <p:style>
-          <a:lnRef idx="2">
-            <a:schemeClr val="accent1">
-              <a:shade val="50000"/>
-            </a:schemeClr>
-          </a:lnRef>
-          <a:fillRef idx="1">
-            <a:schemeClr val="accent1"/>
-          </a:fillRef>
-          <a:effectRef idx="0">
-            <a:schemeClr val="accent1"/>
-          </a:effectRef>
-          <a:fontRef idx="minor">
-            <a:schemeClr val="lt1"/>
-          </a:fontRef>
-        </p:style>
-        <p:txBody>
-          <a:bodyPr rtlCol="0" anchor="ctr"/>
-          <a:lstStyle/>
-          <a:p>
-            <a:pPr algn="ctr"/>
-            <a:r>
-              <a:rPr lang="en-US" altLang="ko-KR" dirty="0" smtClean="0"/>
-              <a:t> </a:t>
-            </a:r>
-            <a:endParaRPr lang="ko-KR" altLang="en-US" dirty="0"/>
-          </a:p>
-        </p:txBody>
-      </p:sp>
-      <p:sp>
-        <p:nvSpPr>
           <p:cNvPr id="21" name="TextBox 20"/>
           <p:cNvSpPr txBox="1"/>
           <p:nvPr/>
         </p:nvSpPr>
         <p:spPr>
           <a:xfrm>
-            <a:off x="569229" y="3048845"/>
-            <a:ext cx="5207725" cy="621645"/>
+            <a:off x="569229" y="1319634"/>
+            <a:ext cx="5207725" cy="341568"/>
           </a:xfrm>
           <a:prstGeom prst="rect">
             <a:avLst/>
@@ -7389,36 +9744,7 @@
           </a:bodyPr>
           <a:lstStyle/>
           <a:p>
-            <a:pPr marL="342900" indent="-342900" algn="ctr">
-              <a:lnSpc>
-                <a:spcPct val="130000"/>
-              </a:lnSpc>
-              <a:buAutoNum type="arabicPeriod"/>
-            </a:pPr>
-            <a:r>
-              <a:rPr lang="ko-KR" altLang="en-US" sz="1400" spc="-80" dirty="0" smtClean="0">
-                <a:latin typeface="+mn-ea"/>
-              </a:rPr>
-              <a:t>개인화 서비스 </a:t>
-            </a:r>
-            <a:r>
-              <a:rPr lang="ko-KR" altLang="en-US" sz="1400" spc="-80" dirty="0" err="1" smtClean="0">
-                <a:latin typeface="+mn-ea"/>
-              </a:rPr>
-              <a:t>추친을</a:t>
-            </a:r>
-            <a:r>
-              <a:rPr lang="ko-KR" altLang="en-US" sz="1400" spc="-80" dirty="0" smtClean="0">
-                <a:latin typeface="+mn-ea"/>
-              </a:rPr>
-              <a:t> 위한 시나리오 </a:t>
-            </a:r>
-            <a:endParaRPr lang="en-US" altLang="ko-KR" sz="1400" spc="-80" dirty="0">
-              <a:latin typeface="+mn-ea"/>
-            </a:endParaRPr>
-          </a:p>
-          <a:p>
-            <a:pPr algn="ctr">
+            <a:pPr>
               <a:lnSpc>
                 <a:spcPct val="130000"/>
               </a:lnSpc>
@@ -7427,33 +9753,21 @@
               <a:rPr lang="en-US" altLang="ko-KR" sz="1400" spc="-80" dirty="0" smtClean="0">
                 <a:latin typeface="+mn-ea"/>
               </a:rPr>
-              <a:t>(</a:t>
-            </a:r>
-            <a:r>
-              <a:rPr lang="en-US" altLang="ko-KR" sz="1400" spc="-80" dirty="0">
-                <a:latin typeface="+mn-ea"/>
-              </a:rPr>
-              <a:t>(</a:t>
+              <a:t>1. </a:t>
             </a:r>
             <a:r>
               <a:rPr lang="ko-KR" altLang="en-US" sz="1400" spc="-80" dirty="0" smtClean="0">
                 <a:latin typeface="+mn-ea"/>
               </a:rPr>
-              <a:t>데이터로만 구성해서 분석하기</a:t>
+              <a:t>개인화란 무엇일까</a:t>
             </a:r>
             <a:r>
               <a:rPr lang="en-US" altLang="ko-KR" sz="1400" spc="-80" dirty="0" smtClean="0">
                 <a:latin typeface="+mn-ea"/>
               </a:rPr>
-              <a:t>)</a:t>
-            </a:r>
-            <a:r>
-              <a:rPr lang="ko-KR" altLang="en-US" sz="1400" spc="-80" dirty="0" smtClean="0">
-                <a:latin typeface="+mn-ea"/>
-              </a:rPr>
-              <a:t> </a:t>
-            </a:r>
-            <a:endParaRPr lang="ko-KR" altLang="en-US" sz="1400" spc="-80" dirty="0">
+              <a:t>?	</a:t>
+            </a:r>
+            <a:endParaRPr lang="en-US" altLang="ko-KR" sz="1400" spc="-80" dirty="0">
               <a:latin typeface="+mn-ea"/>
             </a:endParaRPr>
           </a:p>
@@ -7461,14 +9775,14 @@
       </p:sp>
       <p:sp>
         <p:nvSpPr>
-          <p:cNvPr id="22" name="TextBox 21"/>
+          <p:cNvPr id="23" name="TextBox 22"/>
           <p:cNvSpPr txBox="1"/>
           <p:nvPr/>
         </p:nvSpPr>
         <p:spPr>
           <a:xfrm>
-            <a:off x="6457284" y="3048845"/>
-            <a:ext cx="5207725" cy="652486"/>
+            <a:off x="800100" y="1744018"/>
+            <a:ext cx="6745287" cy="1492716"/>
           </a:xfrm>
           <a:prstGeom prst="rect">
             <a:avLst/>
@@ -7481,47 +9795,41 @@
           </a:bodyPr>
           <a:lstStyle/>
           <a:p>
-            <a:pPr algn="ctr">
+            <a:pPr>
               <a:lnSpc>
                 <a:spcPct val="130000"/>
               </a:lnSpc>
             </a:pPr>
             <a:r>
-              <a:rPr lang="en-US" altLang="ko-KR" sz="1400" spc="-80" dirty="0">
-                <a:latin typeface="+mn-ea"/>
-              </a:rPr>
-              <a:t>2</a:t>
-            </a:r>
-            <a:r>
               <a:rPr lang="en-US" altLang="ko-KR" sz="1400" spc="-80" dirty="0" smtClean="0">
                 <a:latin typeface="+mn-ea"/>
               </a:rPr>
-              <a:t>. </a:t>
+              <a:t>Data</a:t>
             </a:r>
             <a:r>
               <a:rPr lang="ko-KR" altLang="en-US" sz="1400" spc="-80" dirty="0" smtClean="0">
                 <a:latin typeface="+mn-ea"/>
               </a:rPr>
-              <a:t>초개인화 서비스 </a:t>
+              <a:t>를 기반으로 개개인에게 맞춤형 </a:t>
             </a:r>
             <a:r>
               <a:rPr lang="ko-KR" altLang="en-US" sz="1400" spc="-80" dirty="0" err="1" smtClean="0">
                 <a:latin typeface="+mn-ea"/>
               </a:rPr>
-              <a:t>추친을</a:t>
+              <a:t>콘텐츠를</a:t>
             </a:r>
             <a:r>
               <a:rPr lang="ko-KR" altLang="en-US" sz="1400" spc="-80" dirty="0" smtClean="0">
                 <a:latin typeface="+mn-ea"/>
               </a:rPr>
-              <a:t> 위한 시나리오</a:t>
+              <a:t> 추천해주는 서비스</a:t>
             </a:r>
             <a:endParaRPr lang="en-US" altLang="ko-KR" sz="1400" spc="-80" dirty="0" smtClean="0">
               <a:latin typeface="+mn-ea"/>
             </a:endParaRPr>
           </a:p>
           <a:p>
-            <a:pPr algn="ctr">
+            <a:pPr>
               <a:lnSpc>
                 <a:spcPct val="130000"/>
               </a:lnSpc>
@@ -7530,27 +9838,105 @@
               <a:rPr lang="en-US" altLang="ko-KR" sz="1400" spc="-80" dirty="0" smtClean="0">
                 <a:latin typeface="+mn-ea"/>
               </a:rPr>
-              <a:t>(</a:t>
+              <a:t>== </a:t>
             </a:r>
             <a:r>
               <a:rPr lang="ko-KR" altLang="en-US" sz="1400" spc="-80" dirty="0" smtClean="0">
                 <a:latin typeface="+mn-ea"/>
               </a:rPr>
-              <a:t>데이터로 고객기준으로 분류해  분석하기</a:t>
-            </a:r>
+              <a:t>알 고 리 즘 경 험</a:t>
+            </a:r>
+            <a:endParaRPr lang="en-US" altLang="ko-KR" sz="1400" spc="-80" dirty="0" smtClean="0">
+              <a:latin typeface="+mn-ea"/>
+            </a:endParaRPr>
+          </a:p>
+          <a:p>
+            <a:pPr>
+              <a:lnSpc>
+                <a:spcPct val="130000"/>
+              </a:lnSpc>
+            </a:pPr>
+            <a:r>
+              <a:rPr lang="ko-KR" altLang="en-US" sz="1400" spc="-80" dirty="0" smtClean="0">
+                <a:latin typeface="+mn-ea"/>
+              </a:rPr>
+              <a:t>결과물을 제공하느냐에 따라 세분화와 개인화로 구분</a:t>
+            </a:r>
+            <a:endParaRPr lang="en-US" altLang="ko-KR" sz="1400" spc="-80" dirty="0">
+              <a:latin typeface="+mn-ea"/>
+            </a:endParaRPr>
+          </a:p>
+          <a:p>
+            <a:pPr>
+              <a:lnSpc>
+                <a:spcPct val="130000"/>
+              </a:lnSpc>
+            </a:pPr>
             <a:r>
               <a:rPr lang="en-US" altLang="ko-KR" sz="1400" spc="-80" dirty="0" smtClean="0">
                 <a:latin typeface="+mn-ea"/>
               </a:rPr>
-              <a:t>)</a:t>
+              <a:t>	</a:t>
+            </a:r>
+            <a:r>
+              <a:rPr lang="ko-KR" altLang="en-US" sz="1400" spc="-80" dirty="0" err="1" smtClean="0">
+                <a:latin typeface="+mn-ea"/>
+              </a:rPr>
+              <a:t>타켓의</a:t>
             </a:r>
             <a:r>
               <a:rPr lang="ko-KR" altLang="en-US" sz="1400" spc="-80" dirty="0" smtClean="0">
                 <a:latin typeface="+mn-ea"/>
               </a:rPr>
-              <a:t> </a:t>
-            </a:r>
-            <a:endParaRPr lang="ko-KR" altLang="en-US" sz="1400" spc="-80" dirty="0">
+              <a:t> 세분화 </a:t>
+            </a:r>
+            <a:r>
+              <a:rPr lang="en-US" altLang="ko-KR" sz="1400" spc="-80" dirty="0" smtClean="0">
+                <a:latin typeface="+mn-ea"/>
+              </a:rPr>
+              <a:t>: </a:t>
+            </a:r>
+            <a:r>
+              <a:rPr lang="ko-KR" altLang="en-US" sz="1400" spc="-80" dirty="0" smtClean="0">
+                <a:latin typeface="+mn-ea"/>
+              </a:rPr>
+              <a:t>인구 통계적 데이터만을 기반으로 결과물 노출</a:t>
+            </a:r>
+            <a:endParaRPr lang="en-US" altLang="ko-KR" sz="1400" spc="-80" dirty="0">
+              <a:latin typeface="+mn-ea"/>
+            </a:endParaRPr>
+          </a:p>
+          <a:p>
+            <a:pPr>
+              <a:lnSpc>
+                <a:spcPct val="130000"/>
+              </a:lnSpc>
+            </a:pPr>
+            <a:r>
+              <a:rPr lang="en-US" altLang="ko-KR" sz="1400" spc="-80" dirty="0" smtClean="0">
+                <a:latin typeface="+mn-ea"/>
+              </a:rPr>
+              <a:t>	</a:t>
+            </a:r>
+            <a:r>
+              <a:rPr lang="ko-KR" altLang="en-US" sz="1400" spc="-80" dirty="0" smtClean="0">
+                <a:latin typeface="+mn-ea"/>
+              </a:rPr>
+              <a:t>개인화 </a:t>
+            </a:r>
+            <a:r>
+              <a:rPr lang="en-US" altLang="ko-KR" sz="1400" spc="-80" dirty="0" smtClean="0">
+                <a:latin typeface="+mn-ea"/>
+              </a:rPr>
+              <a:t>: </a:t>
+            </a:r>
+            <a:r>
+              <a:rPr lang="ko-KR" altLang="en-US" sz="1400" spc="-80" dirty="0" smtClean="0">
+                <a:latin typeface="+mn-ea"/>
+              </a:rPr>
+              <a:t>사용자의 로그를 활용하여 데이터를 제공</a:t>
+            </a:r>
+            <a:endParaRPr lang="en-US" altLang="ko-KR" sz="1400" spc="-80" dirty="0">
               <a:latin typeface="+mn-ea"/>
             </a:endParaRPr>
           </a:p>
@@ -7558,14 +9944,14 @@
       </p:sp>
       <p:sp>
         <p:nvSpPr>
-          <p:cNvPr id="23" name="TextBox 22"/>
+          <p:cNvPr id="11" name="TextBox 10"/>
           <p:cNvSpPr txBox="1"/>
           <p:nvPr/>
         </p:nvSpPr>
         <p:spPr>
           <a:xfrm>
-            <a:off x="569230" y="3704646"/>
-            <a:ext cx="5207725" cy="2052870"/>
+            <a:off x="569229" y="3300969"/>
+            <a:ext cx="5207725" cy="341568"/>
           </a:xfrm>
           <a:prstGeom prst="rect">
             <a:avLst/>
@@ -7578,191 +9964,30 @@
           </a:bodyPr>
           <a:lstStyle/>
           <a:p>
-            <a:pPr marL="285750" indent="-285750" algn="ctr">
+            <a:pPr>
               <a:lnSpc>
                 <a:spcPct val="130000"/>
               </a:lnSpc>
-              <a:buFontTx/>
-              <a:buChar char="-"/>
             </a:pPr>
+            <a:r>
+              <a:rPr lang="en-US" altLang="ko-KR" sz="1400" spc="-80" dirty="0" smtClean="0">
+                <a:latin typeface="+mn-ea"/>
+              </a:rPr>
+              <a:t>2. </a:t>
+            </a:r>
             <a:r>
               <a:rPr lang="ko-KR" altLang="en-US" sz="1400" spc="-80" dirty="0" smtClean="0">
                 <a:latin typeface="+mn-ea"/>
               </a:rPr>
-              <a:t>국가 기준 상품 수요 </a:t>
+              <a:t>개인화에 필요한 데이터 이해하기</a:t>
             </a:r>
             <a:r>
               <a:rPr lang="en-US" altLang="ko-KR" sz="1400" spc="-80" dirty="0" smtClean="0">
                 <a:latin typeface="+mn-ea"/>
               </a:rPr>
-              <a:t>(</a:t>
-            </a:r>
-            <a:r>
-              <a:rPr lang="ko-KR" altLang="en-US" sz="1400" spc="-80" dirty="0" smtClean="0">
-                <a:latin typeface="+mn-ea"/>
-              </a:rPr>
-              <a:t>날씨와 유행의 영향</a:t>
-            </a:r>
-            <a:r>
-              <a:rPr lang="en-US" altLang="ko-KR" sz="1400" spc="-80" dirty="0" smtClean="0">
-                <a:latin typeface="+mn-ea"/>
-              </a:rPr>
-              <a:t>)</a:t>
-            </a:r>
-          </a:p>
-          <a:p>
-            <a:pPr marL="285750" indent="-285750" algn="ctr">
-              <a:lnSpc>
-                <a:spcPct val="130000"/>
-              </a:lnSpc>
-              <a:buFontTx/>
-              <a:buChar char="-"/>
-            </a:pPr>
-            <a:r>
-              <a:rPr lang="ko-KR" altLang="en-US" sz="1400" spc="-80" dirty="0" smtClean="0">
-                <a:latin typeface="+mn-ea"/>
-              </a:rPr>
-              <a:t>국가 기준 상품 상세 내용 분석 </a:t>
-            </a:r>
-            <a:r>
-              <a:rPr lang="en-US" altLang="ko-KR" sz="1400" spc="-80" dirty="0" smtClean="0">
-                <a:latin typeface="+mn-ea"/>
-              </a:rPr>
-              <a:t>(</a:t>
-            </a:r>
-            <a:r>
-              <a:rPr lang="ko-KR" altLang="en-US" sz="1400" spc="-80" dirty="0" smtClean="0">
-                <a:latin typeface="+mn-ea"/>
-              </a:rPr>
-              <a:t>계절과 날씨의 영향</a:t>
-            </a:r>
-            <a:r>
-              <a:rPr lang="en-US" altLang="ko-KR" sz="1400" spc="-80" dirty="0" smtClean="0">
-                <a:latin typeface="+mn-ea"/>
-              </a:rPr>
-              <a:t>)</a:t>
+              <a:t> 	</a:t>
             </a:r>
             <a:endParaRPr lang="en-US" altLang="ko-KR" sz="1400" spc="-80" dirty="0">
-              <a:latin typeface="+mn-ea"/>
-            </a:endParaRPr>
-          </a:p>
-          <a:p>
-            <a:pPr marL="285750" indent="-285750" algn="ctr">
-              <a:lnSpc>
-                <a:spcPct val="130000"/>
-              </a:lnSpc>
-              <a:buFontTx/>
-              <a:buChar char="-"/>
-            </a:pPr>
-            <a:r>
-              <a:rPr lang="ko-KR" altLang="en-US" sz="1400" spc="-80" dirty="0" smtClean="0">
-                <a:latin typeface="+mn-ea"/>
-              </a:rPr>
-              <a:t>제품과 제품의 연관성 추천 </a:t>
-            </a:r>
-            <a:r>
-              <a:rPr lang="en-US" altLang="ko-KR" sz="1400" spc="-80" dirty="0" smtClean="0">
-                <a:latin typeface="+mn-ea"/>
-              </a:rPr>
-              <a:t>(</a:t>
-            </a:r>
-            <a:r>
-              <a:rPr lang="ko-KR" altLang="en-US" sz="1400" spc="-80" dirty="0" smtClean="0">
-                <a:latin typeface="+mn-ea"/>
-              </a:rPr>
-              <a:t>함께 구매하는 제품</a:t>
-            </a:r>
-            <a:r>
-              <a:rPr lang="en-US" altLang="ko-KR" sz="1400" spc="-80" dirty="0" smtClean="0">
-                <a:latin typeface="+mn-ea"/>
-              </a:rPr>
-              <a:t>)</a:t>
-            </a:r>
-          </a:p>
-          <a:p>
-            <a:pPr marL="285750" indent="-285750" algn="ctr">
-              <a:lnSpc>
-                <a:spcPct val="130000"/>
-              </a:lnSpc>
-              <a:buFontTx/>
-              <a:buChar char="-"/>
-            </a:pPr>
-            <a:r>
-              <a:rPr lang="ko-KR" altLang="en-US" sz="1400" spc="-80" dirty="0" smtClean="0">
-                <a:latin typeface="+mn-ea"/>
-              </a:rPr>
-              <a:t>제품의 상세내용으로 연관성 추천 </a:t>
-            </a:r>
-            <a:r>
-              <a:rPr lang="en-US" altLang="ko-KR" sz="1400" spc="-80" dirty="0" smtClean="0">
-                <a:latin typeface="+mn-ea"/>
-              </a:rPr>
-              <a:t>(</a:t>
-            </a:r>
-            <a:r>
-              <a:rPr lang="ko-KR" altLang="en-US" sz="1400" spc="-80" dirty="0" smtClean="0">
-                <a:latin typeface="+mn-ea"/>
-              </a:rPr>
-              <a:t>비슷한 제품</a:t>
-            </a:r>
-            <a:r>
-              <a:rPr lang="en-US" altLang="ko-KR" sz="1400" spc="-80" dirty="0" smtClean="0">
-                <a:latin typeface="+mn-ea"/>
-              </a:rPr>
-              <a:t>)</a:t>
-            </a:r>
-          </a:p>
-          <a:p>
-            <a:pPr marL="285750" indent="-285750" algn="ctr">
-              <a:lnSpc>
-                <a:spcPct val="130000"/>
-              </a:lnSpc>
-              <a:buFontTx/>
-              <a:buChar char="-"/>
-            </a:pPr>
-            <a:r>
-              <a:rPr lang="ko-KR" altLang="en-US" sz="1400" spc="-80" dirty="0" smtClean="0">
-                <a:latin typeface="+mn-ea"/>
-              </a:rPr>
-              <a:t>송장 시간 기준  많이 팔리는 시간과 달</a:t>
-            </a:r>
-            <a:endParaRPr lang="en-US" altLang="ko-KR" sz="1400" spc="-80" dirty="0" smtClean="0">
-              <a:latin typeface="+mn-ea"/>
-            </a:endParaRPr>
-          </a:p>
-          <a:p>
-            <a:pPr marL="285750" indent="-285750" algn="ctr">
-              <a:lnSpc>
-                <a:spcPct val="130000"/>
-              </a:lnSpc>
-              <a:buFontTx/>
-              <a:buChar char="-"/>
-            </a:pPr>
-            <a:endParaRPr lang="en-US" altLang="ko-KR" sz="1400" spc="-80" dirty="0" smtClean="0">
-              <a:latin typeface="+mn-ea"/>
-            </a:endParaRPr>
-          </a:p>
-          <a:p>
-            <a:pPr marL="285750" indent="-285750" algn="ctr">
-              <a:lnSpc>
-                <a:spcPct val="130000"/>
-              </a:lnSpc>
-              <a:buFontTx/>
-              <a:buChar char="-"/>
-            </a:pPr>
-            <a:r>
-              <a:rPr lang="ko-KR" altLang="en-US" sz="1400" spc="-80" dirty="0" smtClean="0">
-                <a:latin typeface="+mn-ea"/>
-              </a:rPr>
-              <a:t>분석하고 자료 </a:t>
-            </a:r>
-            <a:r>
-              <a:rPr lang="ko-KR" altLang="en-US" sz="1400" spc="-80" dirty="0" err="1" smtClean="0">
-                <a:latin typeface="+mn-ea"/>
-              </a:rPr>
-              <a:t>ㄱㄱ</a:t>
-            </a:r>
-            <a:endParaRPr lang="en-US" altLang="ko-KR" sz="1400" spc="-80" dirty="0" smtClean="0">
               <a:latin typeface="+mn-ea"/>
             </a:endParaRPr>
           </a:p>
@@ -7770,14 +9995,14 @@
       </p:sp>
       <p:sp>
         <p:nvSpPr>
-          <p:cNvPr id="24" name="TextBox 23"/>
+          <p:cNvPr id="12" name="TextBox 11"/>
           <p:cNvSpPr txBox="1"/>
           <p:nvPr/>
         </p:nvSpPr>
         <p:spPr>
           <a:xfrm>
-            <a:off x="6394857" y="3715546"/>
-            <a:ext cx="5207725" cy="2052870"/>
+            <a:off x="800100" y="3726357"/>
+            <a:ext cx="6745287" cy="932563"/>
           </a:xfrm>
           <a:prstGeom prst="rect">
             <a:avLst/>
@@ -7790,18 +10015,86 @@
           </a:bodyPr>
           <a:lstStyle/>
           <a:p>
-            <a:pPr marL="285750" indent="-285750" algn="ctr">
+            <a:pPr>
               <a:lnSpc>
                 <a:spcPct val="130000"/>
               </a:lnSpc>
-              <a:buFontTx/>
-              <a:buChar char="-"/>
             </a:pPr>
+            <a:r>
+              <a:rPr lang="ko-KR" altLang="en-US" sz="1400" spc="-80" dirty="0" err="1" smtClean="0">
+                <a:latin typeface="+mn-ea"/>
+              </a:rPr>
+              <a:t>콘텐츠에</a:t>
+            </a:r>
             <a:r>
               <a:rPr lang="ko-KR" altLang="en-US" sz="1400" spc="-80" dirty="0" smtClean="0">
                 <a:latin typeface="+mn-ea"/>
               </a:rPr>
-              <a:t>구매주기</a:t>
+              <a:t> 대한 데이터와 사용자에 대한 데이터</a:t>
+            </a:r>
+            <a:endParaRPr lang="en-US" altLang="ko-KR" sz="1400" spc="-80" dirty="0">
+              <a:latin typeface="+mn-ea"/>
+            </a:endParaRPr>
+          </a:p>
+          <a:p>
+            <a:pPr>
+              <a:lnSpc>
+                <a:spcPct val="130000"/>
+              </a:lnSpc>
+            </a:pPr>
+            <a:r>
+              <a:rPr lang="en-US" altLang="ko-KR" sz="1400" spc="-80" dirty="0" smtClean="0">
+                <a:latin typeface="+mn-ea"/>
+              </a:rPr>
+              <a:t>	</a:t>
+            </a:r>
+            <a:r>
+              <a:rPr lang="ko-KR" altLang="en-US" sz="1400" spc="-80" dirty="0" err="1" smtClean="0">
+                <a:latin typeface="+mn-ea"/>
+              </a:rPr>
+              <a:t>콘텐츠</a:t>
+            </a:r>
+            <a:r>
+              <a:rPr lang="ko-KR" altLang="en-US" sz="1400" spc="-80" dirty="0" smtClean="0">
+                <a:latin typeface="+mn-ea"/>
+              </a:rPr>
+              <a:t> </a:t>
+            </a:r>
+            <a:r>
+              <a:rPr lang="en-US" altLang="ko-KR" sz="1400" spc="-80" dirty="0" smtClean="0">
+                <a:latin typeface="+mn-ea"/>
+              </a:rPr>
+              <a:t>: </a:t>
+            </a:r>
+            <a:r>
+              <a:rPr lang="ko-KR" altLang="en-US" sz="1400" spc="-80" dirty="0" smtClean="0">
+                <a:latin typeface="+mn-ea"/>
+              </a:rPr>
+              <a:t>키워드</a:t>
+            </a:r>
+            <a:r>
+              <a:rPr lang="en-US" altLang="ko-KR" sz="1400" spc="-80" dirty="0" smtClean="0">
+                <a:latin typeface="+mn-ea"/>
+              </a:rPr>
+              <a:t>(</a:t>
+            </a:r>
+            <a:r>
+              <a:rPr lang="ko-KR" altLang="en-US" sz="1400" spc="-80" dirty="0" err="1" smtClean="0">
+                <a:latin typeface="+mn-ea"/>
+              </a:rPr>
+              <a:t>콘텐츠</a:t>
+            </a:r>
+            <a:r>
+              <a:rPr lang="en-US" altLang="ko-KR" sz="1400" spc="-80" dirty="0" smtClean="0">
+                <a:latin typeface="+mn-ea"/>
+              </a:rPr>
+              <a:t>) </a:t>
+            </a:r>
+            <a:r>
+              <a:rPr lang="ko-KR" altLang="en-US" sz="1400" spc="-80" dirty="0" smtClean="0">
+                <a:latin typeface="+mn-ea"/>
+              </a:rPr>
+              <a:t>데이터</a:t>
             </a:r>
             <a:r>
               <a:rPr lang="en-US" altLang="ko-KR" sz="1400" spc="-80" dirty="0" smtClean="0">
@@ -7813,7 +10106,41 @@
               <a:rPr lang="ko-KR" altLang="en-US" sz="1400" spc="-80" dirty="0" smtClean="0">
                 <a:latin typeface="+mn-ea"/>
               </a:rPr>
-              <a:t>시간 파악 </a:t>
+              <a:t>인구통계학적 선호도 데이터</a:t>
+            </a:r>
+            <a:endParaRPr lang="en-US" altLang="ko-KR" sz="1400" spc="-80" dirty="0" smtClean="0">
+              <a:latin typeface="+mn-ea"/>
+            </a:endParaRPr>
+          </a:p>
+          <a:p>
+            <a:pPr>
+              <a:lnSpc>
+                <a:spcPct val="130000"/>
+              </a:lnSpc>
+            </a:pPr>
+            <a:r>
+              <a:rPr lang="en-US" altLang="ko-KR" sz="1400" spc="-80" dirty="0">
+                <a:latin typeface="+mn-ea"/>
+              </a:rPr>
+              <a:t>	</a:t>
+            </a:r>
+            <a:r>
+              <a:rPr lang="ko-KR" altLang="en-US" sz="1400" spc="-80" dirty="0" smtClean="0">
+                <a:latin typeface="+mn-ea"/>
+              </a:rPr>
+              <a:t>사용자 </a:t>
+            </a:r>
+            <a:r>
+              <a:rPr lang="en-US" altLang="ko-KR" sz="1400" spc="-80" dirty="0" smtClean="0">
+                <a:latin typeface="+mn-ea"/>
+              </a:rPr>
+              <a:t>: </a:t>
+            </a:r>
+            <a:r>
+              <a:rPr lang="ko-KR" altLang="en-US" sz="1400" spc="-80" dirty="0" smtClean="0">
+                <a:latin typeface="+mn-ea"/>
+              </a:rPr>
+              <a:t>키워드</a:t>
             </a:r>
             <a:r>
               <a:rPr lang="en-US" altLang="ko-KR" sz="1400" spc="-80" dirty="0" smtClean="0">
@@ -7825,171 +10152,90 @@
               <a:rPr lang="ko-KR" altLang="en-US" sz="1400" spc="-80" dirty="0" smtClean="0">
                 <a:latin typeface="+mn-ea"/>
               </a:rPr>
-              <a:t>평균</a:t>
+              <a:t>개인정보</a:t>
             </a:r>
             <a:r>
               <a:rPr lang="en-US" altLang="ko-KR" sz="1400" spc="-80" dirty="0" smtClean="0">
                 <a:latin typeface="+mn-ea"/>
               </a:rPr>
-              <a:t>)</a:t>
-            </a:r>
-          </a:p>
-          <a:p>
-            <a:pPr marL="285750" indent="-285750" algn="ctr">
+              <a:t>) </a:t>
+            </a:r>
+            <a:r>
+              <a:rPr lang="ko-KR" altLang="en-US" sz="1400" spc="-80" dirty="0" smtClean="0">
+                <a:latin typeface="+mn-ea"/>
+              </a:rPr>
+              <a:t>데이터</a:t>
+            </a:r>
+            <a:r>
+              <a:rPr lang="en-US" altLang="ko-KR" sz="1400" spc="-80" dirty="0" smtClean="0">
+                <a:latin typeface="+mn-ea"/>
+              </a:rPr>
+              <a:t>, </a:t>
+            </a:r>
+            <a:r>
+              <a:rPr lang="ko-KR" altLang="en-US" sz="1400" spc="-80" dirty="0" err="1" smtClean="0">
+                <a:latin typeface="+mn-ea"/>
+              </a:rPr>
+              <a:t>콘텐츠</a:t>
+            </a:r>
+            <a:r>
+              <a:rPr lang="ko-KR" altLang="en-US" sz="1400" spc="-80" dirty="0" smtClean="0">
+                <a:latin typeface="+mn-ea"/>
+              </a:rPr>
+              <a:t> 선호도 데이터</a:t>
+            </a:r>
+            <a:endParaRPr lang="en-US" altLang="ko-KR" sz="1400" spc="-80" dirty="0">
+              <a:latin typeface="+mn-ea"/>
+            </a:endParaRPr>
+          </a:p>
+        </p:txBody>
+      </p:sp>
+      <p:sp>
+        <p:nvSpPr>
+          <p:cNvPr id="13" name="TextBox 12"/>
+          <p:cNvSpPr txBox="1"/>
+          <p:nvPr/>
+        </p:nvSpPr>
+        <p:spPr>
+          <a:xfrm>
+            <a:off x="569229" y="4733529"/>
+            <a:ext cx="5207725" cy="341568"/>
+          </a:xfrm>
+          <a:prstGeom prst="rect">
+            <a:avLst/>
+          </a:prstGeom>
+          <a:noFill/>
+        </p:spPr>
+        <p:txBody>
+          <a:bodyPr wrap="square" rtlCol="0">
+            <a:spAutoFit/>
+          </a:bodyPr>
+          <a:lstStyle/>
+          <a:p>
+            <a:pPr>
               <a:lnSpc>
                 <a:spcPct val="130000"/>
               </a:lnSpc>
-              <a:buFontTx/>
-              <a:buChar char="-"/>
             </a:pPr>
+            <a:r>
+              <a:rPr lang="en-US" altLang="ko-KR" sz="1400" spc="-80" dirty="0" smtClean="0">
+                <a:latin typeface="+mn-ea"/>
+              </a:rPr>
+              <a:t>3. </a:t>
+            </a:r>
             <a:r>
               <a:rPr lang="ko-KR" altLang="en-US" sz="1400" spc="-80" dirty="0" smtClean="0">
                 <a:latin typeface="+mn-ea"/>
               </a:rPr>
-              <a:t>한번 </a:t>
-            </a:r>
-            <a:r>
-              <a:rPr lang="ko-KR" altLang="en-US" sz="1400" spc="-80" dirty="0" err="1" smtClean="0">
-                <a:latin typeface="+mn-ea"/>
-              </a:rPr>
-              <a:t>구매시</a:t>
-            </a:r>
-            <a:r>
-              <a:rPr lang="ko-KR" altLang="en-US" sz="1400" spc="-80" dirty="0" smtClean="0">
-                <a:latin typeface="+mn-ea"/>
-              </a:rPr>
-              <a:t> 양 파악 </a:t>
-            </a:r>
-            <a:r>
-              <a:rPr lang="en-US" altLang="ko-KR" sz="1400" spc="-80" dirty="0">
-                <a:latin typeface="+mn-ea"/>
-              </a:rPr>
-              <a:t>(</a:t>
-            </a:r>
-            <a:r>
-              <a:rPr lang="ko-KR" altLang="en-US" sz="1400" spc="-80" dirty="0">
-                <a:latin typeface="+mn-ea"/>
-              </a:rPr>
-              <a:t>평균</a:t>
-            </a:r>
-            <a:r>
-              <a:rPr lang="en-US" altLang="ko-KR" sz="1400" spc="-80" dirty="0">
-                <a:latin typeface="+mn-ea"/>
-              </a:rPr>
-              <a:t>)</a:t>
-            </a:r>
-            <a:endParaRPr lang="en-US" altLang="ko-KR" sz="1400" spc="-80" dirty="0" smtClean="0">
-              <a:latin typeface="+mn-ea"/>
-            </a:endParaRPr>
-          </a:p>
-          <a:p>
-            <a:pPr marL="285750" indent="-285750" algn="ctr">
-              <a:lnSpc>
-                <a:spcPct val="130000"/>
-              </a:lnSpc>
-              <a:buFontTx/>
-              <a:buChar char="-"/>
-            </a:pPr>
-            <a:r>
-              <a:rPr lang="ko-KR" altLang="en-US" sz="1400" spc="-80" dirty="0" smtClean="0">
-                <a:latin typeface="+mn-ea"/>
-              </a:rPr>
-              <a:t>한번 </a:t>
-            </a:r>
-            <a:r>
-              <a:rPr lang="ko-KR" altLang="en-US" sz="1400" spc="-80" dirty="0" err="1" smtClean="0">
-                <a:latin typeface="+mn-ea"/>
-              </a:rPr>
-              <a:t>구매시</a:t>
-            </a:r>
-            <a:r>
-              <a:rPr lang="ko-KR" altLang="en-US" sz="1400" spc="-80" dirty="0" smtClean="0">
-                <a:latin typeface="+mn-ea"/>
-              </a:rPr>
-              <a:t> 금액 파악 </a:t>
-            </a:r>
-            <a:r>
-              <a:rPr lang="en-US" altLang="ko-KR" sz="1400" spc="-80" dirty="0">
-                <a:latin typeface="+mn-ea"/>
-              </a:rPr>
-              <a:t>(</a:t>
-            </a:r>
-            <a:r>
-              <a:rPr lang="ko-KR" altLang="en-US" sz="1400" spc="-80" dirty="0">
-                <a:latin typeface="+mn-ea"/>
-              </a:rPr>
-              <a:t>평균</a:t>
+              <a:t>추천 방식에 따른 차이 이해하기</a:t>
             </a:r>
             <a:r>
               <a:rPr lang="en-US" altLang="ko-KR" sz="1400" spc="-80" dirty="0" smtClean="0">
                 <a:latin typeface="+mn-ea"/>
               </a:rPr>
-              <a:t>)</a:t>
-            </a:r>
-          </a:p>
-          <a:p>
-            <a:pPr marL="285750" indent="-285750" algn="ctr">
-              <a:lnSpc>
-                <a:spcPct val="130000"/>
-              </a:lnSpc>
-              <a:buFontTx/>
-              <a:buChar char="-"/>
-            </a:pPr>
-            <a:r>
-              <a:rPr lang="ko-KR" altLang="en-US" sz="1400" spc="-80" dirty="0" smtClean="0">
-                <a:latin typeface="+mn-ea"/>
-              </a:rPr>
-              <a:t>제품의 상세 내용을 분석하고 관심 제품 파악</a:t>
-            </a:r>
-            <a:endParaRPr lang="en-US" altLang="ko-KR" sz="1400" spc="-80" dirty="0" smtClean="0">
-              <a:latin typeface="+mn-ea"/>
-            </a:endParaRPr>
-          </a:p>
-          <a:p>
-            <a:pPr marL="285750" indent="-285750" algn="ctr">
-              <a:lnSpc>
-                <a:spcPct val="130000"/>
-              </a:lnSpc>
-              <a:buFontTx/>
-              <a:buChar char="-"/>
-            </a:pPr>
-            <a:endParaRPr lang="en-US" altLang="ko-KR" sz="1400" spc="-80" dirty="0" smtClean="0">
-              <a:latin typeface="+mn-ea"/>
-            </a:endParaRPr>
-          </a:p>
-          <a:p>
-            <a:pPr marL="285750" indent="-285750" algn="ctr">
-              <a:lnSpc>
-                <a:spcPct val="130000"/>
-              </a:lnSpc>
-              <a:buFontTx/>
-              <a:buChar char="-"/>
-            </a:pPr>
+              <a:t> 	</a:t>
+            </a:r>
             <a:endParaRPr lang="en-US" altLang="ko-KR" sz="1400" spc="-80" dirty="0">
-              <a:latin typeface="+mn-ea"/>
-            </a:endParaRPr>
-          </a:p>
-          <a:p>
-            <a:pPr marL="285750" indent="-285750" algn="ctr">
-              <a:lnSpc>
-                <a:spcPct val="130000"/>
-              </a:lnSpc>
-              <a:buFontTx/>
-              <a:buChar char="-"/>
-            </a:pPr>
-            <a:r>
-              <a:rPr lang="ko-KR" altLang="en-US" sz="1400" spc="-80" dirty="0" smtClean="0">
-                <a:latin typeface="+mn-ea"/>
-              </a:rPr>
-              <a:t>분석하고 자료 </a:t>
-            </a:r>
-            <a:r>
-              <a:rPr lang="ko-KR" altLang="en-US" sz="1400" spc="-80" dirty="0" err="1" smtClean="0">
-                <a:latin typeface="+mn-ea"/>
-              </a:rPr>
-              <a:t>ㄱㄱ</a:t>
-            </a:r>
-            <a:endParaRPr lang="en-US" altLang="ko-KR" sz="1400" spc="-80" dirty="0" smtClean="0">
               <a:latin typeface="+mn-ea"/>
             </a:endParaRPr>
           </a:p>
@@ -10508,7 +12754,7 @@
   <a:extraClrSchemeLst/>
   <a:extLst>
     <a:ext uri="{05A4C25C-085E-4340-85A3-A5531E510DB2}">
-      <thm15:themeFamily xmlns="" xmlns:thm15="http://schemas.microsoft.com/office/thememl/2012/main" name="Office Theme" id="{62F939B6-93AF-4DB8-9C6B-D6C7DFDC589F}" vid="{4A3C46E8-61CC-4603-A589-7422A47A8E4A}"/>
+      <thm15:themeFamily xmlns:thm15="http://schemas.microsoft.com/office/thememl/2012/main" xmlns="" name="Office Theme" id="{62F939B6-93AF-4DB8-9C6B-D6C7DFDC589F}" vid="{4A3C46E8-61CC-4603-A589-7422A47A8E4A}"/>
     </a:ext>
   </a:extLst>
 </a:theme>

--- a/O_Retail초안.pptx
+++ b/O_Retail초안.pptx
@@ -5,7 +5,7 @@
     <p:sldMasterId id="2147483648" r:id="rId1"/>
   </p:sldMasterIdLst>
   <p:notesMasterIdLst>
-    <p:notesMasterId r:id="rId9"/>
+    <p:notesMasterId r:id="rId11"/>
   </p:notesMasterIdLst>
   <p:sldIdLst>
     <p:sldId id="261" r:id="rId2"/>
@@ -13,20 +13,22 @@
     <p:sldId id="267" r:id="rId4"/>
     <p:sldId id="269" r:id="rId5"/>
     <p:sldId id="268" r:id="rId6"/>
-    <p:sldId id="266" r:id="rId7"/>
-    <p:sldId id="264" r:id="rId8"/>
+    <p:sldId id="271" r:id="rId7"/>
+    <p:sldId id="266" r:id="rId8"/>
+    <p:sldId id="264" r:id="rId9"/>
+    <p:sldId id="270" r:id="rId10"/>
   </p:sldIdLst>
   <p:sldSz cx="12192000" cy="6858000"/>
   <p:notesSz cx="6858000" cy="9144000"/>
   <p:embeddedFontLst>
     <p:embeddedFont>
-      <p:font typeface="맑은 고딕" panose="020B0503020000020004" pitchFamily="50" charset="-127"/>
-      <p:regular r:id="rId10"/>
-      <p:bold r:id="rId11"/>
+      <p:font typeface="MS PGothic" panose="020B0600070205080204" pitchFamily="34" charset="-128"/>
+      <p:regular r:id="rId12"/>
     </p:embeddedFont>
     <p:embeddedFont>
-      <p:font typeface="MS PGothic" panose="020B0600070205080204" pitchFamily="34" charset="-128"/>
-      <p:regular r:id="rId12"/>
+      <p:font typeface="맑은 고딕" panose="020B0503020000020004" pitchFamily="50" charset="-127"/>
+      <p:regular r:id="rId13"/>
+      <p:bold r:id="rId14"/>
     </p:embeddedFont>
   </p:embeddedFontLst>
   <p:defaultTextStyle>
@@ -126,7 +128,7 @@
   </p:defaultTextStyle>
   <p:extLst>
     <p:ext uri="{EFAFB233-063F-42B5-8137-9DF3F51BA10A}">
-      <p15:sldGuideLst xmlns:p15="http://schemas.microsoft.com/office/powerpoint/2012/main" xmlns="">
+      <p15:sldGuideLst xmlns="" xmlns:p15="http://schemas.microsoft.com/office/powerpoint/2012/main">
         <p15:guide id="1" orient="horz" pos="1049" userDrawn="1">
           <p15:clr>
             <a:srgbClr val="A4A3A4"/>
@@ -255,7 +257,7 @@
           <a:p>
             <a:fld id="{15661072-3E96-4BB2-8A93-9BCC76FC3EF7}" type="datetimeFigureOut">
               <a:rPr lang="ko-KR" altLang="en-US" smtClean="0"/>
-              <a:t>2020-04-04</a:t>
+              <a:t>2020-04-05</a:t>
             </a:fld>
             <a:endParaRPr lang="ko-KR" altLang="en-US"/>
           </a:p>
@@ -822,7 +824,7 @@
           <a:p>
             <a:fld id="{7D273AF2-201B-418F-B8B2-7E4D7387CD19}" type="datetimeFigureOut">
               <a:rPr lang="ko-KR" altLang="en-US" smtClean="0"/>
-              <a:t>2020-04-04</a:t>
+              <a:t>2020-04-05</a:t>
             </a:fld>
             <a:endParaRPr lang="ko-KR" altLang="en-US"/>
           </a:p>
@@ -992,7 +994,7 @@
           <a:p>
             <a:fld id="{7D273AF2-201B-418F-B8B2-7E4D7387CD19}" type="datetimeFigureOut">
               <a:rPr lang="ko-KR" altLang="en-US" smtClean="0"/>
-              <a:t>2020-04-04</a:t>
+              <a:t>2020-04-05</a:t>
             </a:fld>
             <a:endParaRPr lang="ko-KR" altLang="en-US"/>
           </a:p>
@@ -1172,7 +1174,7 @@
           <a:p>
             <a:fld id="{7D273AF2-201B-418F-B8B2-7E4D7387CD19}" type="datetimeFigureOut">
               <a:rPr lang="ko-KR" altLang="en-US" smtClean="0"/>
-              <a:t>2020-04-04</a:t>
+              <a:t>2020-04-05</a:t>
             </a:fld>
             <a:endParaRPr lang="ko-KR" altLang="en-US"/>
           </a:p>
@@ -1342,7 +1344,7 @@
           <a:p>
             <a:fld id="{7D273AF2-201B-418F-B8B2-7E4D7387CD19}" type="datetimeFigureOut">
               <a:rPr lang="ko-KR" altLang="en-US" smtClean="0"/>
-              <a:t>2020-04-04</a:t>
+              <a:t>2020-04-05</a:t>
             </a:fld>
             <a:endParaRPr lang="ko-KR" altLang="en-US"/>
           </a:p>
@@ -1588,7 +1590,7 @@
           <a:p>
             <a:fld id="{7D273AF2-201B-418F-B8B2-7E4D7387CD19}" type="datetimeFigureOut">
               <a:rPr lang="ko-KR" altLang="en-US" smtClean="0"/>
-              <a:t>2020-04-04</a:t>
+              <a:t>2020-04-05</a:t>
             </a:fld>
             <a:endParaRPr lang="ko-KR" altLang="en-US"/>
           </a:p>
@@ -1820,7 +1822,7 @@
           <a:p>
             <a:fld id="{7D273AF2-201B-418F-B8B2-7E4D7387CD19}" type="datetimeFigureOut">
               <a:rPr lang="ko-KR" altLang="en-US" smtClean="0"/>
-              <a:t>2020-04-04</a:t>
+              <a:t>2020-04-05</a:t>
             </a:fld>
             <a:endParaRPr lang="ko-KR" altLang="en-US"/>
           </a:p>
@@ -2187,7 +2189,7 @@
           <a:p>
             <a:fld id="{7D273AF2-201B-418F-B8B2-7E4D7387CD19}" type="datetimeFigureOut">
               <a:rPr lang="ko-KR" altLang="en-US" smtClean="0"/>
-              <a:t>2020-04-04</a:t>
+              <a:t>2020-04-05</a:t>
             </a:fld>
             <a:endParaRPr lang="ko-KR" altLang="en-US"/>
           </a:p>
@@ -2305,7 +2307,7 @@
           <a:p>
             <a:fld id="{7D273AF2-201B-418F-B8B2-7E4D7387CD19}" type="datetimeFigureOut">
               <a:rPr lang="ko-KR" altLang="en-US" smtClean="0"/>
-              <a:t>2020-04-04</a:t>
+              <a:t>2020-04-05</a:t>
             </a:fld>
             <a:endParaRPr lang="ko-KR" altLang="en-US"/>
           </a:p>
@@ -2400,7 +2402,7 @@
           <a:p>
             <a:fld id="{7D273AF2-201B-418F-B8B2-7E4D7387CD19}" type="datetimeFigureOut">
               <a:rPr lang="ko-KR" altLang="en-US" smtClean="0"/>
-              <a:t>2020-04-04</a:t>
+              <a:t>2020-04-05</a:t>
             </a:fld>
             <a:endParaRPr lang="ko-KR" altLang="en-US"/>
           </a:p>
@@ -2677,7 +2679,7 @@
           <a:p>
             <a:fld id="{7D273AF2-201B-418F-B8B2-7E4D7387CD19}" type="datetimeFigureOut">
               <a:rPr lang="ko-KR" altLang="en-US" smtClean="0"/>
-              <a:t>2020-04-04</a:t>
+              <a:t>2020-04-05</a:t>
             </a:fld>
             <a:endParaRPr lang="ko-KR" altLang="en-US"/>
           </a:p>
@@ -2930,7 +2932,7 @@
           <a:p>
             <a:fld id="{7D273AF2-201B-418F-B8B2-7E4D7387CD19}" type="datetimeFigureOut">
               <a:rPr lang="ko-KR" altLang="en-US" smtClean="0"/>
-              <a:t>2020-04-04</a:t>
+              <a:t>2020-04-05</a:t>
             </a:fld>
             <a:endParaRPr lang="ko-KR" altLang="en-US"/>
           </a:p>
@@ -3143,7 +3145,7 @@
           <a:p>
             <a:fld id="{7D273AF2-201B-418F-B8B2-7E4D7387CD19}" type="datetimeFigureOut">
               <a:rPr lang="ko-KR" altLang="en-US" smtClean="0"/>
-              <a:t>2020-04-04</a:t>
+              <a:t>2020-04-05</a:t>
             </a:fld>
             <a:endParaRPr lang="ko-KR" altLang="en-US"/>
           </a:p>
@@ -7973,7 +7975,7 @@
                                           </p:stCondLst>
                                         </p:cTn>
                                         <p:tgtEl>
-                                          <p:spTgt spid="1026"/>
+                                          <p:spTgt spid="18"/>
                                         </p:tgtEl>
                                         <p:attrNameLst>
                                           <p:attrName>style.visibility</p:attrName>
@@ -7986,26 +7988,35 @@
                                   </p:childTnLst>
                                 </p:cTn>
                               </p:par>
-                            </p:childTnLst>
-                          </p:cTn>
-                        </p:par>
-                      </p:childTnLst>
-                    </p:cTn>
-                  </p:par>
-                  <p:par>
-                    <p:cTn id="11" fill="hold">
-                      <p:stCondLst>
-                        <p:cond delay="indefinite"/>
-                      </p:stCondLst>
-                      <p:childTnLst>
-                        <p:par>
-                          <p:cTn id="12" fill="hold">
-                            <p:stCondLst>
-                              <p:cond delay="0"/>
-                            </p:stCondLst>
-                            <p:childTnLst>
                               <p:par>
-                                <p:cTn id="13" presetID="1" presetClass="entr" presetSubtype="0" fill="hold" nodeType="clickEffect">
+                                <p:cTn id="11" presetID="1" presetClass="entr" presetSubtype="0" fill="hold" nodeType="withEffect">
+                                  <p:stCondLst>
+                                    <p:cond delay="0"/>
+                                  </p:stCondLst>
+                                  <p:childTnLst>
+                                    <p:set>
+                                      <p:cBhvr>
+                                        <p:cTn id="12" dur="1" fill="hold">
+                                          <p:stCondLst>
+                                            <p:cond delay="0"/>
+                                          </p:stCondLst>
+                                        </p:cTn>
+                                        <p:tgtEl>
+                                          <p:spTgt spid="20"/>
+                                        </p:tgtEl>
+                                        <p:attrNameLst>
+                                          <p:attrName>style.visibility</p:attrName>
+                                        </p:attrNameLst>
+                                      </p:cBhvr>
+                                      <p:to>
+                                        <p:strVal val="visible"/>
+                                      </p:to>
+                                    </p:set>
+                                  </p:childTnLst>
+                                </p:cTn>
+                              </p:par>
+                              <p:par>
+                                <p:cTn id="13" presetID="1" presetClass="entr" presetSubtype="0" fill="hold" nodeType="withEffect">
                                   <p:stCondLst>
                                     <p:cond delay="0"/>
                                   </p:stCondLst>
@@ -8018,7 +8029,7 @@
                                           </p:stCondLst>
                                         </p:cTn>
                                         <p:tgtEl>
-                                          <p:spTgt spid="3"/>
+                                          <p:spTgt spid="12"/>
                                         </p:tgtEl>
                                         <p:attrNameLst>
                                           <p:attrName>style.visibility</p:attrName>
@@ -8050,7 +8061,7 @@
                             </p:stCondLst>
                             <p:childTnLst>
                               <p:par>
-                                <p:cTn id="17" presetID="1" presetClass="exit" presetSubtype="0" fill="hold" nodeType="clickEffect">
+                                <p:cTn id="17" presetID="1" presetClass="entr" presetSubtype="0" fill="hold" nodeType="clickEffect">
                                   <p:stCondLst>
                                     <p:cond delay="0"/>
                                   </p:stCondLst>
@@ -8063,14 +8074,14 @@
                                           </p:stCondLst>
                                         </p:cTn>
                                         <p:tgtEl>
-                                          <p:spTgt spid="3"/>
+                                          <p:spTgt spid="1026"/>
                                         </p:tgtEl>
                                         <p:attrNameLst>
                                           <p:attrName>style.visibility</p:attrName>
                                         </p:attrNameLst>
                                       </p:cBhvr>
                                       <p:to>
-                                        <p:strVal val="hidden"/>
+                                        <p:strVal val="visible"/>
                                       </p:to>
                                     </p:set>
                                   </p:childTnLst>
@@ -8108,7 +8119,7 @@
                                           </p:stCondLst>
                                         </p:cTn>
                                         <p:tgtEl>
-                                          <p:spTgt spid="18"/>
+                                          <p:spTgt spid="3"/>
                                         </p:tgtEl>
                                         <p:attrNameLst>
                                           <p:attrName>style.visibility</p:attrName>
@@ -8121,35 +8132,26 @@
                                   </p:childTnLst>
                                 </p:cTn>
                               </p:par>
+                            </p:childTnLst>
+                          </p:cTn>
+                        </p:par>
+                      </p:childTnLst>
+                    </p:cTn>
+                  </p:par>
+                  <p:par>
+                    <p:cTn id="23" fill="hold">
+                      <p:stCondLst>
+                        <p:cond delay="indefinite"/>
+                      </p:stCondLst>
+                      <p:childTnLst>
+                        <p:par>
+                          <p:cTn id="24" fill="hold">
+                            <p:stCondLst>
+                              <p:cond delay="0"/>
+                            </p:stCondLst>
+                            <p:childTnLst>
                               <p:par>
-                                <p:cTn id="23" presetID="1" presetClass="entr" presetSubtype="0" fill="hold" nodeType="withEffect">
-                                  <p:stCondLst>
-                                    <p:cond delay="0"/>
-                                  </p:stCondLst>
-                                  <p:childTnLst>
-                                    <p:set>
-                                      <p:cBhvr>
-                                        <p:cTn id="24" dur="1" fill="hold">
-                                          <p:stCondLst>
-                                            <p:cond delay="0"/>
-                                          </p:stCondLst>
-                                        </p:cTn>
-                                        <p:tgtEl>
-                                          <p:spTgt spid="20"/>
-                                        </p:tgtEl>
-                                        <p:attrNameLst>
-                                          <p:attrName>style.visibility</p:attrName>
-                                        </p:attrNameLst>
-                                      </p:cBhvr>
-                                      <p:to>
-                                        <p:strVal val="visible"/>
-                                      </p:to>
-                                    </p:set>
-                                  </p:childTnLst>
-                                </p:cTn>
-                              </p:par>
-                              <p:par>
-                                <p:cTn id="25" presetID="1" presetClass="entr" presetSubtype="0" fill="hold" nodeType="withEffect">
+                                <p:cTn id="25" presetID="1" presetClass="exit" presetSubtype="0" fill="hold" nodeType="clickEffect">
                                   <p:stCondLst>
                                     <p:cond delay="0"/>
                                   </p:stCondLst>
@@ -8162,14 +8164,14 @@
                                           </p:stCondLst>
                                         </p:cTn>
                                         <p:tgtEl>
-                                          <p:spTgt spid="12"/>
+                                          <p:spTgt spid="3"/>
                                         </p:tgtEl>
                                         <p:attrNameLst>
                                           <p:attrName>style.visibility</p:attrName>
                                         </p:attrNameLst>
                                       </p:cBhvr>
                                       <p:to>
-                                        <p:strVal val="visible"/>
+                                        <p:strVal val="hidden"/>
                                       </p:to>
                                     </p:set>
                                   </p:childTnLst>
@@ -9026,6 +9028,51 @@
                                           </p:stCondLst>
                                         </p:cTn>
                                         <p:tgtEl>
+                                          <p:spTgt spid="1029"/>
+                                        </p:tgtEl>
+                                        <p:attrNameLst>
+                                          <p:attrName>style.visibility</p:attrName>
+                                        </p:attrNameLst>
+                                      </p:cBhvr>
+                                      <p:to>
+                                        <p:strVal val="visible"/>
+                                      </p:to>
+                                    </p:set>
+                                  </p:childTnLst>
+                                </p:cTn>
+                              </p:par>
+                            </p:childTnLst>
+                          </p:cTn>
+                        </p:par>
+                      </p:childTnLst>
+                    </p:cTn>
+                  </p:par>
+                  <p:par>
+                    <p:cTn id="97" fill="hold">
+                      <p:stCondLst>
+                        <p:cond delay="indefinite"/>
+                      </p:stCondLst>
+                      <p:childTnLst>
+                        <p:par>
+                          <p:cTn id="98" fill="hold">
+                            <p:stCondLst>
+                              <p:cond delay="0"/>
+                            </p:stCondLst>
+                            <p:childTnLst>
+                              <p:par>
+                                <p:cTn id="99" presetID="1" presetClass="entr" presetSubtype="0" fill="hold" nodeType="clickEffect">
+                                  <p:stCondLst>
+                                    <p:cond delay="0"/>
+                                  </p:stCondLst>
+                                  <p:childTnLst>
+                                    <p:set>
+                                      <p:cBhvr>
+                                        <p:cTn id="100" dur="1" fill="hold">
+                                          <p:stCondLst>
+                                            <p:cond delay="0"/>
+                                          </p:stCondLst>
+                                        </p:cTn>
+                                        <p:tgtEl>
                                           <p:spTgt spid="42"/>
                                         </p:tgtEl>
                                         <p:attrNameLst>
@@ -9040,52 +9087,7 @@
                                 </p:cTn>
                               </p:par>
                               <p:par>
-                                <p:cTn id="97" presetID="1" presetClass="exit" presetSubtype="0" fill="hold" nodeType="withEffect">
-                                  <p:stCondLst>
-                                    <p:cond delay="0"/>
-                                  </p:stCondLst>
-                                  <p:childTnLst>
-                                    <p:set>
-                                      <p:cBhvr>
-                                        <p:cTn id="98" dur="1" fill="hold">
-                                          <p:stCondLst>
-                                            <p:cond delay="0"/>
-                                          </p:stCondLst>
-                                        </p:cTn>
-                                        <p:tgtEl>
-                                          <p:spTgt spid="42"/>
-                                        </p:tgtEl>
-                                        <p:attrNameLst>
-                                          <p:attrName>style.visibility</p:attrName>
-                                        </p:attrNameLst>
-                                      </p:cBhvr>
-                                      <p:to>
-                                        <p:strVal val="hidden"/>
-                                      </p:to>
-                                    </p:set>
-                                  </p:childTnLst>
-                                </p:cTn>
-                              </p:par>
-                            </p:childTnLst>
-                          </p:cTn>
-                        </p:par>
-                      </p:childTnLst>
-                    </p:cTn>
-                  </p:par>
-                  <p:par>
-                    <p:cTn id="99" fill="hold">
-                      <p:stCondLst>
-                        <p:cond delay="indefinite"/>
-                      </p:stCondLst>
-                      <p:childTnLst>
-                        <p:par>
-                          <p:cTn id="100" fill="hold">
-                            <p:stCondLst>
-                              <p:cond delay="0"/>
-                            </p:stCondLst>
-                            <p:childTnLst>
-                              <p:par>
-                                <p:cTn id="101" presetID="1" presetClass="entr" presetSubtype="0" fill="hold" nodeType="clickEffect">
+                                <p:cTn id="101" presetID="1" presetClass="entr" presetSubtype="0" fill="hold" nodeType="withEffect">
                                   <p:stCondLst>
                                     <p:cond delay="0"/>
                                   </p:stCondLst>
@@ -9112,7 +9114,7 @@
                                 </p:cTn>
                               </p:par>
                               <p:par>
-                                <p:cTn id="103" presetID="1" presetClass="exit" presetSubtype="0" fill="hold" nodeType="withEffect">
+                                <p:cTn id="103" presetID="1" presetClass="entr" presetSubtype="0" fill="hold" nodeType="withEffect">
                                   <p:stCondLst>
                                     <p:cond delay="0"/>
                                   </p:stCondLst>
@@ -9120,222 +9122,6 @@
                                     <p:set>
                                       <p:cBhvr>
                                         <p:cTn id="104" dur="1" fill="hold">
-                                          <p:stCondLst>
-                                            <p:cond delay="0"/>
-                                          </p:stCondLst>
-                                        </p:cTn>
-                                        <p:tgtEl>
-                                          <p:spTgt spid="43"/>
-                                        </p:tgtEl>
-                                        <p:attrNameLst>
-                                          <p:attrName>style.visibility</p:attrName>
-                                        </p:attrNameLst>
-                                      </p:cBhvr>
-                                      <p:to>
-                                        <p:strVal val="hidden"/>
-                                      </p:to>
-                                    </p:set>
-                                  </p:childTnLst>
-                                </p:cTn>
-                              </p:par>
-                            </p:childTnLst>
-                          </p:cTn>
-                        </p:par>
-                      </p:childTnLst>
-                    </p:cTn>
-                  </p:par>
-                  <p:par>
-                    <p:cTn id="105" fill="hold">
-                      <p:stCondLst>
-                        <p:cond delay="indefinite"/>
-                      </p:stCondLst>
-                      <p:childTnLst>
-                        <p:par>
-                          <p:cTn id="106" fill="hold">
-                            <p:stCondLst>
-                              <p:cond delay="0"/>
-                            </p:stCondLst>
-                            <p:childTnLst>
-                              <p:par>
-                                <p:cTn id="107" presetID="1" presetClass="entr" presetSubtype="0" fill="hold" nodeType="clickEffect">
-                                  <p:stCondLst>
-                                    <p:cond delay="0"/>
-                                  </p:stCondLst>
-                                  <p:childTnLst>
-                                    <p:set>
-                                      <p:cBhvr>
-                                        <p:cTn id="108" dur="1" fill="hold">
-                                          <p:stCondLst>
-                                            <p:cond delay="0"/>
-                                          </p:stCondLst>
-                                        </p:cTn>
-                                        <p:tgtEl>
-                                          <p:spTgt spid="44"/>
-                                        </p:tgtEl>
-                                        <p:attrNameLst>
-                                          <p:attrName>style.visibility</p:attrName>
-                                        </p:attrNameLst>
-                                      </p:cBhvr>
-                                      <p:to>
-                                        <p:strVal val="visible"/>
-                                      </p:to>
-                                    </p:set>
-                                  </p:childTnLst>
-                                </p:cTn>
-                              </p:par>
-                              <p:par>
-                                <p:cTn id="109" presetID="1" presetClass="exit" presetSubtype="0" fill="hold" nodeType="withEffect">
-                                  <p:stCondLst>
-                                    <p:cond delay="0"/>
-                                  </p:stCondLst>
-                                  <p:childTnLst>
-                                    <p:set>
-                                      <p:cBhvr>
-                                        <p:cTn id="110" dur="1" fill="hold">
-                                          <p:stCondLst>
-                                            <p:cond delay="0"/>
-                                          </p:stCondLst>
-                                        </p:cTn>
-                                        <p:tgtEl>
-                                          <p:spTgt spid="44"/>
-                                        </p:tgtEl>
-                                        <p:attrNameLst>
-                                          <p:attrName>style.visibility</p:attrName>
-                                        </p:attrNameLst>
-                                      </p:cBhvr>
-                                      <p:to>
-                                        <p:strVal val="hidden"/>
-                                      </p:to>
-                                    </p:set>
-                                  </p:childTnLst>
-                                </p:cTn>
-                              </p:par>
-                            </p:childTnLst>
-                          </p:cTn>
-                        </p:par>
-                      </p:childTnLst>
-                    </p:cTn>
-                  </p:par>
-                  <p:par>
-                    <p:cTn id="111" fill="hold">
-                      <p:stCondLst>
-                        <p:cond delay="indefinite"/>
-                      </p:stCondLst>
-                      <p:childTnLst>
-                        <p:par>
-                          <p:cTn id="112" fill="hold">
-                            <p:stCondLst>
-                              <p:cond delay="0"/>
-                            </p:stCondLst>
-                            <p:childTnLst>
-                              <p:par>
-                                <p:cTn id="113" presetID="1" presetClass="entr" presetSubtype="0" fill="hold" nodeType="clickEffect">
-                                  <p:stCondLst>
-                                    <p:cond delay="0"/>
-                                  </p:stCondLst>
-                                  <p:childTnLst>
-                                    <p:set>
-                                      <p:cBhvr>
-                                        <p:cTn id="114" dur="1" fill="hold">
-                                          <p:stCondLst>
-                                            <p:cond delay="0"/>
-                                          </p:stCondLst>
-                                        </p:cTn>
-                                        <p:tgtEl>
-                                          <p:spTgt spid="1029"/>
-                                        </p:tgtEl>
-                                        <p:attrNameLst>
-                                          <p:attrName>style.visibility</p:attrName>
-                                        </p:attrNameLst>
-                                      </p:cBhvr>
-                                      <p:to>
-                                        <p:strVal val="visible"/>
-                                      </p:to>
-                                    </p:set>
-                                  </p:childTnLst>
-                                </p:cTn>
-                              </p:par>
-                            </p:childTnLst>
-                          </p:cTn>
-                        </p:par>
-                      </p:childTnLst>
-                    </p:cTn>
-                  </p:par>
-                  <p:par>
-                    <p:cTn id="115" fill="hold">
-                      <p:stCondLst>
-                        <p:cond delay="indefinite"/>
-                      </p:stCondLst>
-                      <p:childTnLst>
-                        <p:par>
-                          <p:cTn id="116" fill="hold">
-                            <p:stCondLst>
-                              <p:cond delay="0"/>
-                            </p:stCondLst>
-                            <p:childTnLst>
-                              <p:par>
-                                <p:cTn id="117" presetID="1" presetClass="entr" presetSubtype="0" fill="hold" nodeType="clickEffect">
-                                  <p:stCondLst>
-                                    <p:cond delay="0"/>
-                                  </p:stCondLst>
-                                  <p:childTnLst>
-                                    <p:set>
-                                      <p:cBhvr>
-                                        <p:cTn id="118" dur="1" fill="hold">
-                                          <p:stCondLst>
-                                            <p:cond delay="0"/>
-                                          </p:stCondLst>
-                                        </p:cTn>
-                                        <p:tgtEl>
-                                          <p:spTgt spid="42"/>
-                                        </p:tgtEl>
-                                        <p:attrNameLst>
-                                          <p:attrName>style.visibility</p:attrName>
-                                        </p:attrNameLst>
-                                      </p:cBhvr>
-                                      <p:to>
-                                        <p:strVal val="visible"/>
-                                      </p:to>
-                                    </p:set>
-                                  </p:childTnLst>
-                                </p:cTn>
-                              </p:par>
-                              <p:par>
-                                <p:cTn id="119" presetID="1" presetClass="entr" presetSubtype="0" fill="hold" nodeType="withEffect">
-                                  <p:stCondLst>
-                                    <p:cond delay="0"/>
-                                  </p:stCondLst>
-                                  <p:childTnLst>
-                                    <p:set>
-                                      <p:cBhvr>
-                                        <p:cTn id="120" dur="1" fill="hold">
-                                          <p:stCondLst>
-                                            <p:cond delay="0"/>
-                                          </p:stCondLst>
-                                        </p:cTn>
-                                        <p:tgtEl>
-                                          <p:spTgt spid="43"/>
-                                        </p:tgtEl>
-                                        <p:attrNameLst>
-                                          <p:attrName>style.visibility</p:attrName>
-                                        </p:attrNameLst>
-                                      </p:cBhvr>
-                                      <p:to>
-                                        <p:strVal val="visible"/>
-                                      </p:to>
-                                    </p:set>
-                                  </p:childTnLst>
-                                </p:cTn>
-                              </p:par>
-                              <p:par>
-                                <p:cTn id="121" presetID="1" presetClass="entr" presetSubtype="0" fill="hold" nodeType="withEffect">
-                                  <p:stCondLst>
-                                    <p:cond delay="0"/>
-                                  </p:stCondLst>
-                                  <p:childTnLst>
-                                    <p:set>
-                                      <p:cBhvr>
-                                        <p:cTn id="122" dur="1" fill="hold">
                                           <p:stCondLst>
                                             <p:cond delay="0"/>
                                           </p:stCondLst>
@@ -9361,26 +9147,26 @@
                     </p:cTn>
                   </p:par>
                   <p:par>
-                    <p:cTn id="123" fill="hold">
+                    <p:cTn id="105" fill="hold">
                       <p:stCondLst>
                         <p:cond delay="indefinite"/>
                       </p:stCondLst>
                       <p:childTnLst>
                         <p:par>
-                          <p:cTn id="124" fill="hold">
+                          <p:cTn id="106" fill="hold">
                             <p:stCondLst>
                               <p:cond delay="0"/>
                             </p:stCondLst>
                             <p:childTnLst>
                               <p:par>
-                                <p:cTn id="125" presetID="1" presetClass="exit" presetSubtype="0" fill="hold" nodeType="clickEffect">
+                                <p:cTn id="107" presetID="1" presetClass="exit" presetSubtype="0" fill="hold" nodeType="clickEffect">
                                   <p:stCondLst>
                                     <p:cond delay="0"/>
                                   </p:stCondLst>
                                   <p:childTnLst>
                                     <p:set>
                                       <p:cBhvr>
-                                        <p:cTn id="126" dur="1" fill="hold">
+                                        <p:cTn id="108" dur="1" fill="hold">
                                           <p:stCondLst>
                                             <p:cond delay="0"/>
                                           </p:stCondLst>
@@ -9400,14 +9186,14 @@
                                 </p:cTn>
                               </p:par>
                               <p:par>
-                                <p:cTn id="127" presetID="1" presetClass="exit" presetSubtype="0" fill="hold" nodeType="withEffect">
+                                <p:cTn id="109" presetID="1" presetClass="exit" presetSubtype="0" fill="hold" nodeType="withEffect">
                                   <p:stCondLst>
                                     <p:cond delay="0"/>
                                   </p:stCondLst>
                                   <p:childTnLst>
                                     <p:set>
                                       <p:cBhvr>
-                                        <p:cTn id="128" dur="1" fill="hold">
+                                        <p:cTn id="110" dur="1" fill="hold">
                                           <p:stCondLst>
                                             <p:cond delay="0"/>
                                           </p:stCondLst>
@@ -9427,14 +9213,14 @@
                                 </p:cTn>
                               </p:par>
                               <p:par>
-                                <p:cTn id="129" presetID="1" presetClass="exit" presetSubtype="0" fill="hold" nodeType="withEffect">
+                                <p:cTn id="111" presetID="1" presetClass="exit" presetSubtype="0" fill="hold" nodeType="withEffect">
                                   <p:stCondLst>
                                     <p:cond delay="0"/>
                                   </p:stCondLst>
                                   <p:childTnLst>
                                     <p:set>
                                       <p:cBhvr>
-                                        <p:cTn id="130" dur="1" fill="hold">
+                                        <p:cTn id="112" dur="1" fill="hold">
                                           <p:stCondLst>
                                             <p:cond delay="0"/>
                                           </p:stCondLst>
@@ -9454,14 +9240,14 @@
                                 </p:cTn>
                               </p:par>
                               <p:par>
-                                <p:cTn id="131" presetID="1" presetClass="exit" presetSubtype="0" fill="hold" nodeType="withEffect">
+                                <p:cTn id="113" presetID="1" presetClass="exit" presetSubtype="0" fill="hold" nodeType="withEffect">
                                   <p:stCondLst>
                                     <p:cond delay="0"/>
                                   </p:stCondLst>
                                   <p:childTnLst>
                                     <p:set>
                                       <p:cBhvr>
-                                        <p:cTn id="132" dur="1" fill="hold">
+                                        <p:cTn id="114" dur="1" fill="hold">
                                           <p:stCondLst>
                                             <p:cond delay="0"/>
                                           </p:stCondLst>
@@ -9602,7 +9388,7 @@
               <a:rPr lang="ko-KR" altLang="en-US" sz="1400" spc="-80" dirty="0" smtClean="0">
                 <a:latin typeface="+mn-ea"/>
               </a:rPr>
-              <a:t>개인화 서비스 제공할  시나리오입니다</a:t>
+              <a:t>개인화 서비스 정리 내용입니다</a:t>
             </a:r>
             <a:r>
               <a:rPr lang="en-US" altLang="ko-KR" sz="1400" spc="-80" dirty="0" smtClean="0">
@@ -9610,9 +9396,6 @@
               </a:rPr>
               <a:t>.</a:t>
             </a:r>
-            <a:endParaRPr lang="en-US" altLang="ko-KR" sz="1400" spc="-80" dirty="0" smtClean="0">
-              <a:latin typeface="+mn-ea"/>
-            </a:endParaRPr>
           </a:p>
           <a:p>
             <a:pPr algn="ctr">
@@ -9681,7 +9464,7 @@
         <p:spPr>
           <a:xfrm>
             <a:off x="418743" y="1254072"/>
-            <a:ext cx="7263477" cy="4776930"/>
+            <a:ext cx="6271617" cy="5253408"/>
           </a:xfrm>
           <a:prstGeom prst="rect">
             <a:avLst/>
@@ -9731,7 +9514,7 @@
         <p:spPr>
           <a:xfrm>
             <a:off x="569229" y="1319634"/>
-            <a:ext cx="5207725" cy="341568"/>
+            <a:ext cx="5207725" cy="448328"/>
           </a:xfrm>
           <a:prstGeom prst="rect">
             <a:avLst/>
@@ -9750,24 +9533,24 @@
               </a:lnSpc>
             </a:pPr>
             <a:r>
-              <a:rPr lang="en-US" altLang="ko-KR" sz="1400" spc="-80" dirty="0" smtClean="0">
+              <a:rPr lang="en-US" altLang="ko-KR" sz="2000" spc="-80" dirty="0" smtClean="0">
                 <a:latin typeface="+mn-ea"/>
               </a:rPr>
               <a:t>1. </a:t>
             </a:r>
             <a:r>
-              <a:rPr lang="ko-KR" altLang="en-US" sz="1400" spc="-80" dirty="0" smtClean="0">
+              <a:rPr lang="ko-KR" altLang="en-US" sz="2000" spc="-80" dirty="0" smtClean="0">
                 <a:latin typeface="+mn-ea"/>
               </a:rPr>
               <a:t>개인화란 무엇일까</a:t>
             </a:r>
             <a:r>
-              <a:rPr lang="en-US" altLang="ko-KR" sz="1400" spc="-80" dirty="0" smtClean="0">
+              <a:rPr lang="en-US" altLang="ko-KR" sz="2000" spc="-80" dirty="0" smtClean="0">
                 <a:latin typeface="+mn-ea"/>
               </a:rPr>
               <a:t>?	</a:t>
             </a:r>
-            <a:endParaRPr lang="en-US" altLang="ko-KR" sz="1400" spc="-80" dirty="0">
+            <a:endParaRPr lang="en-US" altLang="ko-KR" sz="2000" spc="-80" dirty="0">
               <a:latin typeface="+mn-ea"/>
             </a:endParaRPr>
           </a:p>
@@ -9781,8 +9564,8 @@
         </p:nvSpPr>
         <p:spPr>
           <a:xfrm>
-            <a:off x="800100" y="1744018"/>
-            <a:ext cx="6745287" cy="1492716"/>
+            <a:off x="800101" y="1946923"/>
+            <a:ext cx="5890260" cy="1412694"/>
           </a:xfrm>
           <a:prstGeom prst="rect">
             <a:avLst/>
@@ -9879,30 +9662,30 @@
               <a:t>	</a:t>
             </a:r>
             <a:r>
-              <a:rPr lang="ko-KR" altLang="en-US" sz="1400" spc="-80" dirty="0" err="1" smtClean="0">
+              <a:rPr lang="ko-KR" altLang="en-US" sz="1000" spc="-80" dirty="0" err="1" smtClean="0">
                 <a:latin typeface="+mn-ea"/>
               </a:rPr>
               <a:t>타켓의</a:t>
             </a:r>
             <a:r>
-              <a:rPr lang="ko-KR" altLang="en-US" sz="1400" spc="-80" dirty="0" smtClean="0">
+              <a:rPr lang="ko-KR" altLang="en-US" sz="1000" spc="-80" dirty="0" smtClean="0">
                 <a:latin typeface="+mn-ea"/>
               </a:rPr>
               <a:t> 세분화 </a:t>
             </a:r>
             <a:r>
-              <a:rPr lang="en-US" altLang="ko-KR" sz="1400" spc="-80" dirty="0" smtClean="0">
+              <a:rPr lang="en-US" altLang="ko-KR" sz="1000" spc="-80" dirty="0" smtClean="0">
                 <a:latin typeface="+mn-ea"/>
               </a:rPr>
               <a:t>: </a:t>
             </a:r>
             <a:r>
-              <a:rPr lang="ko-KR" altLang="en-US" sz="1400" spc="-80" dirty="0" smtClean="0">
+              <a:rPr lang="ko-KR" altLang="en-US" sz="1000" spc="-80" dirty="0" smtClean="0">
                 <a:latin typeface="+mn-ea"/>
               </a:rPr>
               <a:t>인구 통계적 데이터만을 기반으로 결과물 노출</a:t>
             </a:r>
-            <a:endParaRPr lang="en-US" altLang="ko-KR" sz="1400" spc="-80" dirty="0">
+            <a:endParaRPr lang="en-US" altLang="ko-KR" sz="1000" spc="-80" dirty="0">
               <a:latin typeface="+mn-ea"/>
             </a:endParaRPr>
           </a:p>
@@ -9913,30 +9696,30 @@
               </a:lnSpc>
             </a:pPr>
             <a:r>
-              <a:rPr lang="en-US" altLang="ko-KR" sz="1400" spc="-80" dirty="0" smtClean="0">
+              <a:rPr lang="en-US" altLang="ko-KR" sz="1000" spc="-80" dirty="0" smtClean="0">
                 <a:latin typeface="+mn-ea"/>
               </a:rPr>
               <a:t>	</a:t>
             </a:r>
             <a:r>
-              <a:rPr lang="ko-KR" altLang="en-US" sz="1400" spc="-80" dirty="0" smtClean="0">
+              <a:rPr lang="ko-KR" altLang="en-US" sz="1000" spc="-80" dirty="0" smtClean="0">
                 <a:latin typeface="+mn-ea"/>
               </a:rPr>
               <a:t>개인화 </a:t>
             </a:r>
             <a:r>
-              <a:rPr lang="en-US" altLang="ko-KR" sz="1400" spc="-80" dirty="0" smtClean="0">
+              <a:rPr lang="en-US" altLang="ko-KR" sz="1000" spc="-80" dirty="0" smtClean="0">
                 <a:latin typeface="+mn-ea"/>
               </a:rPr>
               <a:t>: </a:t>
             </a:r>
             <a:r>
-              <a:rPr lang="ko-KR" altLang="en-US" sz="1400" spc="-80" dirty="0" smtClean="0">
+              <a:rPr lang="ko-KR" altLang="en-US" sz="1000" spc="-80" dirty="0" smtClean="0">
                 <a:latin typeface="+mn-ea"/>
               </a:rPr>
               <a:t>사용자의 로그를 활용하여 데이터를 제공</a:t>
             </a:r>
-            <a:endParaRPr lang="en-US" altLang="ko-KR" sz="1400" spc="-80" dirty="0">
+            <a:endParaRPr lang="en-US" altLang="ko-KR" sz="1000" spc="-80" dirty="0">
               <a:latin typeface="+mn-ea"/>
             </a:endParaRPr>
           </a:p>
@@ -9950,8 +9733,8 @@
         </p:nvSpPr>
         <p:spPr>
           <a:xfrm>
-            <a:off x="569229" y="3300969"/>
-            <a:ext cx="5207725" cy="341568"/>
+            <a:off x="609420" y="3876115"/>
+            <a:ext cx="5207725" cy="448328"/>
           </a:xfrm>
           <a:prstGeom prst="rect">
             <a:avLst/>
@@ -9970,24 +9753,24 @@
               </a:lnSpc>
             </a:pPr>
             <a:r>
-              <a:rPr lang="en-US" altLang="ko-KR" sz="1400" spc="-80" dirty="0" smtClean="0">
+              <a:rPr lang="en-US" altLang="ko-KR" sz="2000" spc="-80" dirty="0" smtClean="0">
                 <a:latin typeface="+mn-ea"/>
               </a:rPr>
               <a:t>2. </a:t>
             </a:r>
             <a:r>
-              <a:rPr lang="ko-KR" altLang="en-US" sz="1400" spc="-80" dirty="0" smtClean="0">
+              <a:rPr lang="ko-KR" altLang="en-US" sz="2000" spc="-80" dirty="0" smtClean="0">
                 <a:latin typeface="+mn-ea"/>
               </a:rPr>
               <a:t>개인화에 필요한 데이터 이해하기</a:t>
             </a:r>
             <a:r>
-              <a:rPr lang="en-US" altLang="ko-KR" sz="1400" spc="-80" dirty="0" smtClean="0">
+              <a:rPr lang="en-US" altLang="ko-KR" sz="2000" spc="-80" dirty="0" smtClean="0">
                 <a:latin typeface="+mn-ea"/>
               </a:rPr>
               <a:t> 	</a:t>
             </a:r>
-            <a:endParaRPr lang="en-US" altLang="ko-KR" sz="1400" spc="-80" dirty="0">
+            <a:endParaRPr lang="en-US" altLang="ko-KR" sz="2000" spc="-80" dirty="0">
               <a:latin typeface="+mn-ea"/>
             </a:endParaRPr>
           </a:p>
@@ -10001,8 +9784,8 @@
         </p:nvSpPr>
         <p:spPr>
           <a:xfrm>
-            <a:off x="800100" y="3726357"/>
-            <a:ext cx="6745287" cy="932563"/>
+            <a:off x="609420" y="4541169"/>
+            <a:ext cx="5890261" cy="932563"/>
           </a:xfrm>
           <a:prstGeom prst="rect">
             <a:avLst/>
@@ -10190,57 +9973,210 @@
           </a:p>
         </p:txBody>
       </p:sp>
-      <p:sp>
-        <p:nvSpPr>
-          <p:cNvPr id="13" name="TextBox 12"/>
-          <p:cNvSpPr txBox="1"/>
+      <p:pic>
+        <p:nvPicPr>
+          <p:cNvPr id="1027" name="Picture 3"/>
+          <p:cNvPicPr>
+            <a:picLocks noChangeAspect="1" noChangeArrowheads="1"/>
+          </p:cNvPicPr>
           <p:nvPr/>
-        </p:nvSpPr>
-        <p:spPr>
+        </p:nvPicPr>
+        <p:blipFill>
+          <a:blip r:embed="rId3">
+            <a:extLst>
+              <a:ext uri="{28A0092B-C50C-407E-A947-70E740481C1C}">
+                <a14:useLocalDpi xmlns:a14="http://schemas.microsoft.com/office/drawing/2010/main" val="0"/>
+              </a:ext>
+            </a:extLst>
+          </a:blip>
+          <a:srcRect/>
+          <a:stretch>
+            <a:fillRect/>
+          </a:stretch>
+        </p:blipFill>
+        <p:spPr bwMode="auto">
           <a:xfrm>
-            <a:off x="569229" y="4733529"/>
-            <a:ext cx="5207725" cy="341568"/>
+            <a:off x="3745231" y="1254072"/>
+            <a:ext cx="7905750" cy="5253408"/>
           </a:xfrm>
           <a:prstGeom prst="rect">
             <a:avLst/>
           </a:prstGeom>
           <a:noFill/>
+          <a:ln>
+            <a:noFill/>
+          </a:ln>
+          <a:extLst>
+            <a:ext uri="{909E8E84-426E-40DD-AFC4-6F175D3DCCD1}">
+              <a14:hiddenFill xmlns:a14="http://schemas.microsoft.com/office/drawing/2010/main">
+                <a:solidFill>
+                  <a:schemeClr val="accent1"/>
+                </a:solidFill>
+              </a14:hiddenFill>
+            </a:ext>
+            <a:ext uri="{91240B29-F687-4F45-9708-019B960494DF}">
+              <a14:hiddenLine xmlns:a14="http://schemas.microsoft.com/office/drawing/2010/main" w="9525">
+                <a:solidFill>
+                  <a:schemeClr val="tx1"/>
+                </a:solidFill>
+                <a:miter lim="800000"/>
+                <a:headEnd/>
+                <a:tailEnd/>
+              </a14:hiddenLine>
+            </a:ext>
+          </a:extLst>
         </p:spPr>
+      </p:pic>
+      <p:sp>
+        <p:nvSpPr>
+          <p:cNvPr id="2" name="직사각형 1"/>
+          <p:cNvSpPr/>
+          <p:nvPr/>
+        </p:nvSpPr>
+        <p:spPr>
+          <a:xfrm>
+            <a:off x="8546471" y="3181676"/>
+            <a:ext cx="2788468" cy="662136"/>
+          </a:xfrm>
+          <a:prstGeom prst="rect">
+            <a:avLst/>
+          </a:prstGeom>
+        </p:spPr>
+        <p:style>
+          <a:lnRef idx="2">
+            <a:schemeClr val="accent1">
+              <a:shade val="50000"/>
+            </a:schemeClr>
+          </a:lnRef>
+          <a:fillRef idx="1">
+            <a:schemeClr val="accent1"/>
+          </a:fillRef>
+          <a:effectRef idx="0">
+            <a:schemeClr val="accent1"/>
+          </a:effectRef>
+          <a:fontRef idx="minor">
+            <a:schemeClr val="lt1"/>
+          </a:fontRef>
+        </p:style>
         <p:txBody>
-          <a:bodyPr wrap="square" rtlCol="0">
-            <a:spAutoFit/>
-          </a:bodyPr>
+          <a:bodyPr rtlCol="0" anchor="ctr"/>
           <a:lstStyle/>
           <a:p>
-            <a:pPr>
-              <a:lnSpc>
-                <a:spcPct val="130000"/>
-              </a:lnSpc>
-            </a:pPr>
-            <a:r>
-              <a:rPr lang="en-US" altLang="ko-KR" sz="1400" spc="-80" dirty="0" smtClean="0">
+            <a:pPr algn="ctr"/>
+            <a:r>
+              <a:rPr lang="ko-KR" altLang="en-US" dirty="0" smtClean="0">
                 <a:latin typeface="+mn-ea"/>
               </a:rPr>
-              <a:t>3. </a:t>
-            </a:r>
-            <a:r>
-              <a:rPr lang="ko-KR" altLang="en-US" sz="1400" spc="-80" dirty="0" smtClean="0">
+              <a:t>실 데이터</a:t>
+            </a:r>
+            <a:endParaRPr lang="en-US" altLang="ko-KR" dirty="0" smtClean="0">
+              <a:latin typeface="+mn-ea"/>
+            </a:endParaRPr>
+          </a:p>
+        </p:txBody>
+      </p:sp>
+      <p:sp>
+        <p:nvSpPr>
+          <p:cNvPr id="15" name="직사각형 14"/>
+          <p:cNvSpPr/>
+          <p:nvPr/>
+        </p:nvSpPr>
+        <p:spPr>
+          <a:xfrm>
+            <a:off x="3954856" y="3213979"/>
+            <a:ext cx="2989152" cy="597530"/>
+          </a:xfrm>
+          <a:prstGeom prst="rect">
+            <a:avLst/>
+          </a:prstGeom>
+        </p:spPr>
+        <p:style>
+          <a:lnRef idx="2">
+            <a:schemeClr val="accent1">
+              <a:shade val="50000"/>
+            </a:schemeClr>
+          </a:lnRef>
+          <a:fillRef idx="1">
+            <a:schemeClr val="accent1"/>
+          </a:fillRef>
+          <a:effectRef idx="0">
+            <a:schemeClr val="accent1"/>
+          </a:effectRef>
+          <a:fontRef idx="minor">
+            <a:schemeClr val="lt1"/>
+          </a:fontRef>
+        </p:style>
+        <p:txBody>
+          <a:bodyPr rtlCol="0" anchor="ctr"/>
+          <a:lstStyle/>
+          <a:p>
+            <a:pPr algn="ctr"/>
+            <a:r>
+              <a:rPr lang="ko-KR" altLang="en-US" dirty="0" smtClean="0">
                 <a:latin typeface="+mn-ea"/>
               </a:rPr>
-              <a:t>추천 방식에 따른 차이 이해하기</a:t>
-            </a:r>
-            <a:r>
-              <a:rPr lang="en-US" altLang="ko-KR" sz="1400" spc="-80" dirty="0" smtClean="0">
-                <a:latin typeface="+mn-ea"/>
-              </a:rPr>
-              <a:t> 	</a:t>
-            </a:r>
-            <a:endParaRPr lang="en-US" altLang="ko-KR" sz="1400" spc="-80" dirty="0">
+              <a:t>알고리즘 분석</a:t>
+            </a:r>
+            <a:endParaRPr lang="en-US" altLang="ko-KR" dirty="0" smtClean="0">
               <a:latin typeface="+mn-ea"/>
             </a:endParaRPr>
           </a:p>
         </p:txBody>
       </p:sp>
+      <p:pic>
+        <p:nvPicPr>
+          <p:cNvPr id="1029" name="Picture 5"/>
+          <p:cNvPicPr>
+            <a:picLocks noChangeAspect="1" noChangeArrowheads="1"/>
+          </p:cNvPicPr>
+          <p:nvPr/>
+        </p:nvPicPr>
+        <p:blipFill>
+          <a:blip r:embed="rId4">
+            <a:extLst>
+              <a:ext uri="{28A0092B-C50C-407E-A947-70E740481C1C}">
+                <a14:useLocalDpi xmlns:a14="http://schemas.microsoft.com/office/drawing/2010/main" val="0"/>
+              </a:ext>
+            </a:extLst>
+          </a:blip>
+          <a:srcRect/>
+          <a:stretch>
+            <a:fillRect/>
+          </a:stretch>
+        </p:blipFill>
+        <p:spPr bwMode="auto">
+          <a:xfrm>
+            <a:off x="2954033" y="2225040"/>
+            <a:ext cx="8944396" cy="4255801"/>
+          </a:xfrm>
+          <a:prstGeom prst="rect">
+            <a:avLst/>
+          </a:prstGeom>
+          <a:noFill/>
+          <a:ln>
+            <a:noFill/>
+          </a:ln>
+          <a:extLst>
+            <a:ext uri="{909E8E84-426E-40DD-AFC4-6F175D3DCCD1}">
+              <a14:hiddenFill xmlns:a14="http://schemas.microsoft.com/office/drawing/2010/main">
+                <a:solidFill>
+                  <a:schemeClr val="accent1"/>
+                </a:solidFill>
+              </a14:hiddenFill>
+            </a:ext>
+            <a:ext uri="{91240B29-F687-4F45-9708-019B960494DF}">
+              <a14:hiddenLine xmlns:a14="http://schemas.microsoft.com/office/drawing/2010/main" w="9525">
+                <a:solidFill>
+                  <a:schemeClr val="tx1"/>
+                </a:solidFill>
+                <a:miter lim="800000"/>
+                <a:headEnd/>
+                <a:tailEnd/>
+              </a14:hiddenLine>
+            </a:ext>
+          </a:extLst>
+        </p:spPr>
+      </p:pic>
     </p:spTree>
     <p:custDataLst>
       <p:tags r:id="rId1"/>
@@ -10254,20 +10190,2340 @@
   <p:clrMapOvr>
     <a:masterClrMapping/>
   </p:clrMapOvr>
-  <p:transition spd="slow" advTm="2865">
+  <p:transition spd="slow">
     <p:push dir="u"/>
   </p:transition>
   <p:timing>
     <p:tnLst>
       <p:par>
-        <p:cTn id="1" dur="indefinite" restart="never" nodeType="tmRoot"/>
+        <p:cTn id="1" dur="indefinite" restart="never" nodeType="tmRoot">
+          <p:childTnLst>
+            <p:seq concurrent="1" nextAc="seek">
+              <p:cTn id="2" dur="indefinite" nodeType="mainSeq">
+                <p:childTnLst>
+                  <p:par>
+                    <p:cTn id="3" fill="hold">
+                      <p:stCondLst>
+                        <p:cond delay="indefinite"/>
+                      </p:stCondLst>
+                      <p:childTnLst>
+                        <p:par>
+                          <p:cTn id="4" fill="hold">
+                            <p:stCondLst>
+                              <p:cond delay="0"/>
+                            </p:stCondLst>
+                            <p:childTnLst>
+                              <p:par>
+                                <p:cTn id="5" presetID="1" presetClass="entr" presetSubtype="0" fill="hold" grpId="0" nodeType="clickEffect">
+                                  <p:stCondLst>
+                                    <p:cond delay="0"/>
+                                  </p:stCondLst>
+                                  <p:childTnLst>
+                                    <p:set>
+                                      <p:cBhvr>
+                                        <p:cTn id="6" dur="1" fill="hold">
+                                          <p:stCondLst>
+                                            <p:cond delay="0"/>
+                                          </p:stCondLst>
+                                        </p:cTn>
+                                        <p:tgtEl>
+                                          <p:spTgt spid="21"/>
+                                        </p:tgtEl>
+                                        <p:attrNameLst>
+                                          <p:attrName>style.visibility</p:attrName>
+                                        </p:attrNameLst>
+                                      </p:cBhvr>
+                                      <p:to>
+                                        <p:strVal val="visible"/>
+                                      </p:to>
+                                    </p:set>
+                                  </p:childTnLst>
+                                </p:cTn>
+                              </p:par>
+                            </p:childTnLst>
+                          </p:cTn>
+                        </p:par>
+                      </p:childTnLst>
+                    </p:cTn>
+                  </p:par>
+                  <p:par>
+                    <p:cTn id="7" fill="hold">
+                      <p:stCondLst>
+                        <p:cond delay="indefinite"/>
+                      </p:stCondLst>
+                      <p:childTnLst>
+                        <p:par>
+                          <p:cTn id="8" fill="hold">
+                            <p:stCondLst>
+                              <p:cond delay="0"/>
+                            </p:stCondLst>
+                            <p:childTnLst>
+                              <p:par>
+                                <p:cTn id="9" presetID="1" presetClass="entr" presetSubtype="0" fill="hold" grpId="0" nodeType="clickEffect">
+                                  <p:stCondLst>
+                                    <p:cond delay="0"/>
+                                  </p:stCondLst>
+                                  <p:childTnLst>
+                                    <p:set>
+                                      <p:cBhvr>
+                                        <p:cTn id="10" dur="1" fill="hold">
+                                          <p:stCondLst>
+                                            <p:cond delay="0"/>
+                                          </p:stCondLst>
+                                        </p:cTn>
+                                        <p:tgtEl>
+                                          <p:spTgt spid="23"/>
+                                        </p:tgtEl>
+                                        <p:attrNameLst>
+                                          <p:attrName>style.visibility</p:attrName>
+                                        </p:attrNameLst>
+                                      </p:cBhvr>
+                                      <p:to>
+                                        <p:strVal val="visible"/>
+                                      </p:to>
+                                    </p:set>
+                                  </p:childTnLst>
+                                </p:cTn>
+                              </p:par>
+                            </p:childTnLst>
+                          </p:cTn>
+                        </p:par>
+                      </p:childTnLst>
+                    </p:cTn>
+                  </p:par>
+                  <p:par>
+                    <p:cTn id="11" fill="hold">
+                      <p:stCondLst>
+                        <p:cond delay="indefinite"/>
+                      </p:stCondLst>
+                      <p:childTnLst>
+                        <p:par>
+                          <p:cTn id="12" fill="hold">
+                            <p:stCondLst>
+                              <p:cond delay="0"/>
+                            </p:stCondLst>
+                            <p:childTnLst>
+                              <p:par>
+                                <p:cTn id="13" presetID="1" presetClass="entr" presetSubtype="0" fill="hold" nodeType="clickEffect">
+                                  <p:stCondLst>
+                                    <p:cond delay="0"/>
+                                  </p:stCondLst>
+                                  <p:childTnLst>
+                                    <p:set>
+                                      <p:cBhvr>
+                                        <p:cTn id="14" dur="1" fill="hold">
+                                          <p:stCondLst>
+                                            <p:cond delay="0"/>
+                                          </p:stCondLst>
+                                        </p:cTn>
+                                        <p:tgtEl>
+                                          <p:spTgt spid="1027"/>
+                                        </p:tgtEl>
+                                        <p:attrNameLst>
+                                          <p:attrName>style.visibility</p:attrName>
+                                        </p:attrNameLst>
+                                      </p:cBhvr>
+                                      <p:to>
+                                        <p:strVal val="visible"/>
+                                      </p:to>
+                                    </p:set>
+                                  </p:childTnLst>
+                                </p:cTn>
+                              </p:par>
+                            </p:childTnLst>
+                          </p:cTn>
+                        </p:par>
+                      </p:childTnLst>
+                    </p:cTn>
+                  </p:par>
+                  <p:par>
+                    <p:cTn id="15" fill="hold">
+                      <p:stCondLst>
+                        <p:cond delay="indefinite"/>
+                      </p:stCondLst>
+                      <p:childTnLst>
+                        <p:par>
+                          <p:cTn id="16" fill="hold">
+                            <p:stCondLst>
+                              <p:cond delay="0"/>
+                            </p:stCondLst>
+                            <p:childTnLst>
+                              <p:par>
+                                <p:cTn id="17" presetID="1" presetClass="entr" presetSubtype="0" fill="hold" grpId="0" nodeType="clickEffect">
+                                  <p:stCondLst>
+                                    <p:cond delay="0"/>
+                                  </p:stCondLst>
+                                  <p:childTnLst>
+                                    <p:set>
+                                      <p:cBhvr>
+                                        <p:cTn id="18" dur="1" fill="hold">
+                                          <p:stCondLst>
+                                            <p:cond delay="0"/>
+                                          </p:stCondLst>
+                                        </p:cTn>
+                                        <p:tgtEl>
+                                          <p:spTgt spid="2"/>
+                                        </p:tgtEl>
+                                        <p:attrNameLst>
+                                          <p:attrName>style.visibility</p:attrName>
+                                        </p:attrNameLst>
+                                      </p:cBhvr>
+                                      <p:to>
+                                        <p:strVal val="visible"/>
+                                      </p:to>
+                                    </p:set>
+                                  </p:childTnLst>
+                                </p:cTn>
+                              </p:par>
+                            </p:childTnLst>
+                          </p:cTn>
+                        </p:par>
+                      </p:childTnLst>
+                    </p:cTn>
+                  </p:par>
+                  <p:par>
+                    <p:cTn id="19" fill="hold">
+                      <p:stCondLst>
+                        <p:cond delay="indefinite"/>
+                      </p:stCondLst>
+                      <p:childTnLst>
+                        <p:par>
+                          <p:cTn id="20" fill="hold">
+                            <p:stCondLst>
+                              <p:cond delay="0"/>
+                            </p:stCondLst>
+                            <p:childTnLst>
+                              <p:par>
+                                <p:cTn id="21" presetID="1" presetClass="entr" presetSubtype="0" fill="hold" grpId="0" nodeType="clickEffect">
+                                  <p:stCondLst>
+                                    <p:cond delay="0"/>
+                                  </p:stCondLst>
+                                  <p:childTnLst>
+                                    <p:set>
+                                      <p:cBhvr>
+                                        <p:cTn id="22" dur="1" fill="hold">
+                                          <p:stCondLst>
+                                            <p:cond delay="0"/>
+                                          </p:stCondLst>
+                                        </p:cTn>
+                                        <p:tgtEl>
+                                          <p:spTgt spid="15"/>
+                                        </p:tgtEl>
+                                        <p:attrNameLst>
+                                          <p:attrName>style.visibility</p:attrName>
+                                        </p:attrNameLst>
+                                      </p:cBhvr>
+                                      <p:to>
+                                        <p:strVal val="visible"/>
+                                      </p:to>
+                                    </p:set>
+                                  </p:childTnLst>
+                                </p:cTn>
+                              </p:par>
+                            </p:childTnLst>
+                          </p:cTn>
+                        </p:par>
+                      </p:childTnLst>
+                    </p:cTn>
+                  </p:par>
+                  <p:par>
+                    <p:cTn id="23" fill="hold">
+                      <p:stCondLst>
+                        <p:cond delay="indefinite"/>
+                      </p:stCondLst>
+                      <p:childTnLst>
+                        <p:par>
+                          <p:cTn id="24" fill="hold">
+                            <p:stCondLst>
+                              <p:cond delay="0"/>
+                            </p:stCondLst>
+                            <p:childTnLst>
+                              <p:par>
+                                <p:cTn id="25" presetID="1" presetClass="exit" presetSubtype="0" fill="hold" grpId="1" nodeType="clickEffect">
+                                  <p:stCondLst>
+                                    <p:cond delay="0"/>
+                                  </p:stCondLst>
+                                  <p:childTnLst>
+                                    <p:set>
+                                      <p:cBhvr>
+                                        <p:cTn id="26" dur="1" fill="hold">
+                                          <p:stCondLst>
+                                            <p:cond delay="0"/>
+                                          </p:stCondLst>
+                                        </p:cTn>
+                                        <p:tgtEl>
+                                          <p:spTgt spid="2"/>
+                                        </p:tgtEl>
+                                        <p:attrNameLst>
+                                          <p:attrName>style.visibility</p:attrName>
+                                        </p:attrNameLst>
+                                      </p:cBhvr>
+                                      <p:to>
+                                        <p:strVal val="hidden"/>
+                                      </p:to>
+                                    </p:set>
+                                  </p:childTnLst>
+                                </p:cTn>
+                              </p:par>
+                              <p:par>
+                                <p:cTn id="27" presetID="1" presetClass="exit" presetSubtype="0" fill="hold" grpId="1" nodeType="withEffect">
+                                  <p:stCondLst>
+                                    <p:cond delay="0"/>
+                                  </p:stCondLst>
+                                  <p:childTnLst>
+                                    <p:set>
+                                      <p:cBhvr>
+                                        <p:cTn id="28" dur="1" fill="hold">
+                                          <p:stCondLst>
+                                            <p:cond delay="0"/>
+                                          </p:stCondLst>
+                                        </p:cTn>
+                                        <p:tgtEl>
+                                          <p:spTgt spid="15"/>
+                                        </p:tgtEl>
+                                        <p:attrNameLst>
+                                          <p:attrName>style.visibility</p:attrName>
+                                        </p:attrNameLst>
+                                      </p:cBhvr>
+                                      <p:to>
+                                        <p:strVal val="hidden"/>
+                                      </p:to>
+                                    </p:set>
+                                  </p:childTnLst>
+                                </p:cTn>
+                              </p:par>
+                              <p:par>
+                                <p:cTn id="29" presetID="1" presetClass="exit" presetSubtype="0" fill="hold" nodeType="withEffect">
+                                  <p:stCondLst>
+                                    <p:cond delay="0"/>
+                                  </p:stCondLst>
+                                  <p:childTnLst>
+                                    <p:set>
+                                      <p:cBhvr>
+                                        <p:cTn id="30" dur="1" fill="hold">
+                                          <p:stCondLst>
+                                            <p:cond delay="0"/>
+                                          </p:stCondLst>
+                                        </p:cTn>
+                                        <p:tgtEl>
+                                          <p:spTgt spid="1027"/>
+                                        </p:tgtEl>
+                                        <p:attrNameLst>
+                                          <p:attrName>style.visibility</p:attrName>
+                                        </p:attrNameLst>
+                                      </p:cBhvr>
+                                      <p:to>
+                                        <p:strVal val="hidden"/>
+                                      </p:to>
+                                    </p:set>
+                                  </p:childTnLst>
+                                </p:cTn>
+                              </p:par>
+                            </p:childTnLst>
+                          </p:cTn>
+                        </p:par>
+                      </p:childTnLst>
+                    </p:cTn>
+                  </p:par>
+                  <p:par>
+                    <p:cTn id="31" fill="hold">
+                      <p:stCondLst>
+                        <p:cond delay="indefinite"/>
+                      </p:stCondLst>
+                      <p:childTnLst>
+                        <p:par>
+                          <p:cTn id="32" fill="hold">
+                            <p:stCondLst>
+                              <p:cond delay="0"/>
+                            </p:stCondLst>
+                            <p:childTnLst>
+                              <p:par>
+                                <p:cTn id="33" presetID="1" presetClass="entr" presetSubtype="0" fill="hold" grpId="0" nodeType="clickEffect">
+                                  <p:stCondLst>
+                                    <p:cond delay="0"/>
+                                  </p:stCondLst>
+                                  <p:childTnLst>
+                                    <p:set>
+                                      <p:cBhvr>
+                                        <p:cTn id="34" dur="1" fill="hold">
+                                          <p:stCondLst>
+                                            <p:cond delay="0"/>
+                                          </p:stCondLst>
+                                        </p:cTn>
+                                        <p:tgtEl>
+                                          <p:spTgt spid="11"/>
+                                        </p:tgtEl>
+                                        <p:attrNameLst>
+                                          <p:attrName>style.visibility</p:attrName>
+                                        </p:attrNameLst>
+                                      </p:cBhvr>
+                                      <p:to>
+                                        <p:strVal val="visible"/>
+                                      </p:to>
+                                    </p:set>
+                                  </p:childTnLst>
+                                </p:cTn>
+                              </p:par>
+                            </p:childTnLst>
+                          </p:cTn>
+                        </p:par>
+                      </p:childTnLst>
+                    </p:cTn>
+                  </p:par>
+                  <p:par>
+                    <p:cTn id="35" fill="hold">
+                      <p:stCondLst>
+                        <p:cond delay="indefinite"/>
+                      </p:stCondLst>
+                      <p:childTnLst>
+                        <p:par>
+                          <p:cTn id="36" fill="hold">
+                            <p:stCondLst>
+                              <p:cond delay="0"/>
+                            </p:stCondLst>
+                            <p:childTnLst>
+                              <p:par>
+                                <p:cTn id="37" presetID="1" presetClass="entr" presetSubtype="0" fill="hold" grpId="0" nodeType="clickEffect">
+                                  <p:stCondLst>
+                                    <p:cond delay="0"/>
+                                  </p:stCondLst>
+                                  <p:childTnLst>
+                                    <p:set>
+                                      <p:cBhvr>
+                                        <p:cTn id="38" dur="1" fill="hold">
+                                          <p:stCondLst>
+                                            <p:cond delay="0"/>
+                                          </p:stCondLst>
+                                        </p:cTn>
+                                        <p:tgtEl>
+                                          <p:spTgt spid="12"/>
+                                        </p:tgtEl>
+                                        <p:attrNameLst>
+                                          <p:attrName>style.visibility</p:attrName>
+                                        </p:attrNameLst>
+                                      </p:cBhvr>
+                                      <p:to>
+                                        <p:strVal val="visible"/>
+                                      </p:to>
+                                    </p:set>
+                                  </p:childTnLst>
+                                </p:cTn>
+                              </p:par>
+                            </p:childTnLst>
+                          </p:cTn>
+                        </p:par>
+                      </p:childTnLst>
+                    </p:cTn>
+                  </p:par>
+                  <p:par>
+                    <p:cTn id="39" fill="hold">
+                      <p:stCondLst>
+                        <p:cond delay="indefinite"/>
+                      </p:stCondLst>
+                      <p:childTnLst>
+                        <p:par>
+                          <p:cTn id="40" fill="hold">
+                            <p:stCondLst>
+                              <p:cond delay="0"/>
+                            </p:stCondLst>
+                            <p:childTnLst>
+                              <p:par>
+                                <p:cTn id="41" presetID="1" presetClass="entr" presetSubtype="0" fill="hold" nodeType="clickEffect">
+                                  <p:stCondLst>
+                                    <p:cond delay="0"/>
+                                  </p:stCondLst>
+                                  <p:childTnLst>
+                                    <p:set>
+                                      <p:cBhvr>
+                                        <p:cTn id="42" dur="1" fill="hold">
+                                          <p:stCondLst>
+                                            <p:cond delay="0"/>
+                                          </p:stCondLst>
+                                        </p:cTn>
+                                        <p:tgtEl>
+                                          <p:spTgt spid="1029"/>
+                                        </p:tgtEl>
+                                        <p:attrNameLst>
+                                          <p:attrName>style.visibility</p:attrName>
+                                        </p:attrNameLst>
+                                      </p:cBhvr>
+                                      <p:to>
+                                        <p:strVal val="visible"/>
+                                      </p:to>
+                                    </p:set>
+                                  </p:childTnLst>
+                                </p:cTn>
+                              </p:par>
+                            </p:childTnLst>
+                          </p:cTn>
+                        </p:par>
+                      </p:childTnLst>
+                    </p:cTn>
+                  </p:par>
+                  <p:par>
+                    <p:cTn id="43" fill="hold">
+                      <p:stCondLst>
+                        <p:cond delay="indefinite"/>
+                      </p:stCondLst>
+                      <p:childTnLst>
+                        <p:par>
+                          <p:cTn id="44" fill="hold">
+                            <p:stCondLst>
+                              <p:cond delay="0"/>
+                            </p:stCondLst>
+                            <p:childTnLst>
+                              <p:par>
+                                <p:cTn id="45" presetID="1" presetClass="exit" presetSubtype="0" fill="hold" nodeType="clickEffect">
+                                  <p:stCondLst>
+                                    <p:cond delay="0"/>
+                                  </p:stCondLst>
+                                  <p:childTnLst>
+                                    <p:set>
+                                      <p:cBhvr>
+                                        <p:cTn id="46" dur="1" fill="hold">
+                                          <p:stCondLst>
+                                            <p:cond delay="0"/>
+                                          </p:stCondLst>
+                                        </p:cTn>
+                                        <p:tgtEl>
+                                          <p:spTgt spid="1029"/>
+                                        </p:tgtEl>
+                                        <p:attrNameLst>
+                                          <p:attrName>style.visibility</p:attrName>
+                                        </p:attrNameLst>
+                                      </p:cBhvr>
+                                      <p:to>
+                                        <p:strVal val="hidden"/>
+                                      </p:to>
+                                    </p:set>
+                                  </p:childTnLst>
+                                </p:cTn>
+                              </p:par>
+                            </p:childTnLst>
+                          </p:cTn>
+                        </p:par>
+                      </p:childTnLst>
+                    </p:cTn>
+                  </p:par>
+                </p:childTnLst>
+              </p:cTn>
+              <p:prevCondLst>
+                <p:cond evt="onPrev" delay="0">
+                  <p:tgtEl>
+                    <p:sldTgt/>
+                  </p:tgtEl>
+                </p:cond>
+              </p:prevCondLst>
+              <p:nextCondLst>
+                <p:cond evt="onNext" delay="0">
+                  <p:tgtEl>
+                    <p:sldTgt/>
+                  </p:tgtEl>
+                </p:cond>
+              </p:nextCondLst>
+            </p:seq>
+          </p:childTnLst>
+        </p:cTn>
       </p:par>
     </p:tnLst>
+    <p:bldLst>
+      <p:bldP spid="21" grpId="0"/>
+      <p:bldP spid="23" grpId="0"/>
+      <p:bldP spid="11" grpId="0"/>
+      <p:bldP spid="12" grpId="0"/>
+      <p:bldP spid="2" grpId="0" animBg="1"/>
+      <p:bldP spid="2" grpId="1" animBg="1"/>
+      <p:bldP spid="15" grpId="0" animBg="1"/>
+      <p:bldP spid="15" grpId="1" animBg="1"/>
+    </p:bldLst>
   </p:timing>
 </p:sld>
 </file>
 
 <file path=ppt/slides/slide6.xml><?xml version="1.0" encoding="utf-8"?>
+<p:sld xmlns:a="http://schemas.openxmlformats.org/drawingml/2006/main" xmlns:r="http://schemas.openxmlformats.org/officeDocument/2006/relationships" xmlns:p="http://schemas.openxmlformats.org/presentationml/2006/main">
+  <p:cSld>
+    <p:spTree>
+      <p:nvGrpSpPr>
+        <p:cNvPr id="1" name=""/>
+        <p:cNvGrpSpPr/>
+        <p:nvPr/>
+      </p:nvGrpSpPr>
+      <p:grpSpPr>
+        <a:xfrm>
+          <a:off x="0" y="0"/>
+          <a:ext cx="0" cy="0"/>
+          <a:chOff x="0" y="0"/>
+          <a:chExt cx="0" cy="0"/>
+        </a:xfrm>
+      </p:grpSpPr>
+      <p:sp>
+        <p:nvSpPr>
+          <p:cNvPr id="5" name="TextBox 4"/>
+          <p:cNvSpPr txBox="1"/>
+          <p:nvPr/>
+        </p:nvSpPr>
+        <p:spPr>
+          <a:xfrm>
+            <a:off x="4509779" y="369502"/>
+            <a:ext cx="3172443" cy="461665"/>
+          </a:xfrm>
+          <a:prstGeom prst="rect">
+            <a:avLst/>
+          </a:prstGeom>
+          <a:noFill/>
+        </p:spPr>
+        <p:txBody>
+          <a:bodyPr wrap="square" rtlCol="0">
+            <a:spAutoFit/>
+          </a:bodyPr>
+          <a:lstStyle/>
+          <a:p>
+            <a:pPr algn="ctr"/>
+            <a:r>
+              <a:rPr lang="ko-KR" altLang="en-US" sz="2400" spc="-150" dirty="0" smtClean="0">
+                <a:solidFill>
+                  <a:srgbClr val="0058A3"/>
+                </a:solidFill>
+                <a:latin typeface="+mj-ea"/>
+                <a:ea typeface="+mj-ea"/>
+              </a:rPr>
+              <a:t>개인화</a:t>
+            </a:r>
+            <a:endParaRPr lang="ko-KR" altLang="en-US" sz="2400" spc="-150" dirty="0">
+              <a:solidFill>
+                <a:srgbClr val="0058A3"/>
+              </a:solidFill>
+              <a:latin typeface="+mj-ea"/>
+              <a:ea typeface="+mj-ea"/>
+            </a:endParaRPr>
+          </a:p>
+        </p:txBody>
+      </p:sp>
+      <p:sp>
+        <p:nvSpPr>
+          <p:cNvPr id="6" name="TextBox 5"/>
+          <p:cNvSpPr txBox="1"/>
+          <p:nvPr/>
+        </p:nvSpPr>
+        <p:spPr>
+          <a:xfrm>
+            <a:off x="4312290" y="831167"/>
+            <a:ext cx="3567421" cy="652486"/>
+          </a:xfrm>
+          <a:prstGeom prst="rect">
+            <a:avLst/>
+          </a:prstGeom>
+          <a:noFill/>
+        </p:spPr>
+        <p:txBody>
+          <a:bodyPr wrap="square" rtlCol="0">
+            <a:spAutoFit/>
+          </a:bodyPr>
+          <a:lstStyle/>
+          <a:p>
+            <a:pPr algn="ctr">
+              <a:lnSpc>
+                <a:spcPct val="130000"/>
+              </a:lnSpc>
+            </a:pPr>
+            <a:r>
+              <a:rPr lang="ko-KR" altLang="en-US" sz="1400" spc="-80" dirty="0" smtClean="0">
+                <a:latin typeface="+mn-ea"/>
+              </a:rPr>
+              <a:t>개인화 서비스 정리 내용입니다</a:t>
+            </a:r>
+            <a:r>
+              <a:rPr lang="en-US" altLang="ko-KR" sz="1400" spc="-80" dirty="0" smtClean="0">
+                <a:latin typeface="+mn-ea"/>
+              </a:rPr>
+              <a:t>.</a:t>
+            </a:r>
+          </a:p>
+          <a:p>
+            <a:pPr algn="ctr">
+              <a:lnSpc>
+                <a:spcPct val="130000"/>
+              </a:lnSpc>
+            </a:pPr>
+            <a:endParaRPr lang="ko-KR" altLang="en-US" sz="1400" spc="-80" dirty="0">
+              <a:latin typeface="+mn-ea"/>
+            </a:endParaRPr>
+          </a:p>
+        </p:txBody>
+      </p:sp>
+      <p:sp>
+        <p:nvSpPr>
+          <p:cNvPr id="19" name="직사각형 18"/>
+          <p:cNvSpPr/>
+          <p:nvPr/>
+        </p:nvSpPr>
+        <p:spPr>
+          <a:xfrm>
+            <a:off x="76200" y="74298"/>
+            <a:ext cx="12039599" cy="6707502"/>
+          </a:xfrm>
+          <a:prstGeom prst="rect">
+            <a:avLst/>
+          </a:prstGeom>
+          <a:noFill/>
+          <a:ln w="152400">
+            <a:solidFill>
+              <a:srgbClr val="0058A3"/>
+            </a:solidFill>
+          </a:ln>
+        </p:spPr>
+        <p:style>
+          <a:lnRef idx="2">
+            <a:schemeClr val="accent1">
+              <a:shade val="50000"/>
+            </a:schemeClr>
+          </a:lnRef>
+          <a:fillRef idx="1">
+            <a:schemeClr val="accent1"/>
+          </a:fillRef>
+          <a:effectRef idx="0">
+            <a:schemeClr val="accent1"/>
+          </a:effectRef>
+          <a:fontRef idx="minor">
+            <a:schemeClr val="lt1"/>
+          </a:fontRef>
+        </p:style>
+        <p:txBody>
+          <a:bodyPr rtlCol="0" anchor="ctr"/>
+          <a:lstStyle/>
+          <a:p>
+            <a:pPr algn="ctr"/>
+            <a:endParaRPr lang="ko-KR" altLang="en-US"/>
+          </a:p>
+        </p:txBody>
+      </p:sp>
+      <p:sp>
+        <p:nvSpPr>
+          <p:cNvPr id="20" name="직사각형 19"/>
+          <p:cNvSpPr/>
+          <p:nvPr/>
+        </p:nvSpPr>
+        <p:spPr>
+          <a:xfrm>
+            <a:off x="418743" y="1254072"/>
+            <a:ext cx="6271617" cy="5253408"/>
+          </a:xfrm>
+          <a:prstGeom prst="rect">
+            <a:avLst/>
+          </a:prstGeom>
+          <a:solidFill>
+            <a:schemeClr val="bg2"/>
+          </a:solidFill>
+          <a:ln>
+            <a:noFill/>
+          </a:ln>
+        </p:spPr>
+        <p:style>
+          <a:lnRef idx="2">
+            <a:schemeClr val="accent1">
+              <a:shade val="50000"/>
+            </a:schemeClr>
+          </a:lnRef>
+          <a:fillRef idx="1">
+            <a:schemeClr val="accent1"/>
+          </a:fillRef>
+          <a:effectRef idx="0">
+            <a:schemeClr val="accent1"/>
+          </a:effectRef>
+          <a:fontRef idx="minor">
+            <a:schemeClr val="lt1"/>
+          </a:fontRef>
+        </p:style>
+        <p:txBody>
+          <a:bodyPr rtlCol="0" anchor="ctr"/>
+          <a:lstStyle/>
+          <a:p>
+            <a:pPr algn="ctr"/>
+            <a:r>
+              <a:rPr lang="en-US" altLang="ko-KR" dirty="0" smtClean="0"/>
+              <a:t> </a:t>
+            </a:r>
+            <a:endParaRPr lang="ko-KR" altLang="en-US" dirty="0"/>
+          </a:p>
+        </p:txBody>
+      </p:sp>
+      <p:sp>
+        <p:nvSpPr>
+          <p:cNvPr id="21" name="TextBox 20"/>
+          <p:cNvSpPr txBox="1"/>
+          <p:nvPr/>
+        </p:nvSpPr>
+        <p:spPr>
+          <a:xfrm>
+            <a:off x="569229" y="1319634"/>
+            <a:ext cx="5207725" cy="492443"/>
+          </a:xfrm>
+          <a:prstGeom prst="rect">
+            <a:avLst/>
+          </a:prstGeom>
+          <a:noFill/>
+        </p:spPr>
+        <p:txBody>
+          <a:bodyPr wrap="square" rtlCol="0">
+            <a:spAutoFit/>
+          </a:bodyPr>
+          <a:lstStyle/>
+          <a:p>
+            <a:pPr>
+              <a:lnSpc>
+                <a:spcPct val="130000"/>
+              </a:lnSpc>
+            </a:pPr>
+            <a:r>
+              <a:rPr lang="en-US" altLang="ko-KR" sz="2000" spc="-80" dirty="0">
+                <a:latin typeface="+mn-ea"/>
+              </a:rPr>
+              <a:t>3</a:t>
+            </a:r>
+            <a:r>
+              <a:rPr lang="en-US" altLang="ko-KR" sz="2000" spc="-80" dirty="0" smtClean="0">
+                <a:latin typeface="+mn-ea"/>
+              </a:rPr>
+              <a:t>. </a:t>
+            </a:r>
+            <a:r>
+              <a:rPr lang="ko-KR" altLang="en-US" sz="2000" spc="-80" dirty="0" smtClean="0">
+                <a:latin typeface="+mn-ea"/>
+              </a:rPr>
+              <a:t>추천 방식에 따른 차이</a:t>
+            </a:r>
+            <a:r>
+              <a:rPr lang="en-US" altLang="ko-KR" sz="2000" spc="-80" dirty="0" smtClean="0">
+                <a:latin typeface="+mn-ea"/>
+              </a:rPr>
+              <a:t>	</a:t>
+            </a:r>
+            <a:endParaRPr lang="en-US" altLang="ko-KR" sz="2000" spc="-80" dirty="0">
+              <a:latin typeface="+mn-ea"/>
+            </a:endParaRPr>
+          </a:p>
+        </p:txBody>
+      </p:sp>
+      <p:sp>
+        <p:nvSpPr>
+          <p:cNvPr id="23" name="TextBox 22"/>
+          <p:cNvSpPr txBox="1"/>
+          <p:nvPr/>
+        </p:nvSpPr>
+        <p:spPr>
+          <a:xfrm>
+            <a:off x="800101" y="1946923"/>
+            <a:ext cx="5890260" cy="1492716"/>
+          </a:xfrm>
+          <a:prstGeom prst="rect">
+            <a:avLst/>
+          </a:prstGeom>
+          <a:noFill/>
+        </p:spPr>
+        <p:txBody>
+          <a:bodyPr wrap="square" rtlCol="0">
+            <a:spAutoFit/>
+          </a:bodyPr>
+          <a:lstStyle/>
+          <a:p>
+            <a:pPr>
+              <a:lnSpc>
+                <a:spcPct val="130000"/>
+              </a:lnSpc>
+            </a:pPr>
+            <a:r>
+              <a:rPr lang="en-US" altLang="ko-KR" sz="1400" spc="-80" dirty="0" smtClean="0">
+                <a:latin typeface="+mn-ea"/>
+              </a:rPr>
+              <a:t>Content-based-recommendations : </a:t>
+            </a:r>
+            <a:r>
+              <a:rPr lang="ko-KR" altLang="en-US" sz="1400" spc="-80" dirty="0" smtClean="0">
+                <a:latin typeface="+mn-ea"/>
+              </a:rPr>
+              <a:t>내가 봤던 </a:t>
+            </a:r>
+            <a:r>
+              <a:rPr lang="ko-KR" altLang="en-US" sz="1400" spc="-80" dirty="0" err="1" smtClean="0">
+                <a:latin typeface="+mn-ea"/>
+              </a:rPr>
+              <a:t>콘텐츠와</a:t>
+            </a:r>
+            <a:r>
+              <a:rPr lang="ko-KR" altLang="en-US" sz="1400" spc="-80" dirty="0" smtClean="0">
+                <a:latin typeface="+mn-ea"/>
+              </a:rPr>
+              <a:t> 비슷한 </a:t>
+            </a:r>
+            <a:r>
+              <a:rPr lang="ko-KR" altLang="en-US" sz="1400" spc="-80" dirty="0" err="1" smtClean="0">
+                <a:latin typeface="+mn-ea"/>
+              </a:rPr>
+              <a:t>콘텐츠</a:t>
+            </a:r>
+            <a:r>
+              <a:rPr lang="ko-KR" altLang="en-US" sz="1400" spc="-80" dirty="0" smtClean="0">
+                <a:latin typeface="+mn-ea"/>
+              </a:rPr>
+              <a:t> 추천</a:t>
+            </a:r>
+            <a:endParaRPr lang="en-US" altLang="ko-KR" sz="1400" spc="-80" dirty="0" smtClean="0">
+              <a:latin typeface="+mn-ea"/>
+            </a:endParaRPr>
+          </a:p>
+          <a:p>
+            <a:pPr>
+              <a:lnSpc>
+                <a:spcPct val="130000"/>
+              </a:lnSpc>
+            </a:pPr>
+            <a:r>
+              <a:rPr lang="en-US" altLang="ko-KR" sz="1400" spc="-80" dirty="0" smtClean="0">
+                <a:latin typeface="+mn-ea"/>
+              </a:rPr>
+              <a:t>		-&gt; </a:t>
+            </a:r>
+            <a:r>
+              <a:rPr lang="ko-KR" altLang="en-US" sz="1400" spc="-80" dirty="0" smtClean="0">
+                <a:latin typeface="+mn-ea"/>
+              </a:rPr>
+              <a:t>개인의 </a:t>
+            </a:r>
+            <a:r>
+              <a:rPr lang="ko-KR" altLang="en-US" sz="1400" spc="-80" dirty="0" err="1" smtClean="0">
+                <a:latin typeface="+mn-ea"/>
+              </a:rPr>
+              <a:t>콘텐츠</a:t>
+            </a:r>
+            <a:r>
+              <a:rPr lang="ko-KR" altLang="en-US" sz="1400" spc="-80" dirty="0" smtClean="0">
+                <a:latin typeface="+mn-ea"/>
+              </a:rPr>
+              <a:t> 선호도 데이터를 모아 추천</a:t>
+            </a:r>
+            <a:endParaRPr lang="en-US" altLang="ko-KR" sz="1400" spc="-80" dirty="0" smtClean="0">
+              <a:latin typeface="+mn-ea"/>
+            </a:endParaRPr>
+          </a:p>
+          <a:p>
+            <a:pPr>
+              <a:lnSpc>
+                <a:spcPct val="130000"/>
+              </a:lnSpc>
+            </a:pPr>
+            <a:endParaRPr lang="en-US" altLang="ko-KR" sz="1400" spc="-80" dirty="0" smtClean="0">
+              <a:latin typeface="+mn-ea"/>
+            </a:endParaRPr>
+          </a:p>
+          <a:p>
+            <a:pPr>
+              <a:lnSpc>
+                <a:spcPct val="130000"/>
+              </a:lnSpc>
+            </a:pPr>
+            <a:r>
+              <a:rPr lang="en-US" altLang="ko-KR" sz="1400" spc="-80" dirty="0" smtClean="0">
+                <a:latin typeface="+mn-ea"/>
+              </a:rPr>
+              <a:t>Collaborative-recommendations : </a:t>
+            </a:r>
+            <a:r>
+              <a:rPr lang="ko-KR" altLang="en-US" sz="1400" spc="-80" dirty="0" smtClean="0">
+                <a:latin typeface="+mn-ea"/>
+              </a:rPr>
+              <a:t>나와 유사한 그룹이 많이 본 </a:t>
+            </a:r>
+            <a:r>
+              <a:rPr lang="ko-KR" altLang="en-US" sz="1400" spc="-80" dirty="0" err="1" smtClean="0">
+                <a:latin typeface="+mn-ea"/>
+              </a:rPr>
+              <a:t>콘텐츠</a:t>
+            </a:r>
+            <a:r>
+              <a:rPr lang="ko-KR" altLang="en-US" sz="1400" spc="-80" dirty="0" smtClean="0">
+                <a:latin typeface="+mn-ea"/>
+              </a:rPr>
+              <a:t> 추천</a:t>
+            </a:r>
+            <a:endParaRPr lang="en-US" altLang="ko-KR" sz="1400" spc="-80" dirty="0" smtClean="0">
+              <a:latin typeface="+mn-ea"/>
+            </a:endParaRPr>
+          </a:p>
+          <a:p>
+            <a:pPr>
+              <a:lnSpc>
+                <a:spcPct val="130000"/>
+              </a:lnSpc>
+            </a:pPr>
+            <a:r>
+              <a:rPr lang="en-US" altLang="ko-KR" sz="1400" spc="-80" dirty="0">
+                <a:latin typeface="+mn-ea"/>
+              </a:rPr>
+              <a:t>	</a:t>
+            </a:r>
+            <a:r>
+              <a:rPr lang="en-US" altLang="ko-KR" sz="1400" spc="-80" dirty="0" smtClean="0">
+                <a:latin typeface="+mn-ea"/>
+              </a:rPr>
+              <a:t>	-&gt; </a:t>
+            </a:r>
+            <a:r>
+              <a:rPr lang="ko-KR" altLang="en-US" sz="1400" spc="-80" dirty="0" smtClean="0">
+                <a:latin typeface="+mn-ea"/>
+              </a:rPr>
+              <a:t>인구통계학적 선호도 데이터를 모아 추천</a:t>
+            </a:r>
+            <a:endParaRPr lang="en-US" altLang="ko-KR" sz="1400" spc="-80" dirty="0">
+              <a:latin typeface="+mn-ea"/>
+            </a:endParaRPr>
+          </a:p>
+        </p:txBody>
+      </p:sp>
+      <p:sp>
+        <p:nvSpPr>
+          <p:cNvPr id="11" name="TextBox 10"/>
+          <p:cNvSpPr txBox="1"/>
+          <p:nvPr/>
+        </p:nvSpPr>
+        <p:spPr>
+          <a:xfrm>
+            <a:off x="609420" y="3876115"/>
+            <a:ext cx="5207725" cy="492443"/>
+          </a:xfrm>
+          <a:prstGeom prst="rect">
+            <a:avLst/>
+          </a:prstGeom>
+          <a:noFill/>
+        </p:spPr>
+        <p:txBody>
+          <a:bodyPr wrap="square" rtlCol="0">
+            <a:spAutoFit/>
+          </a:bodyPr>
+          <a:lstStyle/>
+          <a:p>
+            <a:pPr>
+              <a:lnSpc>
+                <a:spcPct val="130000"/>
+              </a:lnSpc>
+            </a:pPr>
+            <a:r>
+              <a:rPr lang="en-US" altLang="ko-KR" sz="2000" spc="-80" dirty="0">
+                <a:latin typeface="+mn-ea"/>
+              </a:rPr>
+              <a:t>4</a:t>
+            </a:r>
+            <a:r>
+              <a:rPr lang="en-US" altLang="ko-KR" sz="2000" spc="-80" dirty="0" smtClean="0">
+                <a:latin typeface="+mn-ea"/>
+              </a:rPr>
+              <a:t>. </a:t>
+            </a:r>
+            <a:r>
+              <a:rPr lang="ko-KR" altLang="en-US" sz="2000" spc="-80" dirty="0" smtClean="0">
+                <a:latin typeface="+mn-ea"/>
+              </a:rPr>
+              <a:t>개인화의 위험 요소 이해</a:t>
+            </a:r>
+            <a:r>
+              <a:rPr lang="en-US" altLang="ko-KR" sz="2000" spc="-80" dirty="0" smtClean="0">
+                <a:latin typeface="+mn-ea"/>
+              </a:rPr>
+              <a:t>	</a:t>
+            </a:r>
+            <a:endParaRPr lang="en-US" altLang="ko-KR" sz="2000" spc="-80" dirty="0">
+              <a:latin typeface="+mn-ea"/>
+            </a:endParaRPr>
+          </a:p>
+        </p:txBody>
+      </p:sp>
+      <p:sp>
+        <p:nvSpPr>
+          <p:cNvPr id="12" name="TextBox 11"/>
+          <p:cNvSpPr txBox="1"/>
+          <p:nvPr/>
+        </p:nvSpPr>
+        <p:spPr>
+          <a:xfrm>
+            <a:off x="609420" y="4541169"/>
+            <a:ext cx="5890261" cy="1772793"/>
+          </a:xfrm>
+          <a:prstGeom prst="rect">
+            <a:avLst/>
+          </a:prstGeom>
+          <a:noFill/>
+        </p:spPr>
+        <p:txBody>
+          <a:bodyPr wrap="square" rtlCol="0">
+            <a:spAutoFit/>
+          </a:bodyPr>
+          <a:lstStyle/>
+          <a:p>
+            <a:pPr>
+              <a:lnSpc>
+                <a:spcPct val="130000"/>
+              </a:lnSpc>
+            </a:pPr>
+            <a:r>
+              <a:rPr lang="ko-KR" altLang="en-US" sz="1400" spc="-80" dirty="0" smtClean="0">
+                <a:latin typeface="+mn-ea"/>
+              </a:rPr>
+              <a:t>에코 </a:t>
+            </a:r>
+            <a:r>
+              <a:rPr lang="ko-KR" altLang="en-US" sz="1400" spc="-80" dirty="0" err="1" smtClean="0">
+                <a:latin typeface="+mn-ea"/>
+              </a:rPr>
+              <a:t>챔버</a:t>
+            </a:r>
+            <a:r>
+              <a:rPr lang="ko-KR" altLang="en-US" sz="1400" spc="-80" dirty="0" smtClean="0">
+                <a:latin typeface="+mn-ea"/>
+              </a:rPr>
+              <a:t> 효과 </a:t>
+            </a:r>
+            <a:endParaRPr lang="en-US" altLang="ko-KR" sz="1400" spc="-80" dirty="0">
+              <a:latin typeface="+mn-ea"/>
+            </a:endParaRPr>
+          </a:p>
+          <a:p>
+            <a:pPr>
+              <a:lnSpc>
+                <a:spcPct val="130000"/>
+              </a:lnSpc>
+            </a:pPr>
+            <a:r>
+              <a:rPr lang="en-US" altLang="ko-KR" sz="1400" spc="-80" dirty="0">
+                <a:latin typeface="+mn-ea"/>
+              </a:rPr>
+              <a:t>	</a:t>
+            </a:r>
+            <a:r>
+              <a:rPr lang="ko-KR" altLang="en-US" sz="1400" spc="-80" dirty="0" smtClean="0">
+                <a:latin typeface="+mn-ea"/>
+              </a:rPr>
+              <a:t>자신의 울타리 속에 갇히는 것</a:t>
+            </a:r>
+            <a:endParaRPr lang="en-US" altLang="ko-KR" sz="1400" spc="-80" dirty="0" smtClean="0">
+              <a:latin typeface="+mn-ea"/>
+            </a:endParaRPr>
+          </a:p>
+          <a:p>
+            <a:pPr>
+              <a:lnSpc>
+                <a:spcPct val="130000"/>
+              </a:lnSpc>
+            </a:pPr>
+            <a:r>
+              <a:rPr lang="en-US" altLang="ko-KR" sz="1400" spc="-80" dirty="0">
+                <a:latin typeface="+mn-ea"/>
+              </a:rPr>
+              <a:t>	</a:t>
+            </a:r>
+            <a:r>
+              <a:rPr lang="ko-KR" altLang="en-US" sz="1400" spc="-80" dirty="0" smtClean="0">
+                <a:latin typeface="+mn-ea"/>
+              </a:rPr>
+              <a:t>이를 방지하고자 추천 서비스들은 사용자의 취향과 관계없는 </a:t>
+            </a:r>
+            <a:r>
+              <a:rPr lang="ko-KR" altLang="en-US" sz="1400" spc="-80" dirty="0" err="1" smtClean="0">
+                <a:latin typeface="+mn-ea"/>
+              </a:rPr>
+              <a:t>콘텐츠를</a:t>
+            </a:r>
+            <a:r>
+              <a:rPr lang="ko-KR" altLang="en-US" sz="1400" spc="-80" dirty="0" smtClean="0">
+                <a:latin typeface="+mn-ea"/>
+              </a:rPr>
+              <a:t> 일정 비율로 추천해주고 있지만</a:t>
+            </a:r>
+            <a:r>
+              <a:rPr lang="en-US" altLang="ko-KR" sz="1400" spc="-80" dirty="0" smtClean="0">
+                <a:latin typeface="+mn-ea"/>
+              </a:rPr>
+              <a:t>,</a:t>
+            </a:r>
+          </a:p>
+          <a:p>
+            <a:pPr>
+              <a:lnSpc>
+                <a:spcPct val="130000"/>
+              </a:lnSpc>
+            </a:pPr>
+            <a:r>
+              <a:rPr lang="en-US" altLang="ko-KR" sz="1400" spc="-80" dirty="0">
+                <a:latin typeface="+mn-ea"/>
+              </a:rPr>
+              <a:t>	</a:t>
+            </a:r>
+            <a:r>
+              <a:rPr lang="ko-KR" altLang="en-US" sz="1400" spc="-80" dirty="0" smtClean="0">
+                <a:latin typeface="+mn-ea"/>
+              </a:rPr>
+              <a:t>이미 에코 </a:t>
+            </a:r>
+            <a:r>
+              <a:rPr lang="ko-KR" altLang="en-US" sz="1400" spc="-80" dirty="0" err="1" smtClean="0">
+                <a:latin typeface="+mn-ea"/>
+              </a:rPr>
+              <a:t>챔버</a:t>
+            </a:r>
+            <a:r>
+              <a:rPr lang="ko-KR" altLang="en-US" sz="1400" spc="-80" dirty="0" smtClean="0">
+                <a:latin typeface="+mn-ea"/>
+              </a:rPr>
+              <a:t> 효과로 인한 확증편향은 곳곳에 노출되고  있으며</a:t>
+            </a:r>
+            <a:r>
+              <a:rPr lang="en-US" altLang="ko-KR" sz="1400" spc="-80" dirty="0" smtClean="0">
+                <a:latin typeface="+mn-ea"/>
+              </a:rPr>
+              <a:t>, </a:t>
+            </a:r>
+            <a:r>
+              <a:rPr lang="ko-KR" altLang="en-US" sz="1400" spc="-80" dirty="0" smtClean="0">
+                <a:latin typeface="+mn-ea"/>
+              </a:rPr>
+              <a:t>위험성을 인식할  필요 충분</a:t>
+            </a:r>
+            <a:endParaRPr lang="en-US" altLang="ko-KR" sz="1400" spc="-80" dirty="0">
+              <a:latin typeface="+mn-ea"/>
+            </a:endParaRPr>
+          </a:p>
+        </p:txBody>
+      </p:sp>
+      <p:pic>
+        <p:nvPicPr>
+          <p:cNvPr id="16" name="그림 15"/>
+          <p:cNvPicPr/>
+          <p:nvPr/>
+        </p:nvPicPr>
+        <p:blipFill>
+          <a:blip r:embed="rId3">
+            <a:extLst>
+              <a:ext uri="{28A0092B-C50C-407E-A947-70E740481C1C}">
+                <a14:useLocalDpi xmlns:a14="http://schemas.microsoft.com/office/drawing/2010/main" val="0"/>
+              </a:ext>
+            </a:extLst>
+          </a:blip>
+          <a:srcRect/>
+          <a:stretch>
+            <a:fillRect/>
+          </a:stretch>
+        </p:blipFill>
+        <p:spPr bwMode="auto">
+          <a:xfrm>
+            <a:off x="5085079" y="1292457"/>
+            <a:ext cx="6304280" cy="5215023"/>
+          </a:xfrm>
+          <a:prstGeom prst="rect">
+            <a:avLst/>
+          </a:prstGeom>
+          <a:noFill/>
+          <a:ln>
+            <a:noFill/>
+          </a:ln>
+        </p:spPr>
+      </p:pic>
+      <p:pic>
+        <p:nvPicPr>
+          <p:cNvPr id="2052" name="Picture 4" descr="영화 '뷰티 인사이드'가 풀지 못한 숙제, 드라마가 해낼까 - 오마이스타"/>
+          <p:cNvPicPr>
+            <a:picLocks noChangeAspect="1" noChangeArrowheads="1"/>
+          </p:cNvPicPr>
+          <p:nvPr/>
+        </p:nvPicPr>
+        <p:blipFill>
+          <a:blip r:embed="rId4" cstate="print">
+            <a:extLst>
+              <a:ext uri="{28A0092B-C50C-407E-A947-70E740481C1C}">
+                <a14:useLocalDpi xmlns:a14="http://schemas.microsoft.com/office/drawing/2010/main" val="0"/>
+              </a:ext>
+            </a:extLst>
+          </a:blip>
+          <a:srcRect/>
+          <a:stretch>
+            <a:fillRect/>
+          </a:stretch>
+        </p:blipFill>
+        <p:spPr bwMode="auto">
+          <a:xfrm>
+            <a:off x="9979505" y="2693039"/>
+            <a:ext cx="1914317" cy="2734284"/>
+          </a:xfrm>
+          <a:prstGeom prst="rect">
+            <a:avLst/>
+          </a:prstGeom>
+          <a:noFill/>
+          <a:extLst>
+            <a:ext uri="{909E8E84-426E-40DD-AFC4-6F175D3DCCD1}">
+              <a14:hiddenFill xmlns:a14="http://schemas.microsoft.com/office/drawing/2010/main">
+                <a:solidFill>
+                  <a:srgbClr val="FFFFFF"/>
+                </a:solidFill>
+              </a14:hiddenFill>
+            </a:ext>
+          </a:extLst>
+        </p:spPr>
+      </p:pic>
+      <p:cxnSp>
+        <p:nvCxnSpPr>
+          <p:cNvPr id="4" name="직선 화살표 연결선 3"/>
+          <p:cNvCxnSpPr/>
+          <p:nvPr/>
+        </p:nvCxnSpPr>
+        <p:spPr>
+          <a:xfrm>
+            <a:off x="7335520" y="3312160"/>
+            <a:ext cx="3230880" cy="587808"/>
+          </a:xfrm>
+          <a:prstGeom prst="straightConnector1">
+            <a:avLst/>
+          </a:prstGeom>
+          <a:ln w="63500">
+            <a:solidFill>
+              <a:schemeClr val="accent4"/>
+            </a:solidFill>
+            <a:tailEnd type="arrow"/>
+          </a:ln>
+        </p:spPr>
+        <p:style>
+          <a:lnRef idx="1">
+            <a:schemeClr val="accent1"/>
+          </a:lnRef>
+          <a:fillRef idx="0">
+            <a:schemeClr val="accent1"/>
+          </a:fillRef>
+          <a:effectRef idx="0">
+            <a:schemeClr val="accent1"/>
+          </a:effectRef>
+          <a:fontRef idx="minor">
+            <a:schemeClr val="tx1"/>
+          </a:fontRef>
+        </p:style>
+      </p:cxnSp>
+      <p:pic>
+        <p:nvPicPr>
+          <p:cNvPr id="17" name="그림 16"/>
+          <p:cNvPicPr/>
+          <p:nvPr/>
+        </p:nvPicPr>
+        <p:blipFill>
+          <a:blip r:embed="rId5">
+            <a:extLst>
+              <a:ext uri="{28A0092B-C50C-407E-A947-70E740481C1C}">
+                <a14:useLocalDpi xmlns:a14="http://schemas.microsoft.com/office/drawing/2010/main" val="0"/>
+              </a:ext>
+            </a:extLst>
+          </a:blip>
+          <a:srcRect/>
+          <a:stretch>
+            <a:fillRect/>
+          </a:stretch>
+        </p:blipFill>
+        <p:spPr bwMode="auto">
+          <a:xfrm>
+            <a:off x="7005318" y="699087"/>
+            <a:ext cx="4627881" cy="5892800"/>
+          </a:xfrm>
+          <a:prstGeom prst="rect">
+            <a:avLst/>
+          </a:prstGeom>
+          <a:noFill/>
+          <a:ln>
+            <a:noFill/>
+          </a:ln>
+        </p:spPr>
+      </p:pic>
+      <p:pic>
+        <p:nvPicPr>
+          <p:cNvPr id="2054" name="Picture 6" descr="치즈인더트랩-치인트 - Home | Facebook"/>
+          <p:cNvPicPr>
+            <a:picLocks noChangeAspect="1" noChangeArrowheads="1"/>
+          </p:cNvPicPr>
+          <p:nvPr/>
+        </p:nvPicPr>
+        <p:blipFill>
+          <a:blip r:embed="rId6">
+            <a:extLst>
+              <a:ext uri="{28A0092B-C50C-407E-A947-70E740481C1C}">
+                <a14:useLocalDpi xmlns:a14="http://schemas.microsoft.com/office/drawing/2010/main" val="0"/>
+              </a:ext>
+            </a:extLst>
+          </a:blip>
+          <a:srcRect/>
+          <a:stretch>
+            <a:fillRect/>
+          </a:stretch>
+        </p:blipFill>
+        <p:spPr bwMode="auto">
+          <a:xfrm>
+            <a:off x="6293485" y="4704715"/>
+            <a:ext cx="2657475" cy="1724025"/>
+          </a:xfrm>
+          <a:prstGeom prst="rect">
+            <a:avLst/>
+          </a:prstGeom>
+          <a:noFill/>
+          <a:extLst>
+            <a:ext uri="{909E8E84-426E-40DD-AFC4-6F175D3DCCD1}">
+              <a14:hiddenFill xmlns:a14="http://schemas.microsoft.com/office/drawing/2010/main">
+                <a:solidFill>
+                  <a:srgbClr val="FFFFFF"/>
+                </a:solidFill>
+              </a14:hiddenFill>
+            </a:ext>
+          </a:extLst>
+        </p:spPr>
+      </p:pic>
+      <p:sp>
+        <p:nvSpPr>
+          <p:cNvPr id="8" name="TextBox 7"/>
+          <p:cNvSpPr txBox="1"/>
+          <p:nvPr/>
+        </p:nvSpPr>
+        <p:spPr>
+          <a:xfrm>
+            <a:off x="7622220" y="4367407"/>
+            <a:ext cx="1212191" cy="369332"/>
+          </a:xfrm>
+          <a:prstGeom prst="rect">
+            <a:avLst/>
+          </a:prstGeom>
+          <a:noFill/>
+        </p:spPr>
+        <p:txBody>
+          <a:bodyPr wrap="none" rtlCol="0">
+            <a:spAutoFit/>
+          </a:bodyPr>
+          <a:lstStyle/>
+          <a:p>
+            <a:r>
+              <a:rPr lang="en-US" altLang="ko-KR" dirty="0" smtClean="0"/>
+              <a:t>20</a:t>
+            </a:r>
+            <a:r>
+              <a:rPr lang="ko-KR" altLang="en-US" dirty="0" smtClean="0"/>
+              <a:t>대 추천</a:t>
+            </a:r>
+            <a:endParaRPr lang="ko-KR" altLang="en-US" dirty="0"/>
+          </a:p>
+        </p:txBody>
+      </p:sp>
+    </p:spTree>
+    <p:custDataLst>
+      <p:tags r:id="rId1"/>
+    </p:custDataLst>
+    <p:extLst>
+      <p:ext uri="{BB962C8B-B14F-4D97-AF65-F5344CB8AC3E}">
+        <p14:creationId xmlns:p14="http://schemas.microsoft.com/office/powerpoint/2010/main" val="300067521"/>
+      </p:ext>
+    </p:extLst>
+  </p:cSld>
+  <p:clrMapOvr>
+    <a:masterClrMapping/>
+  </p:clrMapOvr>
+  <p:transition spd="slow">
+    <p:push dir="u"/>
+  </p:transition>
+  <p:timing>
+    <p:tnLst>
+      <p:par>
+        <p:cTn id="1" dur="indefinite" restart="never" nodeType="tmRoot">
+          <p:childTnLst>
+            <p:seq concurrent="1" nextAc="seek">
+              <p:cTn id="2" dur="indefinite" nodeType="mainSeq">
+                <p:childTnLst>
+                  <p:par>
+                    <p:cTn id="3" fill="hold">
+                      <p:stCondLst>
+                        <p:cond delay="indefinite"/>
+                      </p:stCondLst>
+                      <p:childTnLst>
+                        <p:par>
+                          <p:cTn id="4" fill="hold">
+                            <p:stCondLst>
+                              <p:cond delay="0"/>
+                            </p:stCondLst>
+                            <p:childTnLst>
+                              <p:par>
+                                <p:cTn id="5" presetID="1" presetClass="entr" presetSubtype="0" fill="hold" grpId="0" nodeType="clickEffect">
+                                  <p:stCondLst>
+                                    <p:cond delay="0"/>
+                                  </p:stCondLst>
+                                  <p:childTnLst>
+                                    <p:set>
+                                      <p:cBhvr>
+                                        <p:cTn id="6" dur="1" fill="hold">
+                                          <p:stCondLst>
+                                            <p:cond delay="0"/>
+                                          </p:stCondLst>
+                                        </p:cTn>
+                                        <p:tgtEl>
+                                          <p:spTgt spid="21"/>
+                                        </p:tgtEl>
+                                        <p:attrNameLst>
+                                          <p:attrName>style.visibility</p:attrName>
+                                        </p:attrNameLst>
+                                      </p:cBhvr>
+                                      <p:to>
+                                        <p:strVal val="visible"/>
+                                      </p:to>
+                                    </p:set>
+                                  </p:childTnLst>
+                                </p:cTn>
+                              </p:par>
+                            </p:childTnLst>
+                          </p:cTn>
+                        </p:par>
+                      </p:childTnLst>
+                    </p:cTn>
+                  </p:par>
+                  <p:par>
+                    <p:cTn id="7" fill="hold">
+                      <p:stCondLst>
+                        <p:cond delay="indefinite"/>
+                      </p:stCondLst>
+                      <p:childTnLst>
+                        <p:par>
+                          <p:cTn id="8" fill="hold">
+                            <p:stCondLst>
+                              <p:cond delay="0"/>
+                            </p:stCondLst>
+                            <p:childTnLst>
+                              <p:par>
+                                <p:cTn id="9" presetID="1" presetClass="entr" presetSubtype="0" fill="hold" grpId="0" nodeType="clickEffect">
+                                  <p:stCondLst>
+                                    <p:cond delay="0"/>
+                                  </p:stCondLst>
+                                  <p:childTnLst>
+                                    <p:set>
+                                      <p:cBhvr>
+                                        <p:cTn id="10" dur="1" fill="hold">
+                                          <p:stCondLst>
+                                            <p:cond delay="0"/>
+                                          </p:stCondLst>
+                                        </p:cTn>
+                                        <p:tgtEl>
+                                          <p:spTgt spid="23"/>
+                                        </p:tgtEl>
+                                        <p:attrNameLst>
+                                          <p:attrName>style.visibility</p:attrName>
+                                        </p:attrNameLst>
+                                      </p:cBhvr>
+                                      <p:to>
+                                        <p:strVal val="visible"/>
+                                      </p:to>
+                                    </p:set>
+                                  </p:childTnLst>
+                                </p:cTn>
+                              </p:par>
+                            </p:childTnLst>
+                          </p:cTn>
+                        </p:par>
+                      </p:childTnLst>
+                    </p:cTn>
+                  </p:par>
+                  <p:par>
+                    <p:cTn id="11" fill="hold">
+                      <p:stCondLst>
+                        <p:cond delay="indefinite"/>
+                      </p:stCondLst>
+                      <p:childTnLst>
+                        <p:par>
+                          <p:cTn id="12" fill="hold">
+                            <p:stCondLst>
+                              <p:cond delay="0"/>
+                            </p:stCondLst>
+                            <p:childTnLst>
+                              <p:par>
+                                <p:cTn id="13" presetID="1" presetClass="entr" presetSubtype="0" fill="hold" nodeType="clickEffect">
+                                  <p:stCondLst>
+                                    <p:cond delay="0"/>
+                                  </p:stCondLst>
+                                  <p:childTnLst>
+                                    <p:set>
+                                      <p:cBhvr>
+                                        <p:cTn id="14" dur="1" fill="hold">
+                                          <p:stCondLst>
+                                            <p:cond delay="0"/>
+                                          </p:stCondLst>
+                                        </p:cTn>
+                                        <p:tgtEl>
+                                          <p:spTgt spid="16"/>
+                                        </p:tgtEl>
+                                        <p:attrNameLst>
+                                          <p:attrName>style.visibility</p:attrName>
+                                        </p:attrNameLst>
+                                      </p:cBhvr>
+                                      <p:to>
+                                        <p:strVal val="visible"/>
+                                      </p:to>
+                                    </p:set>
+                                  </p:childTnLst>
+                                </p:cTn>
+                              </p:par>
+                            </p:childTnLst>
+                          </p:cTn>
+                        </p:par>
+                      </p:childTnLst>
+                    </p:cTn>
+                  </p:par>
+                  <p:par>
+                    <p:cTn id="15" fill="hold">
+                      <p:stCondLst>
+                        <p:cond delay="indefinite"/>
+                      </p:stCondLst>
+                      <p:childTnLst>
+                        <p:par>
+                          <p:cTn id="16" fill="hold">
+                            <p:stCondLst>
+                              <p:cond delay="0"/>
+                            </p:stCondLst>
+                            <p:childTnLst>
+                              <p:par>
+                                <p:cTn id="17" presetID="1" presetClass="exit" presetSubtype="0" fill="hold" nodeType="clickEffect">
+                                  <p:stCondLst>
+                                    <p:cond delay="0"/>
+                                  </p:stCondLst>
+                                  <p:childTnLst>
+                                    <p:set>
+                                      <p:cBhvr>
+                                        <p:cTn id="18" dur="1" fill="hold">
+                                          <p:stCondLst>
+                                            <p:cond delay="0"/>
+                                          </p:stCondLst>
+                                        </p:cTn>
+                                        <p:tgtEl>
+                                          <p:spTgt spid="16"/>
+                                        </p:tgtEl>
+                                        <p:attrNameLst>
+                                          <p:attrName>style.visibility</p:attrName>
+                                        </p:attrNameLst>
+                                      </p:cBhvr>
+                                      <p:to>
+                                        <p:strVal val="hidden"/>
+                                      </p:to>
+                                    </p:set>
+                                  </p:childTnLst>
+                                </p:cTn>
+                              </p:par>
+                            </p:childTnLst>
+                          </p:cTn>
+                        </p:par>
+                      </p:childTnLst>
+                    </p:cTn>
+                  </p:par>
+                  <p:par>
+                    <p:cTn id="19" fill="hold">
+                      <p:stCondLst>
+                        <p:cond delay="indefinite"/>
+                      </p:stCondLst>
+                      <p:childTnLst>
+                        <p:par>
+                          <p:cTn id="20" fill="hold">
+                            <p:stCondLst>
+                              <p:cond delay="0"/>
+                            </p:stCondLst>
+                            <p:childTnLst>
+                              <p:par>
+                                <p:cTn id="21" presetID="1" presetClass="entr" presetSubtype="0" fill="hold" nodeType="clickEffect">
+                                  <p:stCondLst>
+                                    <p:cond delay="0"/>
+                                  </p:stCondLst>
+                                  <p:childTnLst>
+                                    <p:set>
+                                      <p:cBhvr>
+                                        <p:cTn id="22" dur="1" fill="hold">
+                                          <p:stCondLst>
+                                            <p:cond delay="0"/>
+                                          </p:stCondLst>
+                                        </p:cTn>
+                                        <p:tgtEl>
+                                          <p:spTgt spid="17"/>
+                                        </p:tgtEl>
+                                        <p:attrNameLst>
+                                          <p:attrName>style.visibility</p:attrName>
+                                        </p:attrNameLst>
+                                      </p:cBhvr>
+                                      <p:to>
+                                        <p:strVal val="visible"/>
+                                      </p:to>
+                                    </p:set>
+                                  </p:childTnLst>
+                                </p:cTn>
+                              </p:par>
+                            </p:childTnLst>
+                          </p:cTn>
+                        </p:par>
+                      </p:childTnLst>
+                    </p:cTn>
+                  </p:par>
+                  <p:par>
+                    <p:cTn id="23" fill="hold">
+                      <p:stCondLst>
+                        <p:cond delay="indefinite"/>
+                      </p:stCondLst>
+                      <p:childTnLst>
+                        <p:par>
+                          <p:cTn id="24" fill="hold">
+                            <p:stCondLst>
+                              <p:cond delay="0"/>
+                            </p:stCondLst>
+                            <p:childTnLst>
+                              <p:par>
+                                <p:cTn id="25" presetID="1" presetClass="exit" presetSubtype="0" fill="hold" nodeType="clickEffect">
+                                  <p:stCondLst>
+                                    <p:cond delay="0"/>
+                                  </p:stCondLst>
+                                  <p:childTnLst>
+                                    <p:set>
+                                      <p:cBhvr>
+                                        <p:cTn id="26" dur="1" fill="hold">
+                                          <p:stCondLst>
+                                            <p:cond delay="0"/>
+                                          </p:stCondLst>
+                                        </p:cTn>
+                                        <p:tgtEl>
+                                          <p:spTgt spid="17"/>
+                                        </p:tgtEl>
+                                        <p:attrNameLst>
+                                          <p:attrName>style.visibility</p:attrName>
+                                        </p:attrNameLst>
+                                      </p:cBhvr>
+                                      <p:to>
+                                        <p:strVal val="hidden"/>
+                                      </p:to>
+                                    </p:set>
+                                  </p:childTnLst>
+                                </p:cTn>
+                              </p:par>
+                            </p:childTnLst>
+                          </p:cTn>
+                        </p:par>
+                      </p:childTnLst>
+                    </p:cTn>
+                  </p:par>
+                  <p:par>
+                    <p:cTn id="27" fill="hold">
+                      <p:stCondLst>
+                        <p:cond delay="indefinite"/>
+                      </p:stCondLst>
+                      <p:childTnLst>
+                        <p:par>
+                          <p:cTn id="28" fill="hold">
+                            <p:stCondLst>
+                              <p:cond delay="0"/>
+                            </p:stCondLst>
+                            <p:childTnLst>
+                              <p:par>
+                                <p:cTn id="29" presetID="1" presetClass="entr" presetSubtype="0" fill="hold" grpId="0" nodeType="clickEffect">
+                                  <p:stCondLst>
+                                    <p:cond delay="0"/>
+                                  </p:stCondLst>
+                                  <p:childTnLst>
+                                    <p:set>
+                                      <p:cBhvr>
+                                        <p:cTn id="30" dur="1" fill="hold">
+                                          <p:stCondLst>
+                                            <p:cond delay="0"/>
+                                          </p:stCondLst>
+                                        </p:cTn>
+                                        <p:tgtEl>
+                                          <p:spTgt spid="11"/>
+                                        </p:tgtEl>
+                                        <p:attrNameLst>
+                                          <p:attrName>style.visibility</p:attrName>
+                                        </p:attrNameLst>
+                                      </p:cBhvr>
+                                      <p:to>
+                                        <p:strVal val="visible"/>
+                                      </p:to>
+                                    </p:set>
+                                  </p:childTnLst>
+                                </p:cTn>
+                              </p:par>
+                            </p:childTnLst>
+                          </p:cTn>
+                        </p:par>
+                      </p:childTnLst>
+                    </p:cTn>
+                  </p:par>
+                  <p:par>
+                    <p:cTn id="31" fill="hold">
+                      <p:stCondLst>
+                        <p:cond delay="indefinite"/>
+                      </p:stCondLst>
+                      <p:childTnLst>
+                        <p:par>
+                          <p:cTn id="32" fill="hold">
+                            <p:stCondLst>
+                              <p:cond delay="0"/>
+                            </p:stCondLst>
+                            <p:childTnLst>
+                              <p:par>
+                                <p:cTn id="33" presetID="1" presetClass="entr" presetSubtype="0" fill="hold" grpId="0" nodeType="clickEffect">
+                                  <p:stCondLst>
+                                    <p:cond delay="0"/>
+                                  </p:stCondLst>
+                                  <p:childTnLst>
+                                    <p:set>
+                                      <p:cBhvr>
+                                        <p:cTn id="34" dur="1" fill="hold">
+                                          <p:stCondLst>
+                                            <p:cond delay="0"/>
+                                          </p:stCondLst>
+                                        </p:cTn>
+                                        <p:tgtEl>
+                                          <p:spTgt spid="12"/>
+                                        </p:tgtEl>
+                                        <p:attrNameLst>
+                                          <p:attrName>style.visibility</p:attrName>
+                                        </p:attrNameLst>
+                                      </p:cBhvr>
+                                      <p:to>
+                                        <p:strVal val="visible"/>
+                                      </p:to>
+                                    </p:set>
+                                  </p:childTnLst>
+                                </p:cTn>
+                              </p:par>
+                            </p:childTnLst>
+                          </p:cTn>
+                        </p:par>
+                      </p:childTnLst>
+                    </p:cTn>
+                  </p:par>
+                  <p:par>
+                    <p:cTn id="35" fill="hold">
+                      <p:stCondLst>
+                        <p:cond delay="indefinite"/>
+                      </p:stCondLst>
+                      <p:childTnLst>
+                        <p:par>
+                          <p:cTn id="36" fill="hold">
+                            <p:stCondLst>
+                              <p:cond delay="0"/>
+                            </p:stCondLst>
+                            <p:childTnLst>
+                              <p:par>
+                                <p:cTn id="37" presetID="1" presetClass="entr" presetSubtype="0" fill="hold" nodeType="clickEffect">
+                                  <p:stCondLst>
+                                    <p:cond delay="0"/>
+                                  </p:stCondLst>
+                                  <p:childTnLst>
+                                    <p:set>
+                                      <p:cBhvr>
+                                        <p:cTn id="38" dur="1" fill="hold">
+                                          <p:stCondLst>
+                                            <p:cond delay="0"/>
+                                          </p:stCondLst>
+                                        </p:cTn>
+                                        <p:tgtEl>
+                                          <p:spTgt spid="16"/>
+                                        </p:tgtEl>
+                                        <p:attrNameLst>
+                                          <p:attrName>style.visibility</p:attrName>
+                                        </p:attrNameLst>
+                                      </p:cBhvr>
+                                      <p:to>
+                                        <p:strVal val="visible"/>
+                                      </p:to>
+                                    </p:set>
+                                  </p:childTnLst>
+                                </p:cTn>
+                              </p:par>
+                            </p:childTnLst>
+                          </p:cTn>
+                        </p:par>
+                      </p:childTnLst>
+                    </p:cTn>
+                  </p:par>
+                  <p:par>
+                    <p:cTn id="39" fill="hold">
+                      <p:stCondLst>
+                        <p:cond delay="indefinite"/>
+                      </p:stCondLst>
+                      <p:childTnLst>
+                        <p:par>
+                          <p:cTn id="40" fill="hold">
+                            <p:stCondLst>
+                              <p:cond delay="0"/>
+                            </p:stCondLst>
+                            <p:childTnLst>
+                              <p:par>
+                                <p:cTn id="41" presetID="1" presetClass="entr" presetSubtype="0" fill="hold" nodeType="clickEffect">
+                                  <p:stCondLst>
+                                    <p:cond delay="0"/>
+                                  </p:stCondLst>
+                                  <p:childTnLst>
+                                    <p:set>
+                                      <p:cBhvr>
+                                        <p:cTn id="42" dur="1" fill="hold">
+                                          <p:stCondLst>
+                                            <p:cond delay="0"/>
+                                          </p:stCondLst>
+                                        </p:cTn>
+                                        <p:tgtEl>
+                                          <p:spTgt spid="2052"/>
+                                        </p:tgtEl>
+                                        <p:attrNameLst>
+                                          <p:attrName>style.visibility</p:attrName>
+                                        </p:attrNameLst>
+                                      </p:cBhvr>
+                                      <p:to>
+                                        <p:strVal val="visible"/>
+                                      </p:to>
+                                    </p:set>
+                                  </p:childTnLst>
+                                </p:cTn>
+                              </p:par>
+                            </p:childTnLst>
+                          </p:cTn>
+                        </p:par>
+                      </p:childTnLst>
+                    </p:cTn>
+                  </p:par>
+                  <p:par>
+                    <p:cTn id="43" fill="hold">
+                      <p:stCondLst>
+                        <p:cond delay="indefinite"/>
+                      </p:stCondLst>
+                      <p:childTnLst>
+                        <p:par>
+                          <p:cTn id="44" fill="hold">
+                            <p:stCondLst>
+                              <p:cond delay="0"/>
+                            </p:stCondLst>
+                            <p:childTnLst>
+                              <p:par>
+                                <p:cTn id="45" presetID="1" presetClass="entr" presetSubtype="0" fill="hold" nodeType="clickEffect">
+                                  <p:stCondLst>
+                                    <p:cond delay="0"/>
+                                  </p:stCondLst>
+                                  <p:childTnLst>
+                                    <p:set>
+                                      <p:cBhvr>
+                                        <p:cTn id="46" dur="1" fill="hold">
+                                          <p:stCondLst>
+                                            <p:cond delay="0"/>
+                                          </p:stCondLst>
+                                        </p:cTn>
+                                        <p:tgtEl>
+                                          <p:spTgt spid="4"/>
+                                        </p:tgtEl>
+                                        <p:attrNameLst>
+                                          <p:attrName>style.visibility</p:attrName>
+                                        </p:attrNameLst>
+                                      </p:cBhvr>
+                                      <p:to>
+                                        <p:strVal val="visible"/>
+                                      </p:to>
+                                    </p:set>
+                                  </p:childTnLst>
+                                </p:cTn>
+                              </p:par>
+                            </p:childTnLst>
+                          </p:cTn>
+                        </p:par>
+                      </p:childTnLst>
+                    </p:cTn>
+                  </p:par>
+                  <p:par>
+                    <p:cTn id="47" fill="hold">
+                      <p:stCondLst>
+                        <p:cond delay="indefinite"/>
+                      </p:stCondLst>
+                      <p:childTnLst>
+                        <p:par>
+                          <p:cTn id="48" fill="hold">
+                            <p:stCondLst>
+                              <p:cond delay="0"/>
+                            </p:stCondLst>
+                            <p:childTnLst>
+                              <p:par>
+                                <p:cTn id="49" presetID="1" presetClass="exit" presetSubtype="0" fill="hold" nodeType="clickEffect">
+                                  <p:stCondLst>
+                                    <p:cond delay="0"/>
+                                  </p:stCondLst>
+                                  <p:childTnLst>
+                                    <p:set>
+                                      <p:cBhvr>
+                                        <p:cTn id="50" dur="1" fill="hold">
+                                          <p:stCondLst>
+                                            <p:cond delay="0"/>
+                                          </p:stCondLst>
+                                        </p:cTn>
+                                        <p:tgtEl>
+                                          <p:spTgt spid="16"/>
+                                        </p:tgtEl>
+                                        <p:attrNameLst>
+                                          <p:attrName>style.visibility</p:attrName>
+                                        </p:attrNameLst>
+                                      </p:cBhvr>
+                                      <p:to>
+                                        <p:strVal val="hidden"/>
+                                      </p:to>
+                                    </p:set>
+                                  </p:childTnLst>
+                                </p:cTn>
+                              </p:par>
+                              <p:par>
+                                <p:cTn id="51" presetID="1" presetClass="exit" presetSubtype="0" fill="hold" nodeType="withEffect">
+                                  <p:stCondLst>
+                                    <p:cond delay="0"/>
+                                  </p:stCondLst>
+                                  <p:childTnLst>
+                                    <p:set>
+                                      <p:cBhvr>
+                                        <p:cTn id="52" dur="1" fill="hold">
+                                          <p:stCondLst>
+                                            <p:cond delay="0"/>
+                                          </p:stCondLst>
+                                        </p:cTn>
+                                        <p:tgtEl>
+                                          <p:spTgt spid="2052"/>
+                                        </p:tgtEl>
+                                        <p:attrNameLst>
+                                          <p:attrName>style.visibility</p:attrName>
+                                        </p:attrNameLst>
+                                      </p:cBhvr>
+                                      <p:to>
+                                        <p:strVal val="hidden"/>
+                                      </p:to>
+                                    </p:set>
+                                  </p:childTnLst>
+                                </p:cTn>
+                              </p:par>
+                              <p:par>
+                                <p:cTn id="53" presetID="1" presetClass="exit" presetSubtype="0" fill="hold" nodeType="withEffect">
+                                  <p:stCondLst>
+                                    <p:cond delay="0"/>
+                                  </p:stCondLst>
+                                  <p:childTnLst>
+                                    <p:set>
+                                      <p:cBhvr>
+                                        <p:cTn id="54" dur="1" fill="hold">
+                                          <p:stCondLst>
+                                            <p:cond delay="0"/>
+                                          </p:stCondLst>
+                                        </p:cTn>
+                                        <p:tgtEl>
+                                          <p:spTgt spid="4"/>
+                                        </p:tgtEl>
+                                        <p:attrNameLst>
+                                          <p:attrName>style.visibility</p:attrName>
+                                        </p:attrNameLst>
+                                      </p:cBhvr>
+                                      <p:to>
+                                        <p:strVal val="hidden"/>
+                                      </p:to>
+                                    </p:set>
+                                  </p:childTnLst>
+                                </p:cTn>
+                              </p:par>
+                            </p:childTnLst>
+                          </p:cTn>
+                        </p:par>
+                      </p:childTnLst>
+                    </p:cTn>
+                  </p:par>
+                  <p:par>
+                    <p:cTn id="55" fill="hold">
+                      <p:stCondLst>
+                        <p:cond delay="indefinite"/>
+                      </p:stCondLst>
+                      <p:childTnLst>
+                        <p:par>
+                          <p:cTn id="56" fill="hold">
+                            <p:stCondLst>
+                              <p:cond delay="0"/>
+                            </p:stCondLst>
+                            <p:childTnLst>
+                              <p:par>
+                                <p:cTn id="57" presetID="1" presetClass="entr" presetSubtype="0" fill="hold" nodeType="clickEffect">
+                                  <p:stCondLst>
+                                    <p:cond delay="0"/>
+                                  </p:stCondLst>
+                                  <p:childTnLst>
+                                    <p:set>
+                                      <p:cBhvr>
+                                        <p:cTn id="58" dur="1" fill="hold">
+                                          <p:stCondLst>
+                                            <p:cond delay="0"/>
+                                          </p:stCondLst>
+                                        </p:cTn>
+                                        <p:tgtEl>
+                                          <p:spTgt spid="17"/>
+                                        </p:tgtEl>
+                                        <p:attrNameLst>
+                                          <p:attrName>style.visibility</p:attrName>
+                                        </p:attrNameLst>
+                                      </p:cBhvr>
+                                      <p:to>
+                                        <p:strVal val="visible"/>
+                                      </p:to>
+                                    </p:set>
+                                  </p:childTnLst>
+                                </p:cTn>
+                              </p:par>
+                            </p:childTnLst>
+                          </p:cTn>
+                        </p:par>
+                      </p:childTnLst>
+                    </p:cTn>
+                  </p:par>
+                  <p:par>
+                    <p:cTn id="59" fill="hold">
+                      <p:stCondLst>
+                        <p:cond delay="indefinite"/>
+                      </p:stCondLst>
+                      <p:childTnLst>
+                        <p:par>
+                          <p:cTn id="60" fill="hold">
+                            <p:stCondLst>
+                              <p:cond delay="0"/>
+                            </p:stCondLst>
+                            <p:childTnLst>
+                              <p:par>
+                                <p:cTn id="61" presetID="1" presetClass="entr" presetSubtype="0" fill="hold" nodeType="clickEffect">
+                                  <p:stCondLst>
+                                    <p:cond delay="0"/>
+                                  </p:stCondLst>
+                                  <p:childTnLst>
+                                    <p:set>
+                                      <p:cBhvr>
+                                        <p:cTn id="62" dur="1" fill="hold">
+                                          <p:stCondLst>
+                                            <p:cond delay="0"/>
+                                          </p:stCondLst>
+                                        </p:cTn>
+                                        <p:tgtEl>
+                                          <p:spTgt spid="2054"/>
+                                        </p:tgtEl>
+                                        <p:attrNameLst>
+                                          <p:attrName>style.visibility</p:attrName>
+                                        </p:attrNameLst>
+                                      </p:cBhvr>
+                                      <p:to>
+                                        <p:strVal val="visible"/>
+                                      </p:to>
+                                    </p:set>
+                                  </p:childTnLst>
+                                </p:cTn>
+                              </p:par>
+                            </p:childTnLst>
+                          </p:cTn>
+                        </p:par>
+                      </p:childTnLst>
+                    </p:cTn>
+                  </p:par>
+                  <p:par>
+                    <p:cTn id="63" fill="hold">
+                      <p:stCondLst>
+                        <p:cond delay="indefinite"/>
+                      </p:stCondLst>
+                      <p:childTnLst>
+                        <p:par>
+                          <p:cTn id="64" fill="hold">
+                            <p:stCondLst>
+                              <p:cond delay="0"/>
+                            </p:stCondLst>
+                            <p:childTnLst>
+                              <p:par>
+                                <p:cTn id="65" presetID="1" presetClass="entr" presetSubtype="0" fill="hold" grpId="0" nodeType="clickEffect">
+                                  <p:stCondLst>
+                                    <p:cond delay="0"/>
+                                  </p:stCondLst>
+                                  <p:childTnLst>
+                                    <p:set>
+                                      <p:cBhvr>
+                                        <p:cTn id="66" dur="1" fill="hold">
+                                          <p:stCondLst>
+                                            <p:cond delay="0"/>
+                                          </p:stCondLst>
+                                        </p:cTn>
+                                        <p:tgtEl>
+                                          <p:spTgt spid="8"/>
+                                        </p:tgtEl>
+                                        <p:attrNameLst>
+                                          <p:attrName>style.visibility</p:attrName>
+                                        </p:attrNameLst>
+                                      </p:cBhvr>
+                                      <p:to>
+                                        <p:strVal val="visible"/>
+                                      </p:to>
+                                    </p:set>
+                                  </p:childTnLst>
+                                </p:cTn>
+                              </p:par>
+                              <p:par>
+                                <p:cTn id="67" presetID="26" presetClass="emph" presetSubtype="0" fill="hold" grpId="1" nodeType="withEffect">
+                                  <p:stCondLst>
+                                    <p:cond delay="0"/>
+                                  </p:stCondLst>
+                                  <p:childTnLst>
+                                    <p:animEffect transition="out" filter="fade">
+                                      <p:cBhvr>
+                                        <p:cTn id="68" dur="500" tmFilter="0, 0; .2, .5; .8, .5; 1, 0"/>
+                                        <p:tgtEl>
+                                          <p:spTgt spid="8"/>
+                                        </p:tgtEl>
+                                      </p:cBhvr>
+                                    </p:animEffect>
+                                    <p:animScale>
+                                      <p:cBhvr>
+                                        <p:cTn id="69" dur="250" autoRev="1" fill="hold"/>
+                                        <p:tgtEl>
+                                          <p:spTgt spid="8"/>
+                                        </p:tgtEl>
+                                      </p:cBhvr>
+                                      <p:by x="105000" y="105000"/>
+                                    </p:animScale>
+                                  </p:childTnLst>
+                                </p:cTn>
+                              </p:par>
+                            </p:childTnLst>
+                          </p:cTn>
+                        </p:par>
+                      </p:childTnLst>
+                    </p:cTn>
+                  </p:par>
+                  <p:par>
+                    <p:cTn id="70" fill="hold">
+                      <p:stCondLst>
+                        <p:cond delay="indefinite"/>
+                      </p:stCondLst>
+                      <p:childTnLst>
+                        <p:par>
+                          <p:cTn id="71" fill="hold">
+                            <p:stCondLst>
+                              <p:cond delay="0"/>
+                            </p:stCondLst>
+                            <p:childTnLst>
+                              <p:par>
+                                <p:cTn id="72" presetID="1" presetClass="exit" presetSubtype="0" fill="hold" nodeType="clickEffect">
+                                  <p:stCondLst>
+                                    <p:cond delay="0"/>
+                                  </p:stCondLst>
+                                  <p:childTnLst>
+                                    <p:set>
+                                      <p:cBhvr>
+                                        <p:cTn id="73" dur="1" fill="hold">
+                                          <p:stCondLst>
+                                            <p:cond delay="0"/>
+                                          </p:stCondLst>
+                                        </p:cTn>
+                                        <p:tgtEl>
+                                          <p:spTgt spid="17"/>
+                                        </p:tgtEl>
+                                        <p:attrNameLst>
+                                          <p:attrName>style.visibility</p:attrName>
+                                        </p:attrNameLst>
+                                      </p:cBhvr>
+                                      <p:to>
+                                        <p:strVal val="hidden"/>
+                                      </p:to>
+                                    </p:set>
+                                  </p:childTnLst>
+                                </p:cTn>
+                              </p:par>
+                              <p:par>
+                                <p:cTn id="74" presetID="1" presetClass="exit" presetSubtype="0" fill="hold" nodeType="withEffect">
+                                  <p:stCondLst>
+                                    <p:cond delay="0"/>
+                                  </p:stCondLst>
+                                  <p:childTnLst>
+                                    <p:set>
+                                      <p:cBhvr>
+                                        <p:cTn id="75" dur="1" fill="hold">
+                                          <p:stCondLst>
+                                            <p:cond delay="0"/>
+                                          </p:stCondLst>
+                                        </p:cTn>
+                                        <p:tgtEl>
+                                          <p:spTgt spid="2054"/>
+                                        </p:tgtEl>
+                                        <p:attrNameLst>
+                                          <p:attrName>style.visibility</p:attrName>
+                                        </p:attrNameLst>
+                                      </p:cBhvr>
+                                      <p:to>
+                                        <p:strVal val="hidden"/>
+                                      </p:to>
+                                    </p:set>
+                                  </p:childTnLst>
+                                </p:cTn>
+                              </p:par>
+                              <p:par>
+                                <p:cTn id="76" presetID="1" presetClass="exit" presetSubtype="0" fill="hold" grpId="2" nodeType="withEffect">
+                                  <p:stCondLst>
+                                    <p:cond delay="0"/>
+                                  </p:stCondLst>
+                                  <p:childTnLst>
+                                    <p:set>
+                                      <p:cBhvr>
+                                        <p:cTn id="77" dur="1" fill="hold">
+                                          <p:stCondLst>
+                                            <p:cond delay="0"/>
+                                          </p:stCondLst>
+                                        </p:cTn>
+                                        <p:tgtEl>
+                                          <p:spTgt spid="8"/>
+                                        </p:tgtEl>
+                                        <p:attrNameLst>
+                                          <p:attrName>style.visibility</p:attrName>
+                                        </p:attrNameLst>
+                                      </p:cBhvr>
+                                      <p:to>
+                                        <p:strVal val="hidden"/>
+                                      </p:to>
+                                    </p:set>
+                                  </p:childTnLst>
+                                </p:cTn>
+                              </p:par>
+                            </p:childTnLst>
+                          </p:cTn>
+                        </p:par>
+                      </p:childTnLst>
+                    </p:cTn>
+                  </p:par>
+                </p:childTnLst>
+              </p:cTn>
+              <p:prevCondLst>
+                <p:cond evt="onPrev" delay="0">
+                  <p:tgtEl>
+                    <p:sldTgt/>
+                  </p:tgtEl>
+                </p:cond>
+              </p:prevCondLst>
+              <p:nextCondLst>
+                <p:cond evt="onNext" delay="0">
+                  <p:tgtEl>
+                    <p:sldTgt/>
+                  </p:tgtEl>
+                </p:cond>
+              </p:nextCondLst>
+            </p:seq>
+          </p:childTnLst>
+        </p:cTn>
+      </p:par>
+    </p:tnLst>
+    <p:bldLst>
+      <p:bldP spid="21" grpId="0"/>
+      <p:bldP spid="23" grpId="0"/>
+      <p:bldP spid="11" grpId="0"/>
+      <p:bldP spid="12" grpId="0"/>
+      <p:bldP spid="8" grpId="0"/>
+      <p:bldP spid="8" grpId="1"/>
+      <p:bldP spid="8" grpId="2"/>
+    </p:bldLst>
+  </p:timing>
+</p:sld>
+</file>
+
+<file path=ppt/slides/slide7.xml><?xml version="1.0" encoding="utf-8"?>
 <p:sld xmlns:a="http://schemas.openxmlformats.org/drawingml/2006/main" xmlns:r="http://schemas.openxmlformats.org/officeDocument/2006/relationships" xmlns:p="http://schemas.openxmlformats.org/presentationml/2006/main">
   <p:cSld>
     <p:spTree>
@@ -11266,7 +13522,7 @@
 </p:sld>
 </file>
 
-<file path=ppt/slides/slide7.xml><?xml version="1.0" encoding="utf-8"?>
+<file path=ppt/slides/slide8.xml><?xml version="1.0" encoding="utf-8"?>
 <p:sld xmlns:a="http://schemas.openxmlformats.org/drawingml/2006/main" xmlns:r="http://schemas.openxmlformats.org/officeDocument/2006/relationships" xmlns:p="http://schemas.openxmlformats.org/presentationml/2006/main">
   <p:cSld>
     <p:spTree>
@@ -12457,6 +14713,397 @@
 </p:sld>
 </file>
 
+<file path=ppt/slides/slide9.xml><?xml version="1.0" encoding="utf-8"?>
+<p:sld xmlns:a="http://schemas.openxmlformats.org/drawingml/2006/main" xmlns:r="http://schemas.openxmlformats.org/officeDocument/2006/relationships" xmlns:p="http://schemas.openxmlformats.org/presentationml/2006/main">
+  <p:cSld>
+    <p:spTree>
+      <p:nvGrpSpPr>
+        <p:cNvPr id="1" name=""/>
+        <p:cNvGrpSpPr/>
+        <p:nvPr/>
+      </p:nvGrpSpPr>
+      <p:grpSpPr>
+        <a:xfrm>
+          <a:off x="0" y="0"/>
+          <a:ext cx="0" cy="0"/>
+          <a:chOff x="0" y="0"/>
+          <a:chExt cx="0" cy="0"/>
+        </a:xfrm>
+      </p:grpSpPr>
+      <p:sp>
+        <p:nvSpPr>
+          <p:cNvPr id="5" name="TextBox 4"/>
+          <p:cNvSpPr txBox="1"/>
+          <p:nvPr/>
+        </p:nvSpPr>
+        <p:spPr>
+          <a:xfrm>
+            <a:off x="4509779" y="369502"/>
+            <a:ext cx="3172443" cy="461665"/>
+          </a:xfrm>
+          <a:prstGeom prst="rect">
+            <a:avLst/>
+          </a:prstGeom>
+          <a:noFill/>
+        </p:spPr>
+        <p:txBody>
+          <a:bodyPr wrap="square" rtlCol="0">
+            <a:spAutoFit/>
+          </a:bodyPr>
+          <a:lstStyle/>
+          <a:p>
+            <a:pPr algn="ctr"/>
+            <a:r>
+              <a:rPr lang="ko-KR" altLang="en-US" sz="2400" spc="-150" dirty="0" smtClean="0">
+                <a:solidFill>
+                  <a:srgbClr val="0058A3"/>
+                </a:solidFill>
+                <a:latin typeface="+mj-ea"/>
+                <a:ea typeface="+mj-ea"/>
+              </a:rPr>
+              <a:t>참고</a:t>
+            </a:r>
+            <a:endParaRPr lang="ko-KR" altLang="en-US" sz="2400" spc="-150" dirty="0">
+              <a:solidFill>
+                <a:srgbClr val="0058A3"/>
+              </a:solidFill>
+              <a:latin typeface="+mj-ea"/>
+              <a:ea typeface="+mj-ea"/>
+            </a:endParaRPr>
+          </a:p>
+        </p:txBody>
+      </p:sp>
+      <p:sp>
+        <p:nvSpPr>
+          <p:cNvPr id="6" name="TextBox 5"/>
+          <p:cNvSpPr txBox="1"/>
+          <p:nvPr/>
+        </p:nvSpPr>
+        <p:spPr>
+          <a:xfrm>
+            <a:off x="4312290" y="831167"/>
+            <a:ext cx="3567421" cy="341568"/>
+          </a:xfrm>
+          <a:prstGeom prst="rect">
+            <a:avLst/>
+          </a:prstGeom>
+          <a:noFill/>
+        </p:spPr>
+        <p:txBody>
+          <a:bodyPr wrap="square" rtlCol="0">
+            <a:spAutoFit/>
+          </a:bodyPr>
+          <a:lstStyle/>
+          <a:p>
+            <a:pPr algn="ctr">
+              <a:lnSpc>
+                <a:spcPct val="130000"/>
+              </a:lnSpc>
+            </a:pPr>
+            <a:r>
+              <a:rPr lang="ko-KR" altLang="en-US" sz="1400" spc="-80" dirty="0" smtClean="0">
+                <a:latin typeface="+mn-ea"/>
+              </a:rPr>
+              <a:t>참고한 경로</a:t>
+            </a:r>
+            <a:endParaRPr lang="ko-KR" altLang="en-US" sz="1400" spc="-80" dirty="0">
+              <a:latin typeface="+mn-ea"/>
+            </a:endParaRPr>
+          </a:p>
+        </p:txBody>
+      </p:sp>
+      <p:sp>
+        <p:nvSpPr>
+          <p:cNvPr id="19" name="직사각형 18"/>
+          <p:cNvSpPr/>
+          <p:nvPr/>
+        </p:nvSpPr>
+        <p:spPr>
+          <a:xfrm>
+            <a:off x="76200" y="74298"/>
+            <a:ext cx="12039599" cy="6707502"/>
+          </a:xfrm>
+          <a:prstGeom prst="rect">
+            <a:avLst/>
+          </a:prstGeom>
+          <a:noFill/>
+          <a:ln w="152400">
+            <a:solidFill>
+              <a:srgbClr val="0058A3"/>
+            </a:solidFill>
+          </a:ln>
+        </p:spPr>
+        <p:style>
+          <a:lnRef idx="2">
+            <a:schemeClr val="accent1">
+              <a:shade val="50000"/>
+            </a:schemeClr>
+          </a:lnRef>
+          <a:fillRef idx="1">
+            <a:schemeClr val="accent1"/>
+          </a:fillRef>
+          <a:effectRef idx="0">
+            <a:schemeClr val="accent1"/>
+          </a:effectRef>
+          <a:fontRef idx="minor">
+            <a:schemeClr val="lt1"/>
+          </a:fontRef>
+        </p:style>
+        <p:txBody>
+          <a:bodyPr rtlCol="0" anchor="ctr"/>
+          <a:lstStyle/>
+          <a:p>
+            <a:pPr algn="ctr"/>
+            <a:endParaRPr lang="ko-KR" altLang="en-US"/>
+          </a:p>
+        </p:txBody>
+      </p:sp>
+      <p:sp>
+        <p:nvSpPr>
+          <p:cNvPr id="20" name="직사각형 19"/>
+          <p:cNvSpPr/>
+          <p:nvPr/>
+        </p:nvSpPr>
+        <p:spPr>
+          <a:xfrm>
+            <a:off x="418743" y="1319634"/>
+            <a:ext cx="11495617" cy="5253408"/>
+          </a:xfrm>
+          <a:prstGeom prst="rect">
+            <a:avLst/>
+          </a:prstGeom>
+          <a:solidFill>
+            <a:schemeClr val="bg2"/>
+          </a:solidFill>
+          <a:ln>
+            <a:noFill/>
+          </a:ln>
+        </p:spPr>
+        <p:style>
+          <a:lnRef idx="2">
+            <a:schemeClr val="accent1">
+              <a:shade val="50000"/>
+            </a:schemeClr>
+          </a:lnRef>
+          <a:fillRef idx="1">
+            <a:schemeClr val="accent1"/>
+          </a:fillRef>
+          <a:effectRef idx="0">
+            <a:schemeClr val="accent1"/>
+          </a:effectRef>
+          <a:fontRef idx="minor">
+            <a:schemeClr val="lt1"/>
+          </a:fontRef>
+        </p:style>
+        <p:txBody>
+          <a:bodyPr rtlCol="0" anchor="ctr"/>
+          <a:lstStyle/>
+          <a:p>
+            <a:pPr algn="ctr"/>
+            <a:r>
+              <a:rPr lang="en-US" altLang="ko-KR" dirty="0" smtClean="0"/>
+              <a:t> </a:t>
+            </a:r>
+            <a:endParaRPr lang="ko-KR" altLang="en-US" dirty="0"/>
+          </a:p>
+        </p:txBody>
+      </p:sp>
+      <p:sp>
+        <p:nvSpPr>
+          <p:cNvPr id="21" name="TextBox 20"/>
+          <p:cNvSpPr txBox="1"/>
+          <p:nvPr/>
+        </p:nvSpPr>
+        <p:spPr>
+          <a:xfrm>
+            <a:off x="569229" y="1319634"/>
+            <a:ext cx="5207725" cy="2191369"/>
+          </a:xfrm>
+          <a:prstGeom prst="rect">
+            <a:avLst/>
+          </a:prstGeom>
+          <a:noFill/>
+        </p:spPr>
+        <p:txBody>
+          <a:bodyPr wrap="square" rtlCol="0">
+            <a:spAutoFit/>
+          </a:bodyPr>
+          <a:lstStyle/>
+          <a:p>
+            <a:pPr>
+              <a:lnSpc>
+                <a:spcPct val="130000"/>
+              </a:lnSpc>
+            </a:pPr>
+            <a:r>
+              <a:rPr lang="en-US" altLang="ko-KR" sz="1000" spc="-80" dirty="0" smtClean="0">
+                <a:latin typeface="+mn-ea"/>
+              </a:rPr>
+              <a:t>5p</a:t>
+            </a:r>
+          </a:p>
+          <a:p>
+            <a:pPr>
+              <a:lnSpc>
+                <a:spcPct val="130000"/>
+              </a:lnSpc>
+            </a:pPr>
+            <a:r>
+              <a:rPr lang="ko-KR" altLang="en-US" sz="1000" spc="-80" dirty="0" smtClean="0">
+                <a:latin typeface="+mn-ea"/>
+              </a:rPr>
+              <a:t>개인화란 무엇인가</a:t>
+            </a:r>
+            <a:r>
+              <a:rPr lang="en-US" altLang="ko-KR" sz="1000" spc="-80" dirty="0" smtClean="0">
+                <a:latin typeface="+mn-ea"/>
+              </a:rPr>
+              <a:t>?</a:t>
+            </a:r>
+            <a:endParaRPr lang="en-US" altLang="ko-KR" sz="1000" spc="-80" dirty="0" smtClean="0">
+              <a:latin typeface="+mn-ea"/>
+            </a:endParaRPr>
+          </a:p>
+          <a:p>
+            <a:pPr>
+              <a:lnSpc>
+                <a:spcPct val="130000"/>
+              </a:lnSpc>
+            </a:pPr>
+            <a:r>
+              <a:rPr lang="ko-KR" altLang="ko-KR" sz="1000" dirty="0">
+                <a:hlinkClick r:id="rId3"/>
+              </a:rPr>
+              <a:t>https://brunch.co.kr/@</a:t>
+            </a:r>
+            <a:r>
+              <a:rPr lang="ko-KR" altLang="ko-KR" sz="1000" dirty="0" smtClean="0">
+                <a:hlinkClick r:id="rId3"/>
+              </a:rPr>
+              <a:t>plusx/30</a:t>
+            </a:r>
+            <a:endParaRPr lang="en-US" altLang="ko-KR" sz="1000" dirty="0" smtClean="0"/>
+          </a:p>
+          <a:p>
+            <a:pPr>
+              <a:lnSpc>
+                <a:spcPct val="130000"/>
+              </a:lnSpc>
+            </a:pPr>
+            <a:r>
+              <a:rPr lang="ko-KR" altLang="ko-KR" sz="1000" dirty="0">
+                <a:hlinkClick r:id="rId4"/>
+              </a:rPr>
+              <a:t>https://brunch.co.kr/@plusx/32</a:t>
+            </a:r>
+            <a:endParaRPr lang="ko-KR" altLang="ko-KR" sz="1000" dirty="0"/>
+          </a:p>
+          <a:p>
+            <a:pPr>
+              <a:lnSpc>
+                <a:spcPct val="130000"/>
+              </a:lnSpc>
+            </a:pPr>
+            <a:endParaRPr lang="en-US" altLang="ko-KR" sz="1000" dirty="0" smtClean="0"/>
+          </a:p>
+          <a:p>
+            <a:pPr>
+              <a:lnSpc>
+                <a:spcPct val="130000"/>
+              </a:lnSpc>
+            </a:pPr>
+            <a:endParaRPr lang="en-US" altLang="ko-KR" sz="800" spc="-80" dirty="0">
+              <a:latin typeface="+mn-ea"/>
+            </a:endParaRPr>
+          </a:p>
+          <a:p>
+            <a:pPr latinLnBrk="0"/>
+            <a:r>
+              <a:rPr lang="ko-KR" altLang="ko-KR" sz="800" dirty="0"/>
+              <a:t>시장의 세분화(STP)</a:t>
+            </a:r>
+          </a:p>
+          <a:p>
+            <a:pPr latinLnBrk="0"/>
+            <a:r>
+              <a:rPr lang="en-US" altLang="ko-KR" sz="800" u="sng" dirty="0">
+                <a:hlinkClick r:id="rId5"/>
+              </a:rPr>
+              <a:t>https://</a:t>
+            </a:r>
+            <a:r>
+              <a:rPr lang="en-US" altLang="ko-KR" sz="800" u="sng" dirty="0" smtClean="0">
+                <a:hlinkClick r:id="rId5"/>
+              </a:rPr>
+              <a:t>m.blog.naver.com/PostView.nhn?blogId=nancy_jh&amp;logNo=220446906554&amp;proxyReferer=https%3A%2F%2Fwww.google.com%2F</a:t>
+            </a:r>
+            <a:endParaRPr lang="en-US" altLang="ko-KR" sz="800" u="sng" dirty="0" smtClean="0"/>
+          </a:p>
+          <a:p>
+            <a:pPr latinLnBrk="0"/>
+            <a:endParaRPr lang="ko-KR" altLang="ko-KR" sz="800" dirty="0"/>
+          </a:p>
+          <a:p>
+            <a:pPr latinLnBrk="0"/>
+            <a:r>
+              <a:rPr lang="ko-KR" altLang="ko-KR" sz="800" dirty="0"/>
+              <a:t>개인화와 세분화의 내용</a:t>
+            </a:r>
+          </a:p>
+          <a:p>
+            <a:pPr latinLnBrk="0"/>
+            <a:r>
+              <a:rPr lang="en-US" altLang="ko-KR" sz="800" u="sng" dirty="0">
+                <a:hlinkClick r:id="rId6"/>
+              </a:rPr>
+              <a:t>https://www.facebook.com/teradatadb/posts/1401486023312810/</a:t>
+            </a:r>
+            <a:endParaRPr lang="ko-KR" altLang="ko-KR" sz="800" dirty="0"/>
+          </a:p>
+          <a:p>
+            <a:pPr>
+              <a:lnSpc>
+                <a:spcPct val="130000"/>
+              </a:lnSpc>
+            </a:pPr>
+            <a:r>
+              <a:rPr lang="en-US" altLang="ko-KR" sz="1000" spc="-80" dirty="0" smtClean="0">
+                <a:latin typeface="+mn-ea"/>
+              </a:rPr>
+              <a:t>	</a:t>
+            </a:r>
+            <a:endParaRPr lang="en-US" altLang="ko-KR" sz="1000" spc="-80" dirty="0">
+              <a:latin typeface="+mn-ea"/>
+            </a:endParaRPr>
+          </a:p>
+        </p:txBody>
+      </p:sp>
+    </p:spTree>
+    <p:custDataLst>
+      <p:tags r:id="rId1"/>
+    </p:custDataLst>
+    <p:extLst>
+      <p:ext uri="{BB962C8B-B14F-4D97-AF65-F5344CB8AC3E}">
+        <p14:creationId xmlns:p14="http://schemas.microsoft.com/office/powerpoint/2010/main" val="703198057"/>
+      </p:ext>
+    </p:extLst>
+  </p:cSld>
+  <p:clrMapOvr>
+    <a:masterClrMapping/>
+  </p:clrMapOvr>
+  <p:transition spd="slow">
+    <p:push dir="u"/>
+  </p:transition>
+  <p:timing>
+    <p:tnLst>
+      <p:par>
+        <p:cTn id="1" dur="indefinite" restart="never" nodeType="tmRoot"/>
+      </p:par>
+    </p:tnLst>
+  </p:timing>
+</p:sld>
+</file>
+
 <file path=ppt/tags/tag1.xml><?xml version="1.0" encoding="utf-8"?>
 <p:tagLst xmlns:a="http://schemas.openxmlformats.org/drawingml/2006/main" xmlns:r="http://schemas.openxmlformats.org/officeDocument/2006/relationships" xmlns:p="http://schemas.openxmlformats.org/presentationml/2006/main">
   <p:tag name="TIMING" val="|1.4"/>
@@ -12489,13 +15136,25 @@
 
 <file path=ppt/tags/tag6.xml><?xml version="1.0" encoding="utf-8"?>
 <p:tagLst xmlns:a="http://schemas.openxmlformats.org/drawingml/2006/main" xmlns:r="http://schemas.openxmlformats.org/officeDocument/2006/relationships" xmlns:p="http://schemas.openxmlformats.org/presentationml/2006/main">
-  <p:tag name="TIMING" val="|0.3|1.7|1.7"/>
+  <p:tag name="TIMING" val="|0.7"/>
 </p:tagLst>
 </file>
 
 <file path=ppt/tags/tag7.xml><?xml version="1.0" encoding="utf-8"?>
 <p:tagLst xmlns:a="http://schemas.openxmlformats.org/drawingml/2006/main" xmlns:r="http://schemas.openxmlformats.org/officeDocument/2006/relationships" xmlns:p="http://schemas.openxmlformats.org/presentationml/2006/main">
+  <p:tag name="TIMING" val="|0.3|1.7|1.7"/>
+</p:tagLst>
+</file>
+
+<file path=ppt/tags/tag8.xml><?xml version="1.0" encoding="utf-8"?>
+<p:tagLst xmlns:a="http://schemas.openxmlformats.org/drawingml/2006/main" xmlns:r="http://schemas.openxmlformats.org/officeDocument/2006/relationships" xmlns:p="http://schemas.openxmlformats.org/presentationml/2006/main">
   <p:tag name="TIMING" val="|0.5|0.9|1"/>
+</p:tagLst>
+</file>
+
+<file path=ppt/tags/tag9.xml><?xml version="1.0" encoding="utf-8"?>
+<p:tagLst xmlns:a="http://schemas.openxmlformats.org/drawingml/2006/main" xmlns:r="http://schemas.openxmlformats.org/officeDocument/2006/relationships" xmlns:p="http://schemas.openxmlformats.org/presentationml/2006/main">
+  <p:tag name="TIMING" val="|0.7"/>
 </p:tagLst>
 </file>
 
@@ -12754,7 +15413,7 @@
   <a:extraClrSchemeLst/>
   <a:extLst>
     <a:ext uri="{05A4C25C-085E-4340-85A3-A5531E510DB2}">
-      <thm15:themeFamily xmlns:thm15="http://schemas.microsoft.com/office/thememl/2012/main" xmlns="" name="Office Theme" id="{62F939B6-93AF-4DB8-9C6B-D6C7DFDC589F}" vid="{4A3C46E8-61CC-4603-A589-7422A47A8E4A}"/>
+      <thm15:themeFamily xmlns="" xmlns:thm15="http://schemas.microsoft.com/office/thememl/2012/main" name="Office Theme" id="{62F939B6-93AF-4DB8-9C6B-D6C7DFDC589F}" vid="{4A3C46E8-61CC-4603-A589-7422A47A8E4A}"/>
     </a:ext>
   </a:extLst>
 </a:theme>
